--- a/docs/part_5/production_5.pptx
+++ b/docs/part_5/production_5.pptx
@@ -1,9 +1,12 @@
 
 <file path=ppt/presentation.xml><?xml version="1.0" encoding="utf-8"?>
-<p:presentation xmlns:a="http://schemas.openxmlformats.org/drawingml/2006/main" xmlns:p="http://schemas.openxmlformats.org/presentationml/2006/main" xmlns:r="http://schemas.openxmlformats.org/officeDocument/2006/relationships" saveSubsetFonts="1">
+<p:presentation xmlns:a="http://schemas.openxmlformats.org/drawingml/2006/main" xmlns:r="http://schemas.openxmlformats.org/officeDocument/2006/relationships" xmlns:p="http://schemas.openxmlformats.org/presentationml/2006/main" showSpecialPlsOnTitleSld="0" saveSubsetFonts="1">
   <p:sldMasterIdLst>
     <p:sldMasterId id="2147484296" r:id="rId1"/>
   </p:sldMasterIdLst>
+  <p:notesMasterIdLst>
+    <p:notesMasterId r:id="rId30"/>
+  </p:notesMasterIdLst>
   <p:sldIdLst>
     <p:sldId id="256" r:id="rId2"/>
     <p:sldId id="257" r:id="rId3"/>
@@ -20,13 +23,19 @@
     <p:sldId id="268" r:id="rId14"/>
     <p:sldId id="269" r:id="rId15"/>
     <p:sldId id="270" r:id="rId16"/>
-    <p:sldId id="271" r:id="rId17"/>
-    <p:sldId id="272" r:id="rId18"/>
-    <p:sldId id="273" r:id="rId19"/>
-    <p:sldId id="274" r:id="rId20"/>
-    <p:sldId id="275" r:id="rId21"/>
-    <p:sldId id="276" r:id="rId22"/>
-    <p:sldId id="277" r:id="rId23"/>
+    <p:sldId id="285" r:id="rId17"/>
+    <p:sldId id="273" r:id="rId18"/>
+    <p:sldId id="274" r:id="rId19"/>
+    <p:sldId id="275" r:id="rId20"/>
+    <p:sldId id="276" r:id="rId21"/>
+    <p:sldId id="277" r:id="rId22"/>
+    <p:sldId id="278" r:id="rId23"/>
+    <p:sldId id="279" r:id="rId24"/>
+    <p:sldId id="280" r:id="rId25"/>
+    <p:sldId id="281" r:id="rId26"/>
+    <p:sldId id="282" r:id="rId27"/>
+    <p:sldId id="283" r:id="rId28"/>
+    <p:sldId id="284" r:id="rId29"/>
   </p:sldIdLst>
   <p:sldSz cx="12192000" cy="6858000"/>
   <p:notesSz cx="6858000" cy="9144000"/>
@@ -34,8 +43,8 @@
     <a:defPPr>
       <a:defRPr lang="en-US"/>
     </a:defPPr>
-    <a:lvl1pPr algn="l" defTabSz="457200" eaLnBrk="1" hangingPunct="1" latinLnBrk="0" marL="0" rtl="0">
-      <a:defRPr kern="1200" sz="1800">
+    <a:lvl1pPr marL="0" algn="l" defTabSz="457200" rtl="0" eaLnBrk="1" latinLnBrk="0" hangingPunct="1">
+      <a:defRPr sz="1800" kern="1200">
         <a:solidFill>
           <a:schemeClr val="tx1"/>
         </a:solidFill>
@@ -44,8 +53,8 @@
         <a:cs typeface="+mn-cs"/>
       </a:defRPr>
     </a:lvl1pPr>
-    <a:lvl2pPr algn="l" defTabSz="457200" eaLnBrk="1" hangingPunct="1" latinLnBrk="0" marL="457200" rtl="0">
-      <a:defRPr kern="1200" sz="1800">
+    <a:lvl2pPr marL="457200" algn="l" defTabSz="457200" rtl="0" eaLnBrk="1" latinLnBrk="0" hangingPunct="1">
+      <a:defRPr sz="1800" kern="1200">
         <a:solidFill>
           <a:schemeClr val="tx1"/>
         </a:solidFill>
@@ -54,8 +63,8 @@
         <a:cs typeface="+mn-cs"/>
       </a:defRPr>
     </a:lvl2pPr>
-    <a:lvl3pPr algn="l" defTabSz="457200" eaLnBrk="1" hangingPunct="1" latinLnBrk="0" marL="914400" rtl="0">
-      <a:defRPr kern="1200" sz="1800">
+    <a:lvl3pPr marL="914400" algn="l" defTabSz="457200" rtl="0" eaLnBrk="1" latinLnBrk="0" hangingPunct="1">
+      <a:defRPr sz="1800" kern="1200">
         <a:solidFill>
           <a:schemeClr val="tx1"/>
         </a:solidFill>
@@ -64,8 +73,8 @@
         <a:cs typeface="+mn-cs"/>
       </a:defRPr>
     </a:lvl3pPr>
-    <a:lvl4pPr algn="l" defTabSz="457200" eaLnBrk="1" hangingPunct="1" latinLnBrk="0" marL="1371600" rtl="0">
-      <a:defRPr kern="1200" sz="1800">
+    <a:lvl4pPr marL="1371600" algn="l" defTabSz="457200" rtl="0" eaLnBrk="1" latinLnBrk="0" hangingPunct="1">
+      <a:defRPr sz="1800" kern="1200">
         <a:solidFill>
           <a:schemeClr val="tx1"/>
         </a:solidFill>
@@ -74,8 +83,8 @@
         <a:cs typeface="+mn-cs"/>
       </a:defRPr>
     </a:lvl4pPr>
-    <a:lvl5pPr algn="l" defTabSz="457200" eaLnBrk="1" hangingPunct="1" latinLnBrk="0" marL="1828800" rtl="0">
-      <a:defRPr kern="1200" sz="1800">
+    <a:lvl5pPr marL="1828800" algn="l" defTabSz="457200" rtl="0" eaLnBrk="1" latinLnBrk="0" hangingPunct="1">
+      <a:defRPr sz="1800" kern="1200">
         <a:solidFill>
           <a:schemeClr val="tx1"/>
         </a:solidFill>
@@ -84,8 +93,8 @@
         <a:cs typeface="+mn-cs"/>
       </a:defRPr>
     </a:lvl5pPr>
-    <a:lvl6pPr algn="l" defTabSz="457200" eaLnBrk="1" hangingPunct="1" latinLnBrk="0" marL="2286000" rtl="0">
-      <a:defRPr kern="1200" sz="1800">
+    <a:lvl6pPr marL="2286000" algn="l" defTabSz="457200" rtl="0" eaLnBrk="1" latinLnBrk="0" hangingPunct="1">
+      <a:defRPr sz="1800" kern="1200">
         <a:solidFill>
           <a:schemeClr val="tx1"/>
         </a:solidFill>
@@ -94,8 +103,8 @@
         <a:cs typeface="+mn-cs"/>
       </a:defRPr>
     </a:lvl6pPr>
-    <a:lvl7pPr algn="l" defTabSz="457200" eaLnBrk="1" hangingPunct="1" latinLnBrk="0" marL="2743200" rtl="0">
-      <a:defRPr kern="1200" sz="1800">
+    <a:lvl7pPr marL="2743200" algn="l" defTabSz="457200" rtl="0" eaLnBrk="1" latinLnBrk="0" hangingPunct="1">
+      <a:defRPr sz="1800" kern="1200">
         <a:solidFill>
           <a:schemeClr val="tx1"/>
         </a:solidFill>
@@ -104,8 +113,8 @@
         <a:cs typeface="+mn-cs"/>
       </a:defRPr>
     </a:lvl7pPr>
-    <a:lvl8pPr algn="l" defTabSz="457200" eaLnBrk="1" hangingPunct="1" latinLnBrk="0" marL="3200400" rtl="0">
-      <a:defRPr kern="1200" sz="1800">
+    <a:lvl8pPr marL="3200400" algn="l" defTabSz="457200" rtl="0" eaLnBrk="1" latinLnBrk="0" hangingPunct="1">
+      <a:defRPr sz="1800" kern="1200">
         <a:solidFill>
           <a:schemeClr val="tx1"/>
         </a:solidFill>
@@ -114,8 +123,8 @@
         <a:cs typeface="+mn-cs"/>
       </a:defRPr>
     </a:lvl8pPr>
-    <a:lvl9pPr algn="l" defTabSz="457200" eaLnBrk="1" hangingPunct="1" latinLnBrk="0" marL="3657600" rtl="0">
-      <a:defRPr kern="1200" sz="1800">
+    <a:lvl9pPr marL="3657600" algn="l" defTabSz="457200" rtl="0" eaLnBrk="1" latinLnBrk="0" hangingPunct="1">
+      <a:defRPr sz="1800" kern="1200">
         <a:solidFill>
           <a:schemeClr val="tx1"/>
         </a:solidFill>
@@ -131,6 +140,356 @@
     </p:ext>
   </p:extLst>
 </p:presentation>
+</file>
+
+<file path=ppt/notesMasters/notesMaster1.xml><?xml version="1.0" encoding="utf-8"?>
+<p:notesMaster xmlns:a="http://schemas.openxmlformats.org/drawingml/2006/main" xmlns:r="http://schemas.openxmlformats.org/officeDocument/2006/relationships" xmlns:p="http://schemas.openxmlformats.org/presentationml/2006/main">
+  <p:cSld>
+    <p:bg>
+      <p:bgRef idx="1001">
+        <a:schemeClr val="bg1"/>
+      </p:bgRef>
+    </p:bg>
+    <p:spTree>
+      <p:nvGrpSpPr>
+        <p:cNvPr id="1" name=""/>
+        <p:cNvGrpSpPr/>
+        <p:nvPr/>
+      </p:nvGrpSpPr>
+      <p:grpSpPr>
+        <a:xfrm>
+          <a:off x="0" y="0"/>
+          <a:ext cx="0" cy="0"/>
+          <a:chOff x="0" y="0"/>
+          <a:chExt cx="0" cy="0"/>
+        </a:xfrm>
+      </p:grpSpPr>
+      <p:sp>
+        <p:nvSpPr>
+          <p:cNvPr id="2" name="Header Placeholder 1"/>
+          <p:cNvSpPr>
+            <a:spLocks noGrp="1"/>
+          </p:cNvSpPr>
+          <p:nvPr>
+            <p:ph type="hdr" sz="quarter"/>
+          </p:nvPr>
+        </p:nvSpPr>
+        <p:spPr>
+          <a:xfrm>
+            <a:off x="0" y="0"/>
+            <a:ext cx="2971800" cy="458788"/>
+          </a:xfrm>
+          <a:prstGeom prst="rect">
+            <a:avLst/>
+          </a:prstGeom>
+        </p:spPr>
+        <p:txBody>
+          <a:bodyPr vert="horz" lIns="91440" tIns="45720" rIns="91440" bIns="45720" rtlCol="0"/>
+          <a:lstStyle>
+            <a:lvl1pPr algn="l">
+              <a:defRPr sz="1200"/>
+            </a:lvl1pPr>
+          </a:lstStyle>
+          <a:p>
+            <a:endParaRPr lang="en-CA"/>
+          </a:p>
+        </p:txBody>
+      </p:sp>
+      <p:sp>
+        <p:nvSpPr>
+          <p:cNvPr id="3" name="Date Placeholder 2"/>
+          <p:cNvSpPr>
+            <a:spLocks noGrp="1"/>
+          </p:cNvSpPr>
+          <p:nvPr>
+            <p:ph type="dt" idx="1"/>
+          </p:nvPr>
+        </p:nvSpPr>
+        <p:spPr>
+          <a:xfrm>
+            <a:off x="3884613" y="0"/>
+            <a:ext cx="2971800" cy="458788"/>
+          </a:xfrm>
+          <a:prstGeom prst="rect">
+            <a:avLst/>
+          </a:prstGeom>
+        </p:spPr>
+        <p:txBody>
+          <a:bodyPr vert="horz" lIns="91440" tIns="45720" rIns="91440" bIns="45720" rtlCol="0"/>
+          <a:lstStyle>
+            <a:lvl1pPr algn="r">
+              <a:defRPr sz="1200"/>
+            </a:lvl1pPr>
+          </a:lstStyle>
+          <a:p>
+            <a:fld id="{1DF685E4-F6FC-4E16-AF4F-5AF645662475}" type="datetimeFigureOut">
+              <a:rPr lang="en-CA" smtClean="0"/>
+              <a:t>2024-03-03</a:t>
+            </a:fld>
+            <a:endParaRPr lang="en-CA"/>
+          </a:p>
+        </p:txBody>
+      </p:sp>
+      <p:sp>
+        <p:nvSpPr>
+          <p:cNvPr id="4" name="Slide Image Placeholder 3"/>
+          <p:cNvSpPr>
+            <a:spLocks noGrp="1" noRot="1" noChangeAspect="1"/>
+          </p:cNvSpPr>
+          <p:nvPr>
+            <p:ph type="sldImg" idx="2"/>
+          </p:nvPr>
+        </p:nvSpPr>
+        <p:spPr>
+          <a:xfrm>
+            <a:off x="685800" y="1143000"/>
+            <a:ext cx="5486400" cy="3086100"/>
+          </a:xfrm>
+          <a:prstGeom prst="rect">
+            <a:avLst/>
+          </a:prstGeom>
+          <a:noFill/>
+          <a:ln w="12700">
+            <a:solidFill>
+              <a:prstClr val="black"/>
+            </a:solidFill>
+          </a:ln>
+        </p:spPr>
+        <p:txBody>
+          <a:bodyPr vert="horz" lIns="91440" tIns="45720" rIns="91440" bIns="45720" rtlCol="0" anchor="ctr"/>
+          <a:lstStyle/>
+          <a:p>
+            <a:endParaRPr lang="en-CA"/>
+          </a:p>
+        </p:txBody>
+      </p:sp>
+      <p:sp>
+        <p:nvSpPr>
+          <p:cNvPr id="5" name="Notes Placeholder 4"/>
+          <p:cNvSpPr>
+            <a:spLocks noGrp="1"/>
+          </p:cNvSpPr>
+          <p:nvPr>
+            <p:ph type="body" sz="quarter" idx="3"/>
+          </p:nvPr>
+        </p:nvSpPr>
+        <p:spPr>
+          <a:xfrm>
+            <a:off x="685800" y="4400550"/>
+            <a:ext cx="5486400" cy="3600450"/>
+          </a:xfrm>
+          <a:prstGeom prst="rect">
+            <a:avLst/>
+          </a:prstGeom>
+        </p:spPr>
+        <p:txBody>
+          <a:bodyPr vert="horz" lIns="91440" tIns="45720" rIns="91440" bIns="45720" rtlCol="0"/>
+          <a:lstStyle/>
+          <a:p>
+            <a:pPr lvl="0"/>
+            <a:r>
+              <a:rPr lang="en-US"/>
+              <a:t>Click to edit Master text styles</a:t>
+            </a:r>
+          </a:p>
+          <a:p>
+            <a:pPr lvl="1"/>
+            <a:r>
+              <a:rPr lang="en-US"/>
+              <a:t>Second level</a:t>
+            </a:r>
+          </a:p>
+          <a:p>
+            <a:pPr lvl="2"/>
+            <a:r>
+              <a:rPr lang="en-US"/>
+              <a:t>Third level</a:t>
+            </a:r>
+          </a:p>
+          <a:p>
+            <a:pPr lvl="3"/>
+            <a:r>
+              <a:rPr lang="en-US"/>
+              <a:t>Fourth level</a:t>
+            </a:r>
+          </a:p>
+          <a:p>
+            <a:pPr lvl="4"/>
+            <a:r>
+              <a:rPr lang="en-US"/>
+              <a:t>Fifth level</a:t>
+            </a:r>
+            <a:endParaRPr lang="en-CA"/>
+          </a:p>
+        </p:txBody>
+      </p:sp>
+      <p:sp>
+        <p:nvSpPr>
+          <p:cNvPr id="6" name="Footer Placeholder 5"/>
+          <p:cNvSpPr>
+            <a:spLocks noGrp="1"/>
+          </p:cNvSpPr>
+          <p:nvPr>
+            <p:ph type="ftr" sz="quarter" idx="4"/>
+          </p:nvPr>
+        </p:nvSpPr>
+        <p:spPr>
+          <a:xfrm>
+            <a:off x="0" y="8685213"/>
+            <a:ext cx="2971800" cy="458787"/>
+          </a:xfrm>
+          <a:prstGeom prst="rect">
+            <a:avLst/>
+          </a:prstGeom>
+        </p:spPr>
+        <p:txBody>
+          <a:bodyPr vert="horz" lIns="91440" tIns="45720" rIns="91440" bIns="45720" rtlCol="0" anchor="b"/>
+          <a:lstStyle>
+            <a:lvl1pPr algn="l">
+              <a:defRPr sz="1200"/>
+            </a:lvl1pPr>
+          </a:lstStyle>
+          <a:p>
+            <a:endParaRPr lang="en-CA"/>
+          </a:p>
+        </p:txBody>
+      </p:sp>
+      <p:sp>
+        <p:nvSpPr>
+          <p:cNvPr id="7" name="Slide Number Placeholder 6"/>
+          <p:cNvSpPr>
+            <a:spLocks noGrp="1"/>
+          </p:cNvSpPr>
+          <p:nvPr>
+            <p:ph type="sldNum" sz="quarter" idx="5"/>
+          </p:nvPr>
+        </p:nvSpPr>
+        <p:spPr>
+          <a:xfrm>
+            <a:off x="3884613" y="8685213"/>
+            <a:ext cx="2971800" cy="458787"/>
+          </a:xfrm>
+          <a:prstGeom prst="rect">
+            <a:avLst/>
+          </a:prstGeom>
+        </p:spPr>
+        <p:txBody>
+          <a:bodyPr vert="horz" lIns="91440" tIns="45720" rIns="91440" bIns="45720" rtlCol="0" anchor="b"/>
+          <a:lstStyle>
+            <a:lvl1pPr algn="r">
+              <a:defRPr sz="1200"/>
+            </a:lvl1pPr>
+          </a:lstStyle>
+          <a:p>
+            <a:fld id="{50236487-5FCB-4F8B-AB14-8B7C65827097}" type="slidenum">
+              <a:rPr lang="en-CA" smtClean="0"/>
+              <a:t>‹#›</a:t>
+            </a:fld>
+            <a:endParaRPr lang="en-CA"/>
+          </a:p>
+        </p:txBody>
+      </p:sp>
+    </p:spTree>
+    <p:extLst>
+      <p:ext uri="{BB962C8B-B14F-4D97-AF65-F5344CB8AC3E}">
+        <p14:creationId xmlns:p14="http://schemas.microsoft.com/office/powerpoint/2010/main" val="328195746"/>
+      </p:ext>
+    </p:extLst>
+  </p:cSld>
+  <p:clrMap bg1="lt1" tx1="dk1" bg2="lt2" tx2="dk2" accent1="accent1" accent2="accent2" accent3="accent3" accent4="accent4" accent5="accent5" accent6="accent6" hlink="hlink" folHlink="folHlink"/>
+  <p:notesStyle>
+    <a:lvl1pPr marL="0" algn="l" defTabSz="914400" rtl="0" eaLnBrk="1" latinLnBrk="0" hangingPunct="1">
+      <a:defRPr sz="1200" kern="1200">
+        <a:solidFill>
+          <a:schemeClr val="tx1"/>
+        </a:solidFill>
+        <a:latin typeface="+mn-lt"/>
+        <a:ea typeface="+mn-ea"/>
+        <a:cs typeface="+mn-cs"/>
+      </a:defRPr>
+    </a:lvl1pPr>
+    <a:lvl2pPr marL="457200" algn="l" defTabSz="914400" rtl="0" eaLnBrk="1" latinLnBrk="0" hangingPunct="1">
+      <a:defRPr sz="1200" kern="1200">
+        <a:solidFill>
+          <a:schemeClr val="tx1"/>
+        </a:solidFill>
+        <a:latin typeface="+mn-lt"/>
+        <a:ea typeface="+mn-ea"/>
+        <a:cs typeface="+mn-cs"/>
+      </a:defRPr>
+    </a:lvl2pPr>
+    <a:lvl3pPr marL="914400" algn="l" defTabSz="914400" rtl="0" eaLnBrk="1" latinLnBrk="0" hangingPunct="1">
+      <a:defRPr sz="1200" kern="1200">
+        <a:solidFill>
+          <a:schemeClr val="tx1"/>
+        </a:solidFill>
+        <a:latin typeface="+mn-lt"/>
+        <a:ea typeface="+mn-ea"/>
+        <a:cs typeface="+mn-cs"/>
+      </a:defRPr>
+    </a:lvl3pPr>
+    <a:lvl4pPr marL="1371600" algn="l" defTabSz="914400" rtl="0" eaLnBrk="1" latinLnBrk="0" hangingPunct="1">
+      <a:defRPr sz="1200" kern="1200">
+        <a:solidFill>
+          <a:schemeClr val="tx1"/>
+        </a:solidFill>
+        <a:latin typeface="+mn-lt"/>
+        <a:ea typeface="+mn-ea"/>
+        <a:cs typeface="+mn-cs"/>
+      </a:defRPr>
+    </a:lvl4pPr>
+    <a:lvl5pPr marL="1828800" algn="l" defTabSz="914400" rtl="0" eaLnBrk="1" latinLnBrk="0" hangingPunct="1">
+      <a:defRPr sz="1200" kern="1200">
+        <a:solidFill>
+          <a:schemeClr val="tx1"/>
+        </a:solidFill>
+        <a:latin typeface="+mn-lt"/>
+        <a:ea typeface="+mn-ea"/>
+        <a:cs typeface="+mn-cs"/>
+      </a:defRPr>
+    </a:lvl5pPr>
+    <a:lvl6pPr marL="2286000" algn="l" defTabSz="914400" rtl="0" eaLnBrk="1" latinLnBrk="0" hangingPunct="1">
+      <a:defRPr sz="1200" kern="1200">
+        <a:solidFill>
+          <a:schemeClr val="tx1"/>
+        </a:solidFill>
+        <a:latin typeface="+mn-lt"/>
+        <a:ea typeface="+mn-ea"/>
+        <a:cs typeface="+mn-cs"/>
+      </a:defRPr>
+    </a:lvl6pPr>
+    <a:lvl7pPr marL="2743200" algn="l" defTabSz="914400" rtl="0" eaLnBrk="1" latinLnBrk="0" hangingPunct="1">
+      <a:defRPr sz="1200" kern="1200">
+        <a:solidFill>
+          <a:schemeClr val="tx1"/>
+        </a:solidFill>
+        <a:latin typeface="+mn-lt"/>
+        <a:ea typeface="+mn-ea"/>
+        <a:cs typeface="+mn-cs"/>
+      </a:defRPr>
+    </a:lvl7pPr>
+    <a:lvl8pPr marL="3200400" algn="l" defTabSz="914400" rtl="0" eaLnBrk="1" latinLnBrk="0" hangingPunct="1">
+      <a:defRPr sz="1200" kern="1200">
+        <a:solidFill>
+          <a:schemeClr val="tx1"/>
+        </a:solidFill>
+        <a:latin typeface="+mn-lt"/>
+        <a:ea typeface="+mn-ea"/>
+        <a:cs typeface="+mn-cs"/>
+      </a:defRPr>
+    </a:lvl8pPr>
+    <a:lvl9pPr marL="3657600" algn="l" defTabSz="914400" rtl="0" eaLnBrk="1" latinLnBrk="0" hangingPunct="1">
+      <a:defRPr sz="1200" kern="1200">
+        <a:solidFill>
+          <a:schemeClr val="tx1"/>
+        </a:solidFill>
+        <a:latin typeface="+mn-lt"/>
+        <a:ea typeface="+mn-ea"/>
+        <a:cs typeface="+mn-cs"/>
+      </a:defRPr>
+    </a:lvl9pPr>
+  </p:notesStyle>
+</p:notesMaster>
 </file>
 
 <file path=ppt/slideLayouts/slideLayout1.xml><?xml version="1.0" encoding="utf-8"?>
@@ -329,10 +688,10 @@
             </a:lvl1pPr>
           </a:lstStyle>
           <a:p>
-            <a:fld id="{91E254DF-DAF9-438F-92A9-B044143B9B02}" type="datetimeFigureOut">
-              <a:rPr lang="en-CA" smtClean="0"/>
-              <a:t>2024-02-01</a:t>
-            </a:fld>
+            <a:r>
+              <a:rPr lang="en-US"/>
+              <a:t>March 2024</a:t>
+            </a:r>
             <a:endParaRPr lang="en-CA"/>
           </a:p>
         </p:txBody>
@@ -362,7 +721,10 @@
             </a:lvl1pPr>
           </a:lstStyle>
           <a:p>
-            <a:endParaRPr lang="en-CA"/>
+            <a:r>
+              <a:rPr lang="en-CA"/>
+              <a:t>Production - Model Development</a:t>
+            </a:r>
           </a:p>
         </p:txBody>
       </p:sp>
@@ -519,10 +881,10 @@
           <a:bodyPr/>
           <a:lstStyle/>
           <a:p>
-            <a:fld id="{91E254DF-DAF9-438F-92A9-B044143B9B02}" type="datetimeFigureOut">
-              <a:rPr lang="en-CA" smtClean="0"/>
-              <a:t>2024-02-01</a:t>
-            </a:fld>
+            <a:r>
+              <a:rPr lang="en-US"/>
+              <a:t>March 2024</a:t>
+            </a:r>
             <a:endParaRPr lang="en-CA"/>
           </a:p>
         </p:txBody>
@@ -542,7 +904,10 @@
           <a:bodyPr/>
           <a:lstStyle/>
           <a:p>
-            <a:endParaRPr lang="en-CA"/>
+            <a:r>
+              <a:rPr lang="en-CA"/>
+              <a:t>Production - Model Development</a:t>
+            </a:r>
           </a:p>
         </p:txBody>
       </p:sp>
@@ -699,10 +1064,10 @@
           <a:bodyPr/>
           <a:lstStyle/>
           <a:p>
-            <a:fld id="{91E254DF-DAF9-438F-92A9-B044143B9B02}" type="datetimeFigureOut">
-              <a:rPr lang="en-CA" smtClean="0"/>
-              <a:t>2024-02-01</a:t>
-            </a:fld>
+            <a:r>
+              <a:rPr lang="en-US"/>
+              <a:t>March 2024</a:t>
+            </a:r>
             <a:endParaRPr lang="en-CA"/>
           </a:p>
         </p:txBody>
@@ -722,7 +1087,10 @@
           <a:bodyPr/>
           <a:lstStyle/>
           <a:p>
-            <a:endParaRPr lang="en-CA"/>
+            <a:r>
+              <a:rPr lang="en-CA"/>
+              <a:t>Production - Model Development</a:t>
+            </a:r>
           </a:p>
         </p:txBody>
       </p:sp>
@@ -869,10 +1237,10 @@
           <a:bodyPr/>
           <a:lstStyle/>
           <a:p>
-            <a:fld id="{91E254DF-DAF9-438F-92A9-B044143B9B02}" type="datetimeFigureOut">
-              <a:rPr lang="en-CA" smtClean="0"/>
-              <a:t>2024-02-01</a:t>
-            </a:fld>
+            <a:r>
+              <a:rPr lang="en-US"/>
+              <a:t>March 2024</a:t>
+            </a:r>
             <a:endParaRPr lang="en-CA"/>
           </a:p>
         </p:txBody>
@@ -892,7 +1260,10 @@
           <a:bodyPr/>
           <a:lstStyle/>
           <a:p>
-            <a:endParaRPr lang="en-CA"/>
+            <a:r>
+              <a:rPr lang="en-CA"/>
+              <a:t>Production - Model Development</a:t>
+            </a:r>
           </a:p>
         </p:txBody>
       </p:sp>
@@ -1125,10 +1496,10 @@
           <a:bodyPr/>
           <a:lstStyle/>
           <a:p>
-            <a:fld id="{91E254DF-DAF9-438F-92A9-B044143B9B02}" type="datetimeFigureOut">
-              <a:rPr lang="en-CA" smtClean="0"/>
-              <a:t>2024-02-01</a:t>
-            </a:fld>
+            <a:r>
+              <a:rPr lang="en-US"/>
+              <a:t>March 2024</a:t>
+            </a:r>
             <a:endParaRPr lang="en-CA"/>
           </a:p>
         </p:txBody>
@@ -1148,7 +1519,10 @@
           <a:bodyPr/>
           <a:lstStyle/>
           <a:p>
-            <a:endParaRPr lang="en-CA"/>
+            <a:r>
+              <a:rPr lang="en-CA"/>
+              <a:t>Production - Model Development</a:t>
+            </a:r>
           </a:p>
         </p:txBody>
       </p:sp>
@@ -1413,10 +1787,10 @@
           <a:bodyPr/>
           <a:lstStyle/>
           <a:p>
-            <a:fld id="{91E254DF-DAF9-438F-92A9-B044143B9B02}" type="datetimeFigureOut">
-              <a:rPr lang="en-CA" smtClean="0"/>
-              <a:t>2024-02-01</a:t>
-            </a:fld>
+            <a:r>
+              <a:rPr lang="en-US"/>
+              <a:t>March 2024</a:t>
+            </a:r>
             <a:endParaRPr lang="en-CA"/>
           </a:p>
         </p:txBody>
@@ -1436,7 +1810,10 @@
           <a:bodyPr/>
           <a:lstStyle/>
           <a:p>
-            <a:endParaRPr lang="en-CA"/>
+            <a:r>
+              <a:rPr lang="en-CA"/>
+              <a:t>Production - Model Development</a:t>
+            </a:r>
           </a:p>
         </p:txBody>
       </p:sp>
@@ -1851,10 +2228,10 @@
           <a:bodyPr/>
           <a:lstStyle/>
           <a:p>
-            <a:fld id="{91E254DF-DAF9-438F-92A9-B044143B9B02}" type="datetimeFigureOut">
-              <a:rPr lang="en-CA" smtClean="0"/>
-              <a:t>2024-02-01</a:t>
-            </a:fld>
+            <a:r>
+              <a:rPr lang="en-US"/>
+              <a:t>March 2024</a:t>
+            </a:r>
             <a:endParaRPr lang="en-CA"/>
           </a:p>
         </p:txBody>
@@ -1874,7 +2251,10 @@
           <a:bodyPr/>
           <a:lstStyle/>
           <a:p>
-            <a:endParaRPr lang="en-CA"/>
+            <a:r>
+              <a:rPr lang="en-CA"/>
+              <a:t>Production - Model Development</a:t>
+            </a:r>
           </a:p>
         </p:txBody>
       </p:sp>
@@ -1969,10 +2349,10 @@
           <a:bodyPr/>
           <a:lstStyle/>
           <a:p>
-            <a:fld id="{91E254DF-DAF9-438F-92A9-B044143B9B02}" type="datetimeFigureOut">
-              <a:rPr lang="en-CA" smtClean="0"/>
-              <a:t>2024-02-01</a:t>
-            </a:fld>
+            <a:r>
+              <a:rPr lang="en-US"/>
+              <a:t>March 2024</a:t>
+            </a:r>
             <a:endParaRPr lang="en-CA"/>
           </a:p>
         </p:txBody>
@@ -1992,7 +2372,10 @@
           <a:bodyPr/>
           <a:lstStyle/>
           <a:p>
-            <a:endParaRPr lang="en-CA"/>
+            <a:r>
+              <a:rPr lang="en-CA"/>
+              <a:t>Production - Model Development</a:t>
+            </a:r>
           </a:p>
         </p:txBody>
       </p:sp>
@@ -2064,10 +2447,10 @@
           <a:bodyPr/>
           <a:lstStyle/>
           <a:p>
-            <a:fld id="{91E254DF-DAF9-438F-92A9-B044143B9B02}" type="datetimeFigureOut">
-              <a:rPr lang="en-CA" smtClean="0"/>
-              <a:t>2024-02-01</a:t>
-            </a:fld>
+            <a:r>
+              <a:rPr lang="en-US"/>
+              <a:t>March 2024</a:t>
+            </a:r>
             <a:endParaRPr lang="en-CA"/>
           </a:p>
         </p:txBody>
@@ -2087,7 +2470,10 @@
           <a:bodyPr/>
           <a:lstStyle/>
           <a:p>
-            <a:endParaRPr lang="en-CA"/>
+            <a:r>
+              <a:rPr lang="en-CA"/>
+              <a:t>Production - Model Development</a:t>
+            </a:r>
           </a:p>
         </p:txBody>
       </p:sp>
@@ -2420,10 +2806,10 @@
           <a:bodyPr/>
           <a:lstStyle/>
           <a:p>
-            <a:fld id="{91E254DF-DAF9-438F-92A9-B044143B9B02}" type="datetimeFigureOut">
-              <a:rPr lang="en-CA" smtClean="0"/>
-              <a:t>2024-02-01</a:t>
-            </a:fld>
+            <a:r>
+              <a:rPr lang="en-US"/>
+              <a:t>March 2024</a:t>
+            </a:r>
             <a:endParaRPr lang="en-CA"/>
           </a:p>
         </p:txBody>
@@ -2443,7 +2829,10 @@
           <a:bodyPr/>
           <a:lstStyle/>
           <a:p>
-            <a:endParaRPr lang="en-CA"/>
+            <a:r>
+              <a:rPr lang="en-CA"/>
+              <a:t>Production - Model Development</a:t>
+            </a:r>
           </a:p>
         </p:txBody>
       </p:sp>
@@ -2736,10 +3125,10 @@
             </a:lvl1pPr>
           </a:lstStyle>
           <a:p>
-            <a:fld id="{91E254DF-DAF9-438F-92A9-B044143B9B02}" type="datetimeFigureOut">
-              <a:rPr lang="en-CA" smtClean="0"/>
-              <a:t>2024-02-01</a:t>
-            </a:fld>
+            <a:r>
+              <a:rPr lang="en-US"/>
+              <a:t>March 2024</a:t>
+            </a:r>
             <a:endParaRPr lang="en-CA"/>
           </a:p>
         </p:txBody>
@@ -2769,7 +3158,10 @@
             </a:lvl1pPr>
           </a:lstStyle>
           <a:p>
-            <a:endParaRPr lang="en-CA"/>
+            <a:r>
+              <a:rPr lang="en-CA"/>
+              <a:t>Production - Model Development</a:t>
+            </a:r>
           </a:p>
         </p:txBody>
       </p:sp>
@@ -2820,7 +3212,7 @@
 </file>
 
 <file path=ppt/slideMasters/slideMaster1.xml><?xml version="1.0" encoding="utf-8"?>
-<p:sldMaster xmlns:a="http://schemas.openxmlformats.org/drawingml/2006/main" xmlns:p="http://schemas.openxmlformats.org/presentationml/2006/main" xmlns:r="http://schemas.openxmlformats.org/officeDocument/2006/relationships">
+<p:sldMaster xmlns:a="http://schemas.openxmlformats.org/drawingml/2006/main" xmlns:r="http://schemas.openxmlformats.org/officeDocument/2006/relationships" xmlns:p="http://schemas.openxmlformats.org/presentationml/2006/main">
   <p:cSld>
     <p:bg>
       <p:bgRef idx="1001">
@@ -2861,13 +3253,13 @@
           </a:prstGeom>
         </p:spPr>
         <p:txBody>
-          <a:bodyPr anchor="ctr" bIns="45720" lIns="91440" rIns="91440" rtlCol="0" tIns="45720" vert="horz">
+          <a:bodyPr vert="horz" lIns="91440" tIns="45720" rIns="91440" bIns="45720" rtlCol="0" anchor="ctr">
             <a:normAutofit/>
           </a:bodyPr>
           <a:lstStyle/>
           <a:p>
             <a:r>
-              <a:rPr dirty="0" lang="en-US"/>
+              <a:rPr lang="en-US" dirty="0"/>
               <a:t>Click to edit Master title style</a:t>
             </a:r>
           </a:p>
@@ -2880,7 +3272,7 @@
             <a:spLocks noGrp="1"/>
           </p:cNvSpPr>
           <p:nvPr>
-            <p:ph idx="1" type="body"/>
+            <p:ph type="body" idx="1"/>
           </p:nvPr>
         </p:nvSpPr>
         <p:spPr>
@@ -2893,42 +3285,42 @@
           </a:prstGeom>
         </p:spPr>
         <p:txBody>
-          <a:bodyPr bIns="45720" lIns="91440" rIns="91440" rtlCol="0" tIns="45720" vert="horz">
+          <a:bodyPr vert="horz" lIns="91440" tIns="45720" rIns="91440" bIns="45720" rtlCol="0">
             <a:normAutofit/>
           </a:bodyPr>
           <a:lstStyle/>
           <a:p>
             <a:pPr lvl="0"/>
             <a:r>
-              <a:rPr dirty="0" lang="en-US"/>
+              <a:rPr lang="en-US" dirty="0"/>
               <a:t>Click to edit Master text styles</a:t>
             </a:r>
           </a:p>
           <a:p>
             <a:pPr lvl="1"/>
             <a:r>
-              <a:rPr dirty="0" lang="en-US"/>
+              <a:rPr lang="en-US" dirty="0"/>
               <a:t>Second level</a:t>
             </a:r>
           </a:p>
           <a:p>
             <a:pPr lvl="2"/>
             <a:r>
-              <a:rPr dirty="0" lang="en-US"/>
+              <a:rPr lang="en-US" dirty="0"/>
               <a:t>Third level</a:t>
             </a:r>
           </a:p>
           <a:p>
             <a:pPr lvl="3"/>
             <a:r>
-              <a:rPr dirty="0" lang="en-US"/>
+              <a:rPr lang="en-US" dirty="0"/>
               <a:t>Fourth level</a:t>
             </a:r>
           </a:p>
           <a:p>
             <a:pPr lvl="4"/>
             <a:r>
-              <a:rPr dirty="0" lang="en-US"/>
+              <a:rPr lang="en-US" dirty="0"/>
               <a:t>Fifth level</a:t>
             </a:r>
           </a:p>
@@ -2941,7 +3333,7 @@
             <a:spLocks noGrp="1"/>
           </p:cNvSpPr>
           <p:nvPr>
-            <p:ph idx="2" sz="half" type="dt"/>
+            <p:ph type="dt" sz="half" idx="2"/>
           </p:nvPr>
         </p:nvSpPr>
         <p:spPr>
@@ -2954,7 +3346,7 @@
           </a:prstGeom>
         </p:spPr>
         <p:txBody>
-          <a:bodyPr anchor="ctr" bIns="45720" lIns="91440" rIns="91440" rtlCol="0" tIns="45720" vert="horz"/>
+          <a:bodyPr vert="horz" lIns="91440" tIns="45720" rIns="91440" bIns="45720" rtlCol="0" anchor="ctr"/>
           <a:lstStyle>
             <a:lvl1pPr algn="l">
               <a:defRPr sz="950">
@@ -2967,10 +3359,10 @@
             </a:lvl1pPr>
           </a:lstStyle>
           <a:p>
-            <a:fld id="{91E254DF-DAF9-438F-92A9-B044143B9B02}" type="datetimeFigureOut">
-              <a:rPr lang="en-CA" smtClean="0"/>
-              <a:t>2024-02-01</a:t>
-            </a:fld>
+            <a:r>
+              <a:rPr lang="en-US"/>
+              <a:t>March 2024</a:t>
+            </a:r>
             <a:endParaRPr lang="en-CA"/>
           </a:p>
         </p:txBody>
@@ -2982,7 +3374,7 @@
             <a:spLocks noGrp="1"/>
           </p:cNvSpPr>
           <p:nvPr>
-            <p:ph idx="3" sz="quarter" type="ftr"/>
+            <p:ph type="ftr" sz="quarter" idx="3"/>
           </p:nvPr>
         </p:nvSpPr>
         <p:spPr>
@@ -2995,10 +3387,10 @@
           </a:prstGeom>
         </p:spPr>
         <p:txBody>
-          <a:bodyPr anchor="ctr" bIns="45720" lIns="91440" rIns="91440" rtlCol="0" tIns="45720" vert="horz"/>
+          <a:bodyPr vert="horz" lIns="91440" tIns="45720" rIns="91440" bIns="45720" rtlCol="0" anchor="ctr"/>
           <a:lstStyle>
             <a:lvl1pPr algn="l">
-              <a:defRPr baseline="0" cap="all" sz="950">
+              <a:defRPr sz="950" cap="all" baseline="0">
                 <a:solidFill>
                   <a:schemeClr val="tx1">
                     <a:alpha val="80000"/>
@@ -3008,7 +3400,10 @@
             </a:lvl1pPr>
           </a:lstStyle>
           <a:p>
-            <a:endParaRPr lang="en-CA"/>
+            <a:r>
+              <a:rPr lang="en-CA"/>
+              <a:t>Production - Model Development</a:t>
+            </a:r>
           </a:p>
         </p:txBody>
       </p:sp>
@@ -3019,7 +3414,7 @@
             <a:spLocks noGrp="1"/>
           </p:cNvSpPr>
           <p:nvPr>
-            <p:ph idx="4" sz="quarter" type="sldNum"/>
+            <p:ph type="sldNum" sz="quarter" idx="4"/>
           </p:nvPr>
         </p:nvSpPr>
         <p:spPr>
@@ -3032,10 +3427,10 @@
           </a:prstGeom>
         </p:spPr>
         <p:txBody>
-          <a:bodyPr anchor="b" bIns="45720" lIns="91440" rIns="91440" rtlCol="0" tIns="45720" vert="horz"/>
+          <a:bodyPr vert="horz" lIns="91440" tIns="45720" rIns="91440" bIns="45720" rtlCol="0" anchor="b"/>
           <a:lstStyle>
             <a:lvl1pPr algn="r">
-              <a:defRPr b="0" sz="10300">
+              <a:defRPr sz="10300" b="0">
                 <a:ln>
                   <a:noFill/>
                 </a:ln>
@@ -3064,7 +3459,7 @@
       </p:ext>
     </p:extLst>
   </p:cSld>
-  <p:clrMap accent1="accent1" accent2="accent2" accent3="accent3" accent4="accent4" accent5="accent5" accent6="accent6" bg1="lt1" bg2="lt2" folHlink="folHlink" hlink="hlink" tx1="dk1" tx2="dk2"/>
+  <p:clrMap bg1="lt1" tx1="dk1" bg2="lt2" tx2="dk2" accent1="accent1" accent2="accent2" accent3="accent3" accent4="accent4" accent5="accent5" accent6="accent6" hlink="hlink" folHlink="folHlink"/>
   <p:sldLayoutIdLst>
     <p:sldLayoutId id="2147484297" r:id="rId1"/>
     <p:sldLayoutId id="2147484298" r:id="rId2"/>
@@ -3078,9 +3473,10 @@
     <p:sldLayoutId id="2147484306" r:id="rId10"/>
     <p:sldLayoutId id="2147484307" r:id="rId11"/>
   </p:sldLayoutIdLst>
+  <p:hf hdr="0"/>
   <p:txStyles>
     <p:titleStyle>
-      <a:lvl1pPr algn="l" defTabSz="914400" eaLnBrk="1" hangingPunct="1" latinLnBrk="0" rtl="0">
+      <a:lvl1pPr algn="l" defTabSz="914400" rtl="0" eaLnBrk="1" latinLnBrk="0" hangingPunct="1">
         <a:lnSpc>
           <a:spcPct val="85000"/>
         </a:lnSpc>
@@ -3088,7 +3484,7 @@
           <a:spcPct val="0"/>
         </a:spcBef>
         <a:buNone/>
-        <a:defRPr baseline="0" kern="1200" spc="-120" sz="4000">
+        <a:defRPr sz="4000" kern="1200" spc="-120" baseline="0">
           <a:solidFill>
             <a:schemeClr val="accent1"/>
           </a:solidFill>
@@ -3099,16 +3495,16 @@
       </a:lvl1pPr>
     </p:titleStyle>
     <p:bodyStyle>
-      <a:lvl1pPr algn="l" defTabSz="914400" eaLnBrk="1" hangingPunct="1" indent="-230188" latinLnBrk="0" marL="230188" rtl="0">
+      <a:lvl1pPr marL="230188" indent="-230188" algn="l" defTabSz="914400" rtl="0" eaLnBrk="1" latinLnBrk="0" hangingPunct="1">
         <a:lnSpc>
           <a:spcPct val="114000"/>
         </a:lnSpc>
         <a:spcBef>
           <a:spcPts val="1300"/>
         </a:spcBef>
-        <a:buFont charset="0" panose="020B0604020202020204" pitchFamily="34" typeface="Arial"/>
+        <a:buFont typeface="Arial" panose="020B0604020202020204" pitchFamily="34" charset="0"/>
         <a:buChar char="•"/>
-        <a:defRPr kern="1200" sz="1400">
+        <a:defRPr sz="1400" kern="1200">
           <a:solidFill>
             <a:schemeClr val="tx1">
               <a:lumMod val="85000"/>
@@ -3120,16 +3516,16 @@
           <a:cs typeface="+mn-cs"/>
         </a:defRPr>
       </a:lvl1pPr>
-      <a:lvl2pPr algn="l" defTabSz="914400" eaLnBrk="1" hangingPunct="1" indent="-230188" latinLnBrk="0" marL="346075" rtl="0">
+      <a:lvl2pPr marL="346075" indent="-230188" algn="l" defTabSz="914400" rtl="0" eaLnBrk="1" latinLnBrk="0" hangingPunct="1">
         <a:lnSpc>
           <a:spcPct val="114000"/>
         </a:lnSpc>
         <a:spcBef>
           <a:spcPts val="600"/>
         </a:spcBef>
-        <a:buFont charset="0" panose="02070309020205020404" pitchFamily="49" typeface="Courier New"/>
+        <a:buFont typeface="Courier New" panose="02070309020205020404" pitchFamily="49" charset="0"/>
         <a:buChar char="o"/>
-        <a:defRPr kern="1200" sz="1200">
+        <a:defRPr sz="1200" kern="1200">
           <a:solidFill>
             <a:schemeClr val="tx1">
               <a:lumMod val="85000"/>
@@ -3141,16 +3537,16 @@
           <a:cs typeface="+mn-cs"/>
         </a:defRPr>
       </a:lvl2pPr>
-      <a:lvl3pPr algn="l" defTabSz="914400" eaLnBrk="1" hangingPunct="1" indent="-201613" latinLnBrk="0" marL="547688" rtl="0">
+      <a:lvl3pPr marL="547688" indent="-201613" algn="l" defTabSz="914400" rtl="0" eaLnBrk="1" latinLnBrk="0" hangingPunct="1">
         <a:lnSpc>
           <a:spcPct val="114000"/>
         </a:lnSpc>
         <a:spcBef>
           <a:spcPts val="600"/>
         </a:spcBef>
-        <a:buFont charset="2" panose="05000000000000000000" pitchFamily="2" typeface="Wingdings"/>
+        <a:buFont typeface="Wingdings" panose="05000000000000000000" pitchFamily="2" charset="2"/>
         <a:buChar char="§"/>
-        <a:defRPr i="1" kern="1200" sz="1100">
+        <a:defRPr sz="1100" i="1" kern="1200">
           <a:solidFill>
             <a:schemeClr val="tx1">
               <a:lumMod val="85000"/>
@@ -3162,16 +3558,16 @@
           <a:cs typeface="+mn-cs"/>
         </a:defRPr>
       </a:lvl3pPr>
-      <a:lvl4pPr algn="l" defTabSz="914400" eaLnBrk="1" hangingPunct="1" indent="-138113" latinLnBrk="0" marL="822325" rtl="0">
+      <a:lvl4pPr marL="822325" indent="-138113" algn="l" defTabSz="914400" rtl="0" eaLnBrk="1" latinLnBrk="0" hangingPunct="1">
         <a:lnSpc>
           <a:spcPct val="114000"/>
         </a:lnSpc>
         <a:spcBef>
           <a:spcPts val="600"/>
         </a:spcBef>
-        <a:buFont charset="2" panose="05000000000000000000" pitchFamily="2" typeface="Wingdings"/>
+        <a:buFont typeface="Wingdings" panose="05000000000000000000" pitchFamily="2" charset="2"/>
         <a:buChar char="q"/>
-        <a:defRPr kern="1200" sz="1050">
+        <a:defRPr sz="1050" kern="1200">
           <a:solidFill>
             <a:schemeClr val="tx1">
               <a:lumMod val="85000"/>
@@ -3183,16 +3579,16 @@
           <a:cs typeface="+mn-cs"/>
         </a:defRPr>
       </a:lvl4pPr>
-      <a:lvl5pPr algn="l" defTabSz="914400" eaLnBrk="1" hangingPunct="1" indent="-182563" latinLnBrk="0" marL="1096963" rtl="0">
+      <a:lvl5pPr marL="1096963" indent="-182563" algn="l" defTabSz="914400" rtl="0" eaLnBrk="1" latinLnBrk="0" hangingPunct="1">
         <a:lnSpc>
           <a:spcPct val="114000"/>
         </a:lnSpc>
         <a:spcBef>
           <a:spcPts val="600"/>
         </a:spcBef>
-        <a:buFont charset="2" panose="05000000000000000000" pitchFamily="2" typeface="Wingdings"/>
+        <a:buFont typeface="Wingdings" panose="05000000000000000000" pitchFamily="2" charset="2"/>
         <a:buChar char="v"/>
-        <a:defRPr kern="1200" sz="1000">
+        <a:defRPr sz="1000" kern="1200">
           <a:solidFill>
             <a:schemeClr val="tx1">
               <a:lumMod val="85000"/>
@@ -3204,16 +3600,16 @@
           <a:cs typeface="+mn-cs"/>
         </a:defRPr>
       </a:lvl5pPr>
-      <a:lvl6pPr algn="l" defTabSz="914400" eaLnBrk="1" hangingPunct="1" indent="-228600" latinLnBrk="0" marL="1200000" rtl="0">
+      <a:lvl6pPr marL="1200000" indent="-228600" algn="l" defTabSz="914400" rtl="0" eaLnBrk="1" latinLnBrk="0" hangingPunct="1">
         <a:lnSpc>
           <a:spcPct val="85000"/>
         </a:lnSpc>
         <a:spcBef>
           <a:spcPts val="600"/>
         </a:spcBef>
-        <a:buFont charset="0" pitchFamily="34" typeface="Arial"/>
+        <a:buFont typeface="Arial" pitchFamily="34" charset="0"/>
         <a:buChar char=" "/>
-        <a:defRPr kern="1200" sz="1800">
+        <a:defRPr sz="1800" kern="1200">
           <a:solidFill>
             <a:schemeClr val="tx1">
               <a:lumMod val="85000"/>
@@ -3225,16 +3621,16 @@
           <a:cs typeface="+mn-cs"/>
         </a:defRPr>
       </a:lvl6pPr>
-      <a:lvl7pPr algn="l" defTabSz="914400" eaLnBrk="1" hangingPunct="1" indent="-228600" latinLnBrk="0" marL="1400000" rtl="0">
+      <a:lvl7pPr marL="1400000" indent="-228600" algn="l" defTabSz="914400" rtl="0" eaLnBrk="1" latinLnBrk="0" hangingPunct="1">
         <a:lnSpc>
           <a:spcPct val="85000"/>
         </a:lnSpc>
         <a:spcBef>
           <a:spcPts val="600"/>
         </a:spcBef>
-        <a:buFont charset="0" pitchFamily="34" typeface="Arial"/>
+        <a:buFont typeface="Arial" pitchFamily="34" charset="0"/>
         <a:buChar char=" "/>
-        <a:defRPr kern="1200" sz="1800">
+        <a:defRPr sz="1800" kern="1200">
           <a:solidFill>
             <a:schemeClr val="tx1">
               <a:lumMod val="85000"/>
@@ -3246,16 +3642,16 @@
           <a:cs typeface="+mn-cs"/>
         </a:defRPr>
       </a:lvl7pPr>
-      <a:lvl8pPr algn="l" defTabSz="914400" eaLnBrk="1" hangingPunct="1" indent="-228600" latinLnBrk="0" marL="1600000" rtl="0">
+      <a:lvl8pPr marL="1600000" indent="-228600" algn="l" defTabSz="914400" rtl="0" eaLnBrk="1" latinLnBrk="0" hangingPunct="1">
         <a:lnSpc>
           <a:spcPct val="85000"/>
         </a:lnSpc>
         <a:spcBef>
           <a:spcPts val="600"/>
         </a:spcBef>
-        <a:buFont charset="0" pitchFamily="34" typeface="Arial"/>
+        <a:buFont typeface="Arial" pitchFamily="34" charset="0"/>
         <a:buChar char=" "/>
-        <a:defRPr kern="1200" sz="1800">
+        <a:defRPr sz="1800" kern="1200">
           <a:solidFill>
             <a:schemeClr val="tx1">
               <a:lumMod val="85000"/>
@@ -3267,16 +3663,16 @@
           <a:cs typeface="+mn-cs"/>
         </a:defRPr>
       </a:lvl8pPr>
-      <a:lvl9pPr algn="l" defTabSz="914400" eaLnBrk="1" hangingPunct="1" indent="-228600" latinLnBrk="0" marL="1800000" rtl="0">
+      <a:lvl9pPr marL="1800000" indent="-228600" algn="l" defTabSz="914400" rtl="0" eaLnBrk="1" latinLnBrk="0" hangingPunct="1">
         <a:lnSpc>
           <a:spcPct val="85000"/>
         </a:lnSpc>
         <a:spcBef>
           <a:spcPts val="600"/>
         </a:spcBef>
-        <a:buFont charset="0" pitchFamily="34" typeface="Arial"/>
+        <a:buFont typeface="Arial" pitchFamily="34" charset="0"/>
         <a:buChar char=" "/>
-        <a:defRPr kern="1200" sz="1800">
+        <a:defRPr sz="1800" kern="1200">
           <a:solidFill>
             <a:schemeClr val="tx1">
               <a:lumMod val="85000"/>
@@ -3293,8 +3689,8 @@
       <a:defPPr>
         <a:defRPr lang="en-US"/>
       </a:defPPr>
-      <a:lvl1pPr algn="l" defTabSz="914400" eaLnBrk="1" hangingPunct="1" latinLnBrk="0" marL="0" rtl="0">
-        <a:defRPr kern="1200" sz="1800">
+      <a:lvl1pPr marL="0" algn="l" defTabSz="914400" rtl="0" eaLnBrk="1" latinLnBrk="0" hangingPunct="1">
+        <a:defRPr sz="1800" kern="1200">
           <a:solidFill>
             <a:schemeClr val="tx1"/>
           </a:solidFill>
@@ -3303,8 +3699,8 @@
           <a:cs typeface="+mn-cs"/>
         </a:defRPr>
       </a:lvl1pPr>
-      <a:lvl2pPr algn="l" defTabSz="914400" eaLnBrk="1" hangingPunct="1" latinLnBrk="0" marL="457200" rtl="0">
-        <a:defRPr kern="1200" sz="1800">
+      <a:lvl2pPr marL="457200" algn="l" defTabSz="914400" rtl="0" eaLnBrk="1" latinLnBrk="0" hangingPunct="1">
+        <a:defRPr sz="1800" kern="1200">
           <a:solidFill>
             <a:schemeClr val="tx1"/>
           </a:solidFill>
@@ -3313,8 +3709,8 @@
           <a:cs typeface="+mn-cs"/>
         </a:defRPr>
       </a:lvl2pPr>
-      <a:lvl3pPr algn="l" defTabSz="914400" eaLnBrk="1" hangingPunct="1" latinLnBrk="0" marL="914400" rtl="0">
-        <a:defRPr kern="1200" sz="1800">
+      <a:lvl3pPr marL="914400" algn="l" defTabSz="914400" rtl="0" eaLnBrk="1" latinLnBrk="0" hangingPunct="1">
+        <a:defRPr sz="1800" kern="1200">
           <a:solidFill>
             <a:schemeClr val="tx1"/>
           </a:solidFill>
@@ -3323,8 +3719,8 @@
           <a:cs typeface="+mn-cs"/>
         </a:defRPr>
       </a:lvl3pPr>
-      <a:lvl4pPr algn="l" defTabSz="914400" eaLnBrk="1" hangingPunct="1" latinLnBrk="0" marL="1371600" rtl="0">
-        <a:defRPr kern="1200" sz="1800">
+      <a:lvl4pPr marL="1371600" algn="l" defTabSz="914400" rtl="0" eaLnBrk="1" latinLnBrk="0" hangingPunct="1">
+        <a:defRPr sz="1800" kern="1200">
           <a:solidFill>
             <a:schemeClr val="tx1"/>
           </a:solidFill>
@@ -3333,8 +3729,8 @@
           <a:cs typeface="+mn-cs"/>
         </a:defRPr>
       </a:lvl4pPr>
-      <a:lvl5pPr algn="l" defTabSz="914400" eaLnBrk="1" hangingPunct="1" latinLnBrk="0" marL="1828800" rtl="0">
-        <a:defRPr kern="1200" sz="1800">
+      <a:lvl5pPr marL="1828800" algn="l" defTabSz="914400" rtl="0" eaLnBrk="1" latinLnBrk="0" hangingPunct="1">
+        <a:defRPr sz="1800" kern="1200">
           <a:solidFill>
             <a:schemeClr val="tx1"/>
           </a:solidFill>
@@ -3343,8 +3739,8 @@
           <a:cs typeface="+mn-cs"/>
         </a:defRPr>
       </a:lvl5pPr>
-      <a:lvl6pPr algn="l" defTabSz="914400" eaLnBrk="1" hangingPunct="1" latinLnBrk="0" marL="2286000" rtl="0">
-        <a:defRPr kern="1200" sz="1800">
+      <a:lvl6pPr marL="2286000" algn="l" defTabSz="914400" rtl="0" eaLnBrk="1" latinLnBrk="0" hangingPunct="1">
+        <a:defRPr sz="1800" kern="1200">
           <a:solidFill>
             <a:schemeClr val="tx1"/>
           </a:solidFill>
@@ -3353,8 +3749,8 @@
           <a:cs typeface="+mn-cs"/>
         </a:defRPr>
       </a:lvl6pPr>
-      <a:lvl7pPr algn="l" defTabSz="914400" eaLnBrk="1" hangingPunct="1" latinLnBrk="0" marL="2743200" rtl="0">
-        <a:defRPr kern="1200" sz="1800">
+      <a:lvl7pPr marL="2743200" algn="l" defTabSz="914400" rtl="0" eaLnBrk="1" latinLnBrk="0" hangingPunct="1">
+        <a:defRPr sz="1800" kern="1200">
           <a:solidFill>
             <a:schemeClr val="tx1"/>
           </a:solidFill>
@@ -3363,8 +3759,8 @@
           <a:cs typeface="+mn-cs"/>
         </a:defRPr>
       </a:lvl7pPr>
-      <a:lvl8pPr algn="l" defTabSz="914400" eaLnBrk="1" hangingPunct="1" latinLnBrk="0" marL="3200400" rtl="0">
-        <a:defRPr kern="1200" sz="1800">
+      <a:lvl8pPr marL="3200400" algn="l" defTabSz="914400" rtl="0" eaLnBrk="1" latinLnBrk="0" hangingPunct="1">
+        <a:defRPr sz="1800" kern="1200">
           <a:solidFill>
             <a:schemeClr val="tx1"/>
           </a:solidFill>
@@ -3373,8 +3769,8 @@
           <a:cs typeface="+mn-cs"/>
         </a:defRPr>
       </a:lvl8pPr>
-      <a:lvl9pPr algn="l" defTabSz="914400" eaLnBrk="1" hangingPunct="1" latinLnBrk="0" marL="3657600" rtl="0">
-        <a:defRPr kern="1200" sz="1800">
+      <a:lvl9pPr marL="3657600" algn="l" defTabSz="914400" rtl="0" eaLnBrk="1" latinLnBrk="0" hangingPunct="1">
+        <a:defRPr sz="1800" kern="1200">
           <a:solidFill>
             <a:schemeClr val="tx1"/>
           </a:solidFill>
@@ -3425,11 +3821,10 @@
           <a:bodyPr/>
           <a:lstStyle/>
           <a:p>
-            <a:pPr lvl="0" indent="0" marL="0">
+            <a:pPr marL="0" lvl="0" indent="0">
               <a:buNone/>
             </a:pPr>
             <a:r>
-              <a:rPr/>
               <a:t>Model Development</a:t>
             </a:r>
           </a:p>
@@ -3442,7 +3837,7 @@
             <a:spLocks noGrp="1"/>
           </p:cNvSpPr>
           <p:nvPr>
-            <p:ph idx="1" type="subTitle"/>
+            <p:ph type="subTitle" idx="1"/>
           </p:nvPr>
         </p:nvSpPr>
         <p:spPr>
@@ -3455,17 +3850,15 @@
           <a:bodyPr/>
           <a:lstStyle/>
           <a:p>
-            <a:pPr lvl="0" indent="0" marL="0">
+            <a:pPr marL="0" lvl="0" indent="0">
               <a:buNone/>
             </a:pPr>
             <a:r>
-              <a:rPr/>
               <a:t>Production</a:t>
             </a:r>
             <a:br/>
             <a:br/>
             <a:r>
-              <a:rPr/>
               <a:t>Jesús Calderón</a:t>
             </a:r>
           </a:p>
@@ -3473,6 +3866,9 @@
       </p:sp>
     </p:spTree>
   </p:cSld>
+  <p:clrMapOvr>
+    <a:masterClrMapping/>
+  </p:clrMapOvr>
 </p:sld>
 </file>
 
@@ -3508,12 +3904,11 @@
           <a:bodyPr/>
           <a:lstStyle/>
           <a:p>
-            <a:pPr lvl="0" indent="0" marL="0">
+            <a:pPr marL="0" lvl="0" indent="0">
               <a:buNone/>
             </a:pPr>
             <a:r>
-              <a:rPr/>
-              <a:t>The Wisdom of the Crowds</a:t>
+              <a:t>Guidance for Model Selection (2/3)</a:t>
             </a:r>
           </a:p>
         </p:txBody>
@@ -3525,35 +3920,225 @@
             <a:spLocks noGrp="1"/>
           </p:cNvSpPr>
           <p:nvPr>
-            <p:ph idx="1"/>
-          </p:nvPr>
-        </p:nvSpPr>
-        <p:spPr/>
-        <p:txBody>
-          <a:bodyPr/>
-          <a:lstStyle/>
-          <a:p>
-            <a:pPr lvl="0" indent="0" marL="0">
+            <p:ph sz="half" idx="1"/>
+          </p:nvPr>
+        </p:nvSpPr>
+        <p:spPr/>
+        <p:txBody>
+          <a:bodyPr>
+            <a:normAutofit fontScale="70000" lnSpcReduction="20000"/>
+          </a:bodyPr>
+          <a:lstStyle/>
+          <a:p>
+            <a:pPr lvl="0"/>
+            <a:r>
+              <a:t>Avoid human biases in selecting models</a:t>
+            </a:r>
+          </a:p>
+          <a:p>
+            <a:pPr lvl="1"/>
+            <a:r>
+              <a:t>Human biases can be introduced throughout the model development process.</a:t>
+            </a:r>
+          </a:p>
+          <a:p>
+            <a:pPr lvl="1"/>
+            <a:r>
+              <a:t>Experiment methodically and store results.</a:t>
+            </a:r>
+          </a:p>
+          <a:p>
+            <a:pPr lvl="1"/>
+            <a:r>
+              <a:t>Any model has three components: algorithmic logic, code, and data.</a:t>
+            </a:r>
+          </a:p>
+          <a:p>
+            <a:pPr lvl="0"/>
+            <a:r>
+              <a:t>Evaluate good performance now versus good performance later</a:t>
+            </a:r>
+          </a:p>
+          <a:p>
+            <a:pPr lvl="1"/>
+            <a:r>
+              <a:t>Using learning curves is a simple way to estimate how your model’s performance might change with more data.</a:t>
+            </a:r>
+          </a:p>
+          <a:p>
+            <a:pPr lvl="1"/>
+            <a:r>
+              <a:t>While evaluating models, consider their potential for improvement and how easy/difficult it is to achieve.</a:t>
+            </a:r>
+          </a:p>
+        </p:txBody>
+      </p:sp>
+      <p:pic>
+        <p:nvPicPr>
+          <p:cNvPr id="4" name="Picture 1" descr="./img/learning_curves.png"/>
+          <p:cNvPicPr>
+            <a:picLocks noGrp="1" noChangeAspect="1"/>
+          </p:cNvPicPr>
+          <p:nvPr/>
+        </p:nvPicPr>
+        <p:blipFill>
+          <a:blip r:embed="rId2"/>
+          <a:stretch>
+            <a:fillRect/>
+          </a:stretch>
+        </p:blipFill>
+        <p:spPr bwMode="auto">
+          <a:xfrm>
+            <a:off x="5187822" y="1799949"/>
+            <a:ext cx="6394452" cy="3833186"/>
+          </a:xfrm>
+          <a:prstGeom prst="rect">
+            <a:avLst/>
+          </a:prstGeom>
+          <a:noFill/>
+          <a:ln w="9525">
+            <a:noFill/>
+            <a:headEnd/>
+            <a:tailEnd/>
+          </a:ln>
+        </p:spPr>
+      </p:pic>
+      <p:sp>
+        <p:nvSpPr>
+          <p:cNvPr id="5" name="TextBox 3"/>
+          <p:cNvSpPr txBox="1"/>
+          <p:nvPr/>
+        </p:nvSpPr>
+        <p:spPr>
+          <a:xfrm>
+            <a:off x="6007100" y="5988050"/>
+            <a:ext cx="4660900" cy="508000"/>
+          </a:xfrm>
+          <a:prstGeom prst="rect">
+            <a:avLst/>
+          </a:prstGeom>
+          <a:noFill/>
+        </p:spPr>
+        <p:txBody>
+          <a:bodyPr/>
+          <a:lstStyle/>
+          <a:p>
+            <a:pPr marL="0" lvl="0" indent="0" algn="ctr">
               <a:buNone/>
             </a:pPr>
             <a:r>
-              <a:rPr/>
-              <a:t>“Aggregating the judgment of many consistently beats the accuracy of the average member of the group, and is often as startlingly accurate […] In fact, in any group there are likely to be individuals who beat the group. But those bull’s-eye guesses typically say more about the power of luck […] than about the skill of the guesser. That becomes clear when the exercise is repeated many times.”</a:t>
-            </a:r>
-          </a:p>
-          <a:p>
-            <a:pPr lvl="0" indent="0" marL="0">
-              <a:buNone/>
-            </a:pPr>
-            <a:r>
-              <a:rPr/>
-              <a:t>(Tetlock and Gardner, 2015)</a:t>
-            </a:r>
+              <a:rPr sz="1100" dirty="0"/>
+              <a:t>Learning Curves ( </a:t>
+            </a:r>
+            <a:r>
+              <a:rPr sz="1100" dirty="0">
+                <a:hlinkClick r:id="rId3"/>
+              </a:rPr>
+              <a:t>scikit-learn.org</a:t>
+            </a:r>
+            <a:r>
+              <a:rPr sz="1100" dirty="0"/>
+              <a:t> )</a:t>
+            </a:r>
+          </a:p>
+        </p:txBody>
+      </p:sp>
+      <p:sp>
+        <p:nvSpPr>
+          <p:cNvPr id="6" name="Date Placeholder 5">
+            <a:extLst>
+              <a:ext uri="{FF2B5EF4-FFF2-40B4-BE49-F238E27FC236}">
+                <a16:creationId xmlns:a16="http://schemas.microsoft.com/office/drawing/2014/main" id="{B48C1922-4E6F-B937-0D71-6A05C24BBB36}"/>
+              </a:ext>
+            </a:extLst>
+          </p:cNvPr>
+          <p:cNvSpPr>
+            <a:spLocks noGrp="1"/>
+          </p:cNvSpPr>
+          <p:nvPr>
+            <p:ph type="dt" sz="half" idx="10"/>
+          </p:nvPr>
+        </p:nvSpPr>
+        <p:spPr/>
+        <p:txBody>
+          <a:bodyPr/>
+          <a:lstStyle/>
+          <a:p>
+            <a:r>
+              <a:rPr lang="en-US"/>
+              <a:t>March 2024</a:t>
+            </a:r>
+            <a:endParaRPr lang="en-CA"/>
+          </a:p>
+        </p:txBody>
+      </p:sp>
+      <p:sp>
+        <p:nvSpPr>
+          <p:cNvPr id="7" name="Footer Placeholder 6">
+            <a:extLst>
+              <a:ext uri="{FF2B5EF4-FFF2-40B4-BE49-F238E27FC236}">
+                <a16:creationId xmlns:a16="http://schemas.microsoft.com/office/drawing/2014/main" id="{ECB79A05-4B03-6B70-1B6E-2A8A5767F6CA}"/>
+              </a:ext>
+            </a:extLst>
+          </p:cNvPr>
+          <p:cNvSpPr>
+            <a:spLocks noGrp="1"/>
+          </p:cNvSpPr>
+          <p:nvPr>
+            <p:ph type="ftr" sz="quarter" idx="11"/>
+          </p:nvPr>
+        </p:nvSpPr>
+        <p:spPr>
+          <a:xfrm>
+            <a:off x="685800" y="6564222"/>
+            <a:ext cx="5029200" cy="228600"/>
+          </a:xfrm>
+        </p:spPr>
+        <p:txBody>
+          <a:bodyPr/>
+          <a:lstStyle/>
+          <a:p>
+            <a:r>
+              <a:rPr lang="en-CA"/>
+              <a:t>Production - Model Development</a:t>
+            </a:r>
+          </a:p>
+        </p:txBody>
+      </p:sp>
+      <p:sp>
+        <p:nvSpPr>
+          <p:cNvPr id="8" name="Slide Number Placeholder 7">
+            <a:extLst>
+              <a:ext uri="{FF2B5EF4-FFF2-40B4-BE49-F238E27FC236}">
+                <a16:creationId xmlns:a16="http://schemas.microsoft.com/office/drawing/2014/main" id="{22B3C95F-DDDE-53BA-A4D7-3D2E2EF9408C}"/>
+              </a:ext>
+            </a:extLst>
+          </p:cNvPr>
+          <p:cNvSpPr>
+            <a:spLocks noGrp="1"/>
+          </p:cNvSpPr>
+          <p:nvPr>
+            <p:ph type="sldNum" sz="quarter" idx="12"/>
+          </p:nvPr>
+        </p:nvSpPr>
+        <p:spPr/>
+        <p:txBody>
+          <a:bodyPr/>
+          <a:lstStyle/>
+          <a:p>
+            <a:fld id="{4F4BDF5D-830C-4829-B676-EE421164B1C8}" type="slidenum">
+              <a:rPr lang="en-CA" smtClean="0"/>
+              <a:t>10</a:t>
+            </a:fld>
+            <a:endParaRPr lang="en-CA"/>
           </a:p>
         </p:txBody>
       </p:sp>
     </p:spTree>
   </p:cSld>
+  <p:clrMapOvr>
+    <a:masterClrMapping/>
+  </p:clrMapOvr>
 </p:sld>
 </file>
 
@@ -3589,12 +4174,11 @@
           <a:bodyPr/>
           <a:lstStyle/>
           <a:p>
-            <a:pPr lvl="0" indent="0" marL="0">
+            <a:pPr marL="0" lvl="0" indent="0">
               <a:buNone/>
             </a:pPr>
             <a:r>
-              <a:rPr/>
-              <a:t>Ensembles</a:t>
+              <a:t>Guidance for Model Selection (3/3)</a:t>
             </a:r>
           </a:p>
         </p:txBody>
@@ -3606,108 +4190,180 @@
             <a:spLocks noGrp="1"/>
           </p:cNvSpPr>
           <p:nvPr>
-            <p:ph idx="1" sz="half"/>
-          </p:nvPr>
-        </p:nvSpPr>
-        <p:spPr/>
-        <p:txBody>
-          <a:bodyPr/>
+            <p:ph sz="half" idx="1"/>
+          </p:nvPr>
+        </p:nvSpPr>
+        <p:spPr/>
+        <p:txBody>
+          <a:bodyPr>
+            <a:normAutofit fontScale="70000" lnSpcReduction="20000"/>
+          </a:bodyPr>
           <a:lstStyle/>
           <a:p>
             <a:pPr lvl="0"/>
             <a:r>
-              <a:rPr/>
-              <a:t>Ensemble methods are less favored in production because ensembles are more complex to deploy and harder to maintain.</a:t>
-            </a:r>
-          </a:p>
+              <a:t>Evaluate trade-offs</a:t>
+            </a:r>
+          </a:p>
+          <a:p>
+            <a:pPr lvl="1"/>
+            <a:r>
+              <a:t>False positives vs false negatives: reducing false positives may increase false negatives and vice versa.</a:t>
+            </a:r>
+          </a:p>
+          <a:p>
+            <a:pPr lvl="1"/>
+            <a:r>
+              <a:t>Compute requirement and model performance: a more complex model may deliver better performance, but at what cost?</a:t>
+            </a:r>
+          </a:p>
+        </p:txBody>
+      </p:sp>
+      <p:sp>
+        <p:nvSpPr>
+          <p:cNvPr id="4" name="Content Placeholder 3"/>
+          <p:cNvSpPr>
+            <a:spLocks noGrp="1"/>
+          </p:cNvSpPr>
+          <p:nvPr>
+            <p:ph sz="half" idx="2"/>
+          </p:nvPr>
+        </p:nvSpPr>
+        <p:spPr/>
+        <p:txBody>
+          <a:bodyPr>
+            <a:normAutofit fontScale="70000" lnSpcReduction="20000"/>
+          </a:bodyPr>
+          <a:lstStyle/>
           <a:p>
             <a:pPr lvl="0"/>
             <a:r>
-              <a:rPr/>
-              <a:t>Common in tasks where small performance boosts can lead to huge financial gain, such as predicting the click-through rate for ads.</a:t>
-            </a:r>
-          </a:p>
-          <a:p>
-            <a:pPr lvl="0"/>
-            <a:r>
-              <a:rPr/>
-              <a:t>Ensembles perform better when underlying classifiers are uncorrelated.</a:t>
-            </a:r>
-          </a:p>
-        </p:txBody>
-      </p:sp>
-      <p:pic>
-        <p:nvPicPr>
-          <p:cNvPr descr="./img/squad_performance.png" id="0" name="Picture 1"/>
-          <p:cNvPicPr>
-            <a:picLocks noGrp="1" noChangeAspect="1"/>
-          </p:cNvPicPr>
-          <p:nvPr/>
-        </p:nvPicPr>
-        <p:blipFill>
-          <a:blip r:embed="rId2"/>
-          <a:stretch>
-            <a:fillRect/>
-          </a:stretch>
-        </p:blipFill>
-        <p:spPr bwMode="auto">
-          <a:xfrm>
-            <a:off x="6832600" y="1993900"/>
-            <a:ext cx="3022600" cy="3251200"/>
-          </a:xfrm>
-          <a:prstGeom prst="rect">
-            <a:avLst/>
-          </a:prstGeom>
-          <a:noFill/>
-          <a:ln w="9525">
-            <a:noFill/>
-            <a:headEnd/>
-            <a:tailEnd/>
-          </a:ln>
-        </p:spPr>
-      </p:pic>
-      <p:sp>
-        <p:nvSpPr>
-          <p:cNvPr id="1" name="TextBox 3"/>
-          <p:cNvSpPr txBox="1"/>
-          <p:nvPr/>
-        </p:nvSpPr>
-        <p:spPr>
-          <a:xfrm>
-            <a:off x="6007100" y="5245100"/>
-            <a:ext cx="4660900" cy="508000"/>
-          </a:xfrm>
-          <a:prstGeom prst="rect">
-            <a:avLst/>
-          </a:prstGeom>
-          <a:noFill/>
-        </p:spPr>
-        <p:txBody>
-          <a:bodyPr/>
-          <a:lstStyle/>
-          <a:p>
-            <a:pPr lvl="0" indent="0" marL="0" algn="ctr">
-              <a:buNone/>
-            </a:pPr>
-            <a:r>
-              <a:rPr/>
-              <a:t>Top Solutions on SQuAD 2.0 ( </a:t>
-            </a:r>
-            <a:r>
-              <a:rPr>
-                <a:hlinkClick r:id="rId3"/>
-              </a:rPr>
-              <a:t>source</a:t>
-            </a:r>
-            <a:r>
-              <a:rPr/>
-              <a:t> )</a:t>
-            </a:r>
+              <a:t>Understand your model’s assumptions</a:t>
+            </a:r>
+          </a:p>
+          <a:p>
+            <a:pPr lvl="1"/>
+            <a:r>
+              <a:t>Every model comes with its assumptions.</a:t>
+            </a:r>
+          </a:p>
+          <a:p>
+            <a:pPr lvl="1"/>
+            <a:r>
+              <a:t>Prediction assumption: every model that aims to predict an output Y from an input X assumes that it is possible to predict Y based on X.</a:t>
+            </a:r>
+          </a:p>
+          <a:p>
+            <a:pPr lvl="1"/>
+            <a:r>
+              <a:t>Independent and Identically Distributed: neural nets assume that examples are independent and identically distributed.</a:t>
+            </a:r>
+          </a:p>
+          <a:p>
+            <a:pPr lvl="1"/>
+            <a:r>
+              <a:t>Smoothness: supervised learning models assume that a set of functions can transform inputs into outputs such that similar inputs are transformed into similar outputs. If an input X produces Y, then an input close to X would produce an output proportionally close to Y.</a:t>
+            </a:r>
+          </a:p>
+          <a:p>
+            <a:pPr lvl="1"/>
+            <a:r>
+              <a:t>Linear boundaries, conditional independence, normally distributed, and so on.</a:t>
+            </a:r>
+          </a:p>
+        </p:txBody>
+      </p:sp>
+      <p:sp>
+        <p:nvSpPr>
+          <p:cNvPr id="5" name="Date Placeholder 4">
+            <a:extLst>
+              <a:ext uri="{FF2B5EF4-FFF2-40B4-BE49-F238E27FC236}">
+                <a16:creationId xmlns:a16="http://schemas.microsoft.com/office/drawing/2014/main" id="{81E813FE-6068-AD9B-472D-57E7AF6DF648}"/>
+              </a:ext>
+            </a:extLst>
+          </p:cNvPr>
+          <p:cNvSpPr>
+            <a:spLocks noGrp="1"/>
+          </p:cNvSpPr>
+          <p:nvPr>
+            <p:ph type="dt" sz="half" idx="10"/>
+          </p:nvPr>
+        </p:nvSpPr>
+        <p:spPr/>
+        <p:txBody>
+          <a:bodyPr/>
+          <a:lstStyle/>
+          <a:p>
+            <a:r>
+              <a:rPr lang="en-US"/>
+              <a:t>March 2024</a:t>
+            </a:r>
+            <a:endParaRPr lang="en-CA"/>
+          </a:p>
+        </p:txBody>
+      </p:sp>
+      <p:sp>
+        <p:nvSpPr>
+          <p:cNvPr id="6" name="Footer Placeholder 5">
+            <a:extLst>
+              <a:ext uri="{FF2B5EF4-FFF2-40B4-BE49-F238E27FC236}">
+                <a16:creationId xmlns:a16="http://schemas.microsoft.com/office/drawing/2014/main" id="{E447A8BF-6FE9-10D2-5A23-87673A51005E}"/>
+              </a:ext>
+            </a:extLst>
+          </p:cNvPr>
+          <p:cNvSpPr>
+            <a:spLocks noGrp="1"/>
+          </p:cNvSpPr>
+          <p:nvPr>
+            <p:ph type="ftr" sz="quarter" idx="11"/>
+          </p:nvPr>
+        </p:nvSpPr>
+        <p:spPr/>
+        <p:txBody>
+          <a:bodyPr/>
+          <a:lstStyle/>
+          <a:p>
+            <a:r>
+              <a:rPr lang="en-CA"/>
+              <a:t>Production - Model Development</a:t>
+            </a:r>
+          </a:p>
+        </p:txBody>
+      </p:sp>
+      <p:sp>
+        <p:nvSpPr>
+          <p:cNvPr id="7" name="Slide Number Placeholder 6">
+            <a:extLst>
+              <a:ext uri="{FF2B5EF4-FFF2-40B4-BE49-F238E27FC236}">
+                <a16:creationId xmlns:a16="http://schemas.microsoft.com/office/drawing/2014/main" id="{09E5D8D4-EE73-032B-D126-D0542638B2B7}"/>
+              </a:ext>
+            </a:extLst>
+          </p:cNvPr>
+          <p:cNvSpPr>
+            <a:spLocks noGrp="1"/>
+          </p:cNvSpPr>
+          <p:nvPr>
+            <p:ph type="sldNum" sz="quarter" idx="12"/>
+          </p:nvPr>
+        </p:nvSpPr>
+        <p:spPr/>
+        <p:txBody>
+          <a:bodyPr/>
+          <a:lstStyle/>
+          <a:p>
+            <a:fld id="{4F4BDF5D-830C-4829-B676-EE421164B1C8}" type="slidenum">
+              <a:rPr lang="en-CA" smtClean="0"/>
+              <a:t>11</a:t>
+            </a:fld>
+            <a:endParaRPr lang="en-CA"/>
           </a:p>
         </p:txBody>
       </p:sp>
     </p:spTree>
   </p:cSld>
+  <p:clrMapOvr>
+    <a:masterClrMapping/>
+  </p:clrMapOvr>
 </p:sld>
 </file>
 
@@ -3738,290 +4394,116 @@
             <p:ph type="title"/>
           </p:nvPr>
         </p:nvSpPr>
-        <p:spPr/>
-        <p:txBody>
-          <a:bodyPr/>
-          <a:lstStyle/>
-          <a:p>
-            <a:pPr lvl="0" indent="0" marL="0">
+        <p:spPr>
+          <a:xfrm>
+            <a:off x="603504" y="767419"/>
+            <a:ext cx="10780776" cy="3355848"/>
+          </a:xfrm>
+        </p:spPr>
+        <p:txBody>
+          <a:bodyPr/>
+          <a:lstStyle/>
+          <a:p>
+            <a:pPr marL="0" lvl="0" indent="0">
               <a:buNone/>
             </a:pPr>
             <a:r>
-              <a:rPr/>
-              <a:t>Possible Outcomes</a:t>
-            </a:r>
-          </a:p>
-        </p:txBody>
-      </p:sp>
-      <p:graphicFrame>
-        <p:nvGraphicFramePr>
-          <p:cNvPr id="6" name="Content Placeholder 5"/>
-          <p:cNvGraphicFramePr>
-            <a:graphicFrameLocks noGrp="1"/>
-          </p:cNvGraphicFramePr>
-          <p:nvPr>
-            <p:ph idx="1"/>
-          </p:nvPr>
-        </p:nvGraphicFramePr>
-        <p:xfrm>
-          <a:off x="673100" y="2006600"/>
-          <a:ext cx="10744200" cy="3759200"/>
-        </p:xfrm>
-        <a:graphic>
-          <a:graphicData uri="http://schemas.openxmlformats.org/drawingml/2006/table">
-            <a:tbl>
-              <a:tblPr firstRow="1" bandRow="1">
-                <a:tableStyleId>{5C22544A-7EE6-4342-B048-85BDC9FD1C3A}</a:tableStyleId>
-              </a:tblPr>
-              <a:tblGrid>
-                <a:gridCol w="3581400"/>
-                <a:gridCol w="3581400"/>
-                <a:gridCol w="3581400"/>
-              </a:tblGrid>
-              <a:tr h="0">
-                <a:tc>
-                  <a:txBody>
-                    <a:bodyPr/>
-                    <a:lstStyle/>
-                    <a:p>
-                      <a:pPr lvl="0" indent="0" marL="0">
-                        <a:buNone/>
-                      </a:pPr>
-                      <a:r>
-                        <a:rPr/>
-                        <a:t>Outputs of three models</a:t>
-                      </a:r>
-                    </a:p>
-                  </a:txBody>
-                  <a:tcPr/>
-                </a:tc>
-                <a:tc>
-                  <a:txBody>
-                    <a:bodyPr/>
-                    <a:lstStyle/>
-                    <a:p>
-                      <a:pPr lvl="0" indent="0" marL="0">
-                        <a:buNone/>
-                      </a:pPr>
-                      <a:r>
-                        <a:rPr/>
-                        <a:t>Probability</a:t>
-                      </a:r>
-                    </a:p>
-                  </a:txBody>
-                  <a:tcPr/>
-                </a:tc>
-                <a:tc>
-                  <a:txBody>
-                    <a:bodyPr/>
-                    <a:lstStyle/>
-                    <a:p>
-                      <a:pPr lvl="0" indent="0" marL="0">
-                        <a:buNone/>
-                      </a:pPr>
-                      <a:r>
-                        <a:rPr/>
-                        <a:t>Ensemble’s output</a:t>
-                      </a:r>
-                    </a:p>
-                  </a:txBody>
-                  <a:tcPr/>
-                </a:tc>
-              </a:tr>
-              <a:tr h="0">
-                <a:tc>
-                  <a:txBody>
-                    <a:bodyPr/>
-                    <a:lstStyle/>
-                    <a:p>
-                      <a:pPr lvl="0" indent="0" marL="0">
-                        <a:buNone/>
-                      </a:pPr>
-                      <a:r>
-                        <a:rPr/>
-                        <a:t>All three are correct</a:t>
-                      </a:r>
-                    </a:p>
-                  </a:txBody>
-                </a:tc>
-                <a:tc>
-                  <a:txBody>
-                    <a:bodyPr/>
-                    <a:lstStyle/>
-                    <a:p>
-                      <a:pPr lvl="0" indent="0" marL="0">
-                        <a:buNone/>
-                      </a:pPr>
-                      <a:r>
-                        <a:rPr/>
-                        <a:t>0.7 * 0.7 * 0.7 = 0.343</a:t>
-                      </a:r>
-                    </a:p>
-                  </a:txBody>
-                </a:tc>
-                <a:tc>
-                  <a:txBody>
-                    <a:bodyPr/>
-                    <a:lstStyle/>
-                    <a:p>
-                      <a:pPr lvl="0" indent="0" marL="0">
-                        <a:buNone/>
-                      </a:pPr>
-                      <a:r>
-                        <a:rPr/>
-                        <a:t>Correct</a:t>
-                      </a:r>
-                    </a:p>
-                  </a:txBody>
-                </a:tc>
-              </a:tr>
-              <a:tr h="0">
-                <a:tc>
-                  <a:txBody>
-                    <a:bodyPr/>
-                    <a:lstStyle/>
-                    <a:p>
-                      <a:pPr lvl="0" indent="0" marL="0">
-                        <a:buNone/>
-                      </a:pPr>
-                      <a:r>
-                        <a:rPr/>
-                        <a:t>Only two are correct</a:t>
-                      </a:r>
-                    </a:p>
-                  </a:txBody>
-                </a:tc>
-                <a:tc>
-                  <a:txBody>
-                    <a:bodyPr/>
-                    <a:lstStyle/>
-                    <a:p>
-                      <a:pPr lvl="0" indent="0" marL="0">
-                        <a:buNone/>
-                      </a:pPr>
-                      <a:r>
-                        <a:rPr/>
-                        <a:t>(0.7 * 0.7 * 0.3) * 3 = 0.441</a:t>
-                      </a:r>
-                    </a:p>
-                  </a:txBody>
-                </a:tc>
-                <a:tc>
-                  <a:txBody>
-                    <a:bodyPr/>
-                    <a:lstStyle/>
-                    <a:p>
-                      <a:pPr lvl="0" indent="0" marL="0">
-                        <a:buNone/>
-                      </a:pPr>
-                      <a:r>
-                        <a:rPr/>
-                        <a:t>Correct</a:t>
-                      </a:r>
-                    </a:p>
-                  </a:txBody>
-                </a:tc>
-              </a:tr>
-              <a:tr h="0">
-                <a:tc>
-                  <a:txBody>
-                    <a:bodyPr/>
-                    <a:lstStyle/>
-                    <a:p>
-                      <a:pPr lvl="0" indent="0" marL="0">
-                        <a:buNone/>
-                      </a:pPr>
-                      <a:r>
-                        <a:rPr/>
-                        <a:t>Only one is correct</a:t>
-                      </a:r>
-                    </a:p>
-                  </a:txBody>
-                </a:tc>
-                <a:tc>
-                  <a:txBody>
-                    <a:bodyPr/>
-                    <a:lstStyle/>
-                    <a:p>
-                      <a:pPr lvl="0" indent="0" marL="0">
-                        <a:buNone/>
-                      </a:pPr>
-                      <a:r>
-                        <a:rPr/>
-                        <a:t>(0.3 * 0.3 * 0.7) * 3 = 0.189</a:t>
-                      </a:r>
-                    </a:p>
-                  </a:txBody>
-                </a:tc>
-                <a:tc>
-                  <a:txBody>
-                    <a:bodyPr/>
-                    <a:lstStyle/>
-                    <a:p>
-                      <a:pPr lvl="0" indent="0" marL="0">
-                        <a:buNone/>
-                      </a:pPr>
-                      <a:r>
-                        <a:rPr/>
-                        <a:t>Wrong</a:t>
-                      </a:r>
-                    </a:p>
-                  </a:txBody>
-                </a:tc>
-              </a:tr>
-              <a:tr h="0">
-                <a:tc>
-                  <a:txBody>
-                    <a:bodyPr/>
-                    <a:lstStyle/>
-                    <a:p>
-                      <a:pPr lvl="0" indent="0" marL="0">
-                        <a:buNone/>
-                      </a:pPr>
-                      <a:r>
-                        <a:rPr/>
-                        <a:t>None are correct</a:t>
-                      </a:r>
-                    </a:p>
-                  </a:txBody>
-                </a:tc>
-                <a:tc>
-                  <a:txBody>
-                    <a:bodyPr/>
-                    <a:lstStyle/>
-                    <a:p>
-                      <a:pPr lvl="0" indent="0" marL="0">
-                        <a:buNone/>
-                      </a:pPr>
-                      <a:r>
-                        <a:rPr/>
-                        <a:t>0.3 * 0.3 * 0.3 = 0.027</a:t>
-                      </a:r>
-                    </a:p>
-                  </a:txBody>
-                </a:tc>
-                <a:tc>
-                  <a:txBody>
-                    <a:bodyPr/>
-                    <a:lstStyle/>
-                    <a:p>
-                      <a:pPr lvl="0" indent="0" marL="0">
-                        <a:buNone/>
-                      </a:pPr>
-                      <a:r>
-                        <a:rPr/>
-                        <a:t>Wrong</a:t>
-                      </a:r>
-                    </a:p>
-                  </a:txBody>
-                </a:tc>
-              </a:tr>
-            </a:tbl>
-          </a:graphicData>
-        </a:graphic>
-      </p:graphicFrame>
+              <a:t>Ensembles</a:t>
+            </a:r>
+          </a:p>
+        </p:txBody>
+      </p:sp>
+      <p:sp>
+        <p:nvSpPr>
+          <p:cNvPr id="3" name="Date Placeholder 2">
+            <a:extLst>
+              <a:ext uri="{FF2B5EF4-FFF2-40B4-BE49-F238E27FC236}">
+                <a16:creationId xmlns:a16="http://schemas.microsoft.com/office/drawing/2014/main" id="{62312AA3-05CB-AB46-574A-573FB6599C56}"/>
+              </a:ext>
+            </a:extLst>
+          </p:cNvPr>
+          <p:cNvSpPr>
+            <a:spLocks noGrp="1"/>
+          </p:cNvSpPr>
+          <p:nvPr>
+            <p:ph type="dt" sz="half" idx="10"/>
+          </p:nvPr>
+        </p:nvSpPr>
+        <p:spPr/>
+        <p:txBody>
+          <a:bodyPr/>
+          <a:lstStyle/>
+          <a:p>
+            <a:r>
+              <a:rPr lang="en-US"/>
+              <a:t>March 2024</a:t>
+            </a:r>
+            <a:endParaRPr lang="en-CA"/>
+          </a:p>
+        </p:txBody>
+      </p:sp>
+      <p:sp>
+        <p:nvSpPr>
+          <p:cNvPr id="4" name="Footer Placeholder 3">
+            <a:extLst>
+              <a:ext uri="{FF2B5EF4-FFF2-40B4-BE49-F238E27FC236}">
+                <a16:creationId xmlns:a16="http://schemas.microsoft.com/office/drawing/2014/main" id="{C05B98E1-798B-7F5E-B445-265805652792}"/>
+              </a:ext>
+            </a:extLst>
+          </p:cNvPr>
+          <p:cNvSpPr>
+            <a:spLocks noGrp="1"/>
+          </p:cNvSpPr>
+          <p:nvPr>
+            <p:ph type="ftr" sz="quarter" idx="11"/>
+          </p:nvPr>
+        </p:nvSpPr>
+        <p:spPr/>
+        <p:txBody>
+          <a:bodyPr/>
+          <a:lstStyle/>
+          <a:p>
+            <a:r>
+              <a:rPr lang="en-CA"/>
+              <a:t>Production - Model Development</a:t>
+            </a:r>
+          </a:p>
+        </p:txBody>
+      </p:sp>
+      <p:sp>
+        <p:nvSpPr>
+          <p:cNvPr id="5" name="Slide Number Placeholder 4">
+            <a:extLst>
+              <a:ext uri="{FF2B5EF4-FFF2-40B4-BE49-F238E27FC236}">
+                <a16:creationId xmlns:a16="http://schemas.microsoft.com/office/drawing/2014/main" id="{C34B89DD-747E-1BE7-7C96-0C9495FDFC37}"/>
+              </a:ext>
+            </a:extLst>
+          </p:cNvPr>
+          <p:cNvSpPr>
+            <a:spLocks noGrp="1"/>
+          </p:cNvSpPr>
+          <p:nvPr>
+            <p:ph type="sldNum" sz="quarter" idx="12"/>
+          </p:nvPr>
+        </p:nvSpPr>
+        <p:spPr/>
+        <p:txBody>
+          <a:bodyPr/>
+          <a:lstStyle/>
+          <a:p>
+            <a:fld id="{4F4BDF5D-830C-4829-B676-EE421164B1C8}" type="slidenum">
+              <a:rPr lang="en-CA" smtClean="0"/>
+              <a:t>12</a:t>
+            </a:fld>
+            <a:endParaRPr lang="en-CA"/>
+          </a:p>
+        </p:txBody>
+      </p:sp>
     </p:spTree>
   </p:cSld>
+  <p:clrMapOvr>
+    <a:masterClrMapping/>
+  </p:clrMapOvr>
 </p:sld>
 </file>
 
@@ -4057,12 +4539,11 @@
           <a:bodyPr/>
           <a:lstStyle/>
           <a:p>
-            <a:pPr lvl="0" indent="0" marL="0">
+            <a:pPr marL="0" lvl="0" indent="0">
               <a:buNone/>
             </a:pPr>
             <a:r>
-              <a:rPr/>
-              <a:t>Bagging</a:t>
+              <a:t>The Wisdom of the Crowds</a:t>
             </a:r>
           </a:p>
         </p:txBody>
@@ -4077,32 +4558,140 @@
             <p:ph idx="1"/>
           </p:nvPr>
         </p:nvSpPr>
-        <p:spPr/>
-        <p:txBody>
-          <a:bodyPr/>
-          <a:lstStyle/>
-          <a:p>
-            <a:pPr lvl="0" indent="0" marL="0">
+        <p:spPr>
+          <a:xfrm>
+            <a:off x="1600201" y="2011680"/>
+            <a:ext cx="8906636" cy="3766185"/>
+          </a:xfrm>
+        </p:spPr>
+        <p:txBody>
+          <a:bodyPr>
+            <a:normAutofit lnSpcReduction="10000"/>
+          </a:bodyPr>
+          <a:lstStyle/>
+          <a:p>
+            <a:pPr marL="0" lvl="0" indent="0">
               <a:buNone/>
             </a:pPr>
             <a:r>
-              <a:rPr/>
-              <a:t>(Huyen, 2021)</a:t>
-            </a:r>
-          </a:p>
-          <a:p>
-            <a:pPr lvl="0" indent="0" marL="0">
+              <a:rPr sz="2400" dirty="0"/>
+              <a:t>“Aggregating the judgment of many consistently beats the accuracy of the average member of the group, and is often as startlingly accurate […] In fact, in any group there are likely to be individuals who beat the group. But those bull’s-eye guesses typically say more about the power of luck […] than about the skill of the guesser. That becomes clear when the exercise is repeated many times.”</a:t>
+            </a:r>
+          </a:p>
+          <a:p>
+            <a:pPr marL="0" lvl="0" indent="0" algn="r">
               <a:buNone/>
             </a:pPr>
-            <a:r>
-              <a:rPr/>
-              <a:t>(Huyen, 2021)</a:t>
-            </a:r>
+            <a:endParaRPr lang="en-US" dirty="0"/>
+          </a:p>
+          <a:p>
+            <a:pPr marL="0" lvl="0" indent="0" algn="r">
+              <a:buNone/>
+            </a:pPr>
+            <a:endParaRPr lang="en-US" dirty="0"/>
+          </a:p>
+          <a:p>
+            <a:pPr marL="0" lvl="0" indent="0" algn="r">
+              <a:buNone/>
+            </a:pPr>
+            <a:r>
+              <a:rPr dirty="0"/>
+              <a:t>(Tetlock and Gardner, 2015)</a:t>
+            </a:r>
+          </a:p>
+        </p:txBody>
+      </p:sp>
+      <p:sp>
+        <p:nvSpPr>
+          <p:cNvPr id="4" name="Date Placeholder 3">
+            <a:extLst>
+              <a:ext uri="{FF2B5EF4-FFF2-40B4-BE49-F238E27FC236}">
+                <a16:creationId xmlns:a16="http://schemas.microsoft.com/office/drawing/2014/main" id="{9BF9C43A-61BC-2648-0DD1-7E36C9B96B09}"/>
+              </a:ext>
+            </a:extLst>
+          </p:cNvPr>
+          <p:cNvSpPr>
+            <a:spLocks noGrp="1"/>
+          </p:cNvSpPr>
+          <p:nvPr>
+            <p:ph type="dt" sz="half" idx="10"/>
+          </p:nvPr>
+        </p:nvSpPr>
+        <p:spPr/>
+        <p:txBody>
+          <a:bodyPr/>
+          <a:lstStyle/>
+          <a:p>
+            <a:r>
+              <a:rPr lang="en-US"/>
+              <a:t>March 2024</a:t>
+            </a:r>
+            <a:endParaRPr lang="en-CA"/>
+          </a:p>
+        </p:txBody>
+      </p:sp>
+      <p:sp>
+        <p:nvSpPr>
+          <p:cNvPr id="5" name="Footer Placeholder 4">
+            <a:extLst>
+              <a:ext uri="{FF2B5EF4-FFF2-40B4-BE49-F238E27FC236}">
+                <a16:creationId xmlns:a16="http://schemas.microsoft.com/office/drawing/2014/main" id="{9D54B22F-7DBA-9282-B7EC-F2C90B00AA07}"/>
+              </a:ext>
+            </a:extLst>
+          </p:cNvPr>
+          <p:cNvSpPr>
+            <a:spLocks noGrp="1"/>
+          </p:cNvSpPr>
+          <p:nvPr>
+            <p:ph type="ftr" sz="quarter" idx="11"/>
+          </p:nvPr>
+        </p:nvSpPr>
+        <p:spPr/>
+        <p:txBody>
+          <a:bodyPr/>
+          <a:lstStyle/>
+          <a:p>
+            <a:r>
+              <a:rPr lang="en-CA"/>
+              <a:t>Production - Model Development</a:t>
+            </a:r>
+          </a:p>
+        </p:txBody>
+      </p:sp>
+      <p:sp>
+        <p:nvSpPr>
+          <p:cNvPr id="6" name="Slide Number Placeholder 5">
+            <a:extLst>
+              <a:ext uri="{FF2B5EF4-FFF2-40B4-BE49-F238E27FC236}">
+                <a16:creationId xmlns:a16="http://schemas.microsoft.com/office/drawing/2014/main" id="{56D4E99F-0648-CF3F-7783-B89A52AAFFB7}"/>
+              </a:ext>
+            </a:extLst>
+          </p:cNvPr>
+          <p:cNvSpPr>
+            <a:spLocks noGrp="1"/>
+          </p:cNvSpPr>
+          <p:nvPr>
+            <p:ph type="sldNum" sz="quarter" idx="12"/>
+          </p:nvPr>
+        </p:nvSpPr>
+        <p:spPr/>
+        <p:txBody>
+          <a:bodyPr/>
+          <a:lstStyle/>
+          <a:p>
+            <a:fld id="{4F4BDF5D-830C-4829-B676-EE421164B1C8}" type="slidenum">
+              <a:rPr lang="en-CA" smtClean="0"/>
+              <a:t>13</a:t>
+            </a:fld>
+            <a:endParaRPr lang="en-CA"/>
           </a:p>
         </p:txBody>
       </p:sp>
     </p:spTree>
   </p:cSld>
+  <p:clrMapOvr>
+    <a:masterClrMapping/>
+  </p:clrMapOvr>
 </p:sld>
 </file>
 
@@ -4125,80 +4714,233 @@
       </p:grpSpPr>
       <p:sp>
         <p:nvSpPr>
+          <p:cNvPr id="2" name="Title 1"/>
+          <p:cNvSpPr>
+            <a:spLocks noGrp="1"/>
+          </p:cNvSpPr>
+          <p:nvPr>
+            <p:ph type="title"/>
+          </p:nvPr>
+        </p:nvSpPr>
+        <p:spPr/>
+        <p:txBody>
+          <a:bodyPr/>
+          <a:lstStyle/>
+          <a:p>
+            <a:pPr marL="0" lvl="0" indent="0">
+              <a:buNone/>
+            </a:pPr>
+            <a:r>
+              <a:t>Ensembles</a:t>
+            </a:r>
+          </a:p>
+        </p:txBody>
+      </p:sp>
+      <p:sp>
+        <p:nvSpPr>
           <p:cNvPr id="3" name="Content Placeholder 2"/>
           <p:cNvSpPr>
             <a:spLocks noGrp="1"/>
           </p:cNvSpPr>
           <p:nvPr>
-            <p:ph idx="1"/>
-          </p:nvPr>
-        </p:nvSpPr>
-        <p:spPr/>
-        <p:txBody>
-          <a:bodyPr/>
+            <p:ph sz="half" idx="1"/>
+          </p:nvPr>
+        </p:nvSpPr>
+        <p:spPr/>
+        <p:txBody>
+          <a:bodyPr>
+            <a:normAutofit fontScale="85000" lnSpcReduction="10000"/>
+          </a:bodyPr>
           <a:lstStyle/>
           <a:p>
             <a:pPr lvl="0"/>
             <a:r>
-              <a:rPr/>
-              <a:t>Bagging (bootstrap aggregating) is designed to improve the training stability and accuracy of ML algorithms.</a:t>
+              <a:t>Ensemble methods are less favoured in production because ensembles are more complex to deploy and harder to maintain.</a:t>
             </a:r>
           </a:p>
           <a:p>
             <a:pPr lvl="0"/>
             <a:r>
-              <a:rPr/>
-              <a:t>Reduces variance and helps avoid overfitting; it improves unstable methods (e.g., tree-based methods)</a:t>
+              <a:t>Common in tasks where small performance boosts can lead to substantial financial gains, such as predicting the click-through rate for ads.</a:t>
             </a:r>
           </a:p>
           <a:p>
             <a:pPr lvl="0"/>
             <a:r>
-              <a:rPr/>
-              <a:t>Outline:</a:t>
-            </a:r>
-          </a:p>
-          <a:p>
-            <a:pPr lvl="1"/>
-            <a:r>
-              <a:rPr/>
-              <a:t>Given a data set, create n data sets by sampling with replacement (bootstrap).</a:t>
-            </a:r>
-          </a:p>
-          <a:p>
-            <a:pPr lvl="1"/>
-            <a:r>
-              <a:rPr/>
-              <a:t>Train classification or regression model on each bootstrap.</a:t>
-            </a:r>
-          </a:p>
-          <a:p>
-            <a:pPr lvl="1"/>
-            <a:r>
-              <a:rPr/>
-              <a:t>If classification, decide by majority vote; if regression, use the mean result.</a:t>
-            </a:r>
-          </a:p>
-          <a:p>
-            <a:pPr lvl="0"/>
-            <a:r>
-              <a:rPr/>
-              <a:t>Sampling with replacement ensures that each bootstrap is created independently from its peers.</a:t>
-            </a:r>
-          </a:p>
-          <a:p>
-            <a:pPr lvl="0" indent="0" marL="0">
+              <a:t>Ensembles perform better when underlying classifiers are uncorrelated.</a:t>
+            </a:r>
+          </a:p>
+        </p:txBody>
+      </p:sp>
+      <p:pic>
+        <p:nvPicPr>
+          <p:cNvPr id="4" name="Picture 1" descr="./img/squad_performance.png"/>
+          <p:cNvPicPr>
+            <a:picLocks noGrp="1" noChangeAspect="1"/>
+          </p:cNvPicPr>
+          <p:nvPr/>
+        </p:nvPicPr>
+        <p:blipFill>
+          <a:blip r:embed="rId2"/>
+          <a:stretch>
+            <a:fillRect/>
+          </a:stretch>
+        </p:blipFill>
+        <p:spPr bwMode="auto">
+          <a:xfrm>
+            <a:off x="6019800" y="1119628"/>
+            <a:ext cx="4648200" cy="4999744"/>
+          </a:xfrm>
+          <a:prstGeom prst="rect">
+            <a:avLst/>
+          </a:prstGeom>
+          <a:noFill/>
+          <a:ln w="9525">
+            <a:noFill/>
+            <a:headEnd/>
+            <a:tailEnd/>
+          </a:ln>
+        </p:spPr>
+      </p:pic>
+      <p:sp>
+        <p:nvSpPr>
+          <p:cNvPr id="5" name="TextBox 3"/>
+          <p:cNvSpPr txBox="1"/>
+          <p:nvPr/>
+        </p:nvSpPr>
+        <p:spPr>
+          <a:xfrm>
+            <a:off x="6007100" y="6149975"/>
+            <a:ext cx="4660900" cy="508000"/>
+          </a:xfrm>
+          <a:prstGeom prst="rect">
+            <a:avLst/>
+          </a:prstGeom>
+          <a:noFill/>
+        </p:spPr>
+        <p:txBody>
+          <a:bodyPr/>
+          <a:lstStyle/>
+          <a:p>
+            <a:pPr marL="0" lvl="0" indent="0" algn="ctr">
               <a:buNone/>
             </a:pPr>
             <a:r>
-              <a:rPr/>
-              <a:t>::: ::::::</a:t>
-            </a:r>
+              <a:rPr sz="1100" dirty="0"/>
+              <a:t>Top Solutions on </a:t>
+            </a:r>
+            <a:r>
+              <a:rPr sz="1100" dirty="0" err="1"/>
+              <a:t>SQuAD</a:t>
+            </a:r>
+            <a:r>
+              <a:rPr sz="1100" dirty="0"/>
+              <a:t> 2.0 ( </a:t>
+            </a:r>
+            <a:r>
+              <a:rPr sz="1100" dirty="0">
+                <a:hlinkClick r:id="rId3"/>
+              </a:rPr>
+              <a:t>source</a:t>
+            </a:r>
+            <a:r>
+              <a:rPr sz="1100" dirty="0"/>
+              <a:t> )</a:t>
+            </a:r>
+          </a:p>
+        </p:txBody>
+      </p:sp>
+      <p:sp>
+        <p:nvSpPr>
+          <p:cNvPr id="6" name="Date Placeholder 5">
+            <a:extLst>
+              <a:ext uri="{FF2B5EF4-FFF2-40B4-BE49-F238E27FC236}">
+                <a16:creationId xmlns:a16="http://schemas.microsoft.com/office/drawing/2014/main" id="{CEF55069-D15E-5D5E-E67B-2F3F0CFF5360}"/>
+              </a:ext>
+            </a:extLst>
+          </p:cNvPr>
+          <p:cNvSpPr>
+            <a:spLocks noGrp="1"/>
+          </p:cNvSpPr>
+          <p:nvPr>
+            <p:ph type="dt" sz="half" idx="10"/>
+          </p:nvPr>
+        </p:nvSpPr>
+        <p:spPr/>
+        <p:txBody>
+          <a:bodyPr/>
+          <a:lstStyle/>
+          <a:p>
+            <a:r>
+              <a:rPr lang="en-US"/>
+              <a:t>March 2024</a:t>
+            </a:r>
+            <a:endParaRPr lang="en-CA"/>
+          </a:p>
+        </p:txBody>
+      </p:sp>
+      <p:sp>
+        <p:nvSpPr>
+          <p:cNvPr id="7" name="Footer Placeholder 6">
+            <a:extLst>
+              <a:ext uri="{FF2B5EF4-FFF2-40B4-BE49-F238E27FC236}">
+                <a16:creationId xmlns:a16="http://schemas.microsoft.com/office/drawing/2014/main" id="{7126E6DE-CD41-1AC0-1B5C-B71EB20694F3}"/>
+              </a:ext>
+            </a:extLst>
+          </p:cNvPr>
+          <p:cNvSpPr>
+            <a:spLocks noGrp="1"/>
+          </p:cNvSpPr>
+          <p:nvPr>
+            <p:ph type="ftr" sz="quarter" idx="11"/>
+          </p:nvPr>
+        </p:nvSpPr>
+        <p:spPr/>
+        <p:txBody>
+          <a:bodyPr/>
+          <a:lstStyle/>
+          <a:p>
+            <a:r>
+              <a:rPr lang="en-CA"/>
+              <a:t>Production - Model Development</a:t>
+            </a:r>
+          </a:p>
+        </p:txBody>
+      </p:sp>
+      <p:sp>
+        <p:nvSpPr>
+          <p:cNvPr id="8" name="Slide Number Placeholder 7">
+            <a:extLst>
+              <a:ext uri="{FF2B5EF4-FFF2-40B4-BE49-F238E27FC236}">
+                <a16:creationId xmlns:a16="http://schemas.microsoft.com/office/drawing/2014/main" id="{3430BE76-D9D2-3299-E8AB-F0EDE1427476}"/>
+              </a:ext>
+            </a:extLst>
+          </p:cNvPr>
+          <p:cNvSpPr>
+            <a:spLocks noGrp="1"/>
+          </p:cNvSpPr>
+          <p:nvPr>
+            <p:ph type="sldNum" sz="quarter" idx="12"/>
+          </p:nvPr>
+        </p:nvSpPr>
+        <p:spPr/>
+        <p:txBody>
+          <a:bodyPr/>
+          <a:lstStyle/>
+          <a:p>
+            <a:fld id="{4F4BDF5D-830C-4829-B676-EE421164B1C8}" type="slidenum">
+              <a:rPr lang="en-CA" smtClean="0"/>
+              <a:t>14</a:t>
+            </a:fld>
+            <a:endParaRPr lang="en-CA"/>
           </a:p>
         </p:txBody>
       </p:sp>
     </p:spTree>
   </p:cSld>
+  <p:clrMapOvr>
+    <a:masterClrMapping/>
+  </p:clrMapOvr>
 </p:sld>
 </file>
 
@@ -4234,129 +4976,413 @@
           <a:bodyPr/>
           <a:lstStyle/>
           <a:p>
-            <a:pPr lvl="0" indent="0" marL="0">
+            <a:pPr marL="0" lvl="0" indent="0">
               <a:buNone/>
             </a:pPr>
             <a:r>
-              <a:rPr/>
-              <a:t>Boosting</a:t>
-            </a:r>
-          </a:p>
-        </p:txBody>
-      </p:sp>
-      <p:pic>
-        <p:nvPicPr>
-          <p:cNvPr descr="./img/boosting.png" id="0" name="Picture 1"/>
-          <p:cNvPicPr>
-            <a:picLocks noGrp="1" noChangeAspect="1"/>
-          </p:cNvPicPr>
-          <p:nvPr/>
-        </p:nvPicPr>
-        <p:blipFill>
-          <a:blip r:embed="rId2"/>
-          <a:stretch>
-            <a:fillRect/>
-          </a:stretch>
-        </p:blipFill>
-        <p:spPr bwMode="auto">
-          <a:xfrm>
-            <a:off x="673100" y="2209800"/>
-            <a:ext cx="4660900" cy="2832100"/>
-          </a:xfrm>
-          <a:prstGeom prst="rect">
-            <a:avLst/>
-          </a:prstGeom>
-          <a:noFill/>
-          <a:ln w="9525">
-            <a:noFill/>
-            <a:headEnd/>
-            <a:tailEnd/>
-          </a:ln>
-        </p:spPr>
-      </p:pic>
-      <p:sp>
-        <p:nvSpPr>
-          <p:cNvPr id="1" name="TextBox 3"/>
-          <p:cNvSpPr txBox="1"/>
-          <p:nvPr/>
-        </p:nvSpPr>
-        <p:spPr>
-          <a:xfrm>
-            <a:off x="673100" y="5245100"/>
-            <a:ext cx="4660900" cy="508000"/>
-          </a:xfrm>
-          <a:prstGeom prst="rect">
-            <a:avLst/>
-          </a:prstGeom>
-          <a:noFill/>
-        </p:spPr>
-        <p:txBody>
-          <a:bodyPr/>
-          <a:lstStyle/>
-          <a:p>
-            <a:pPr lvl="0" indent="0" marL="0" algn="ctr">
-              <a:buNone/>
-            </a:pPr>
-            <a:r>
-              <a:rPr/>
-              <a:t>(Huyen, 2021)</a:t>
-            </a:r>
-          </a:p>
-        </p:txBody>
-      </p:sp>
-      <p:sp>
-        <p:nvSpPr>
-          <p:cNvPr id="4" name="Content Placeholder 3"/>
-          <p:cNvSpPr>
-            <a:spLocks noGrp="1"/>
-          </p:cNvSpPr>
-          <p:nvPr>
-            <p:ph idx="2" sz="half"/>
-          </p:nvPr>
-        </p:nvSpPr>
-        <p:spPr/>
-        <p:txBody>
-          <a:bodyPr/>
-          <a:lstStyle/>
-          <a:p>
-            <a:pPr lvl="0"/>
-            <a:r>
-              <a:rPr/>
-              <a:t>Family of iterative ensamble algorithms that convert weak learners to strong ones.</a:t>
-            </a:r>
-          </a:p>
-          <a:p>
-            <a:pPr lvl="0"/>
-            <a:r>
-              <a:rPr/>
-              <a:t>Outline:</a:t>
-            </a:r>
-          </a:p>
-          <a:p>
-            <a:pPr lvl="1"/>
-            <a:r>
-              <a:rPr/>
-              <a:t>Each learner is trained on the same set of samples, but the samples are weighted differently in each iteration.</a:t>
-            </a:r>
-          </a:p>
-          <a:p>
-            <a:pPr lvl="1"/>
-            <a:r>
-              <a:rPr/>
-              <a:t>Future weak learners focus more on the examples that previous weak lerners misclassified.</a:t>
-            </a:r>
-          </a:p>
-          <a:p>
-            <a:pPr lvl="0"/>
-            <a:r>
-              <a:rPr/>
-              <a:t>Examples: Gradient Boosting Machine (GBM), XGBoost, and LightGBM.</a:t>
-            </a:r>
+              <a:t>Possible Outcomes</a:t>
+            </a:r>
+          </a:p>
+        </p:txBody>
+      </p:sp>
+      <p:graphicFrame>
+        <p:nvGraphicFramePr>
+          <p:cNvPr id="6" name="Content Placeholder 5"/>
+          <p:cNvGraphicFramePr>
+            <a:graphicFrameLocks noGrp="1"/>
+          </p:cNvGraphicFramePr>
+          <p:nvPr>
+            <p:ph idx="1"/>
+          </p:nvPr>
+        </p:nvGraphicFramePr>
+        <p:xfrm>
+          <a:off x="673100" y="2006600"/>
+          <a:ext cx="10744200" cy="1828800"/>
+        </p:xfrm>
+        <a:graphic>
+          <a:graphicData uri="http://schemas.openxmlformats.org/drawingml/2006/table">
+            <a:tbl>
+              <a:tblPr firstRow="1" bandRow="1">
+                <a:tableStyleId>{5C22544A-7EE6-4342-B048-85BDC9FD1C3A}</a:tableStyleId>
+              </a:tblPr>
+              <a:tblGrid>
+                <a:gridCol w="3581400">
+                  <a:extLst>
+                    <a:ext uri="{9D8B030D-6E8A-4147-A177-3AD203B41FA5}">
+                      <a16:colId xmlns:a16="http://schemas.microsoft.com/office/drawing/2014/main" val="20000"/>
+                    </a:ext>
+                  </a:extLst>
+                </a:gridCol>
+                <a:gridCol w="3581400">
+                  <a:extLst>
+                    <a:ext uri="{9D8B030D-6E8A-4147-A177-3AD203B41FA5}">
+                      <a16:colId xmlns:a16="http://schemas.microsoft.com/office/drawing/2014/main" val="20001"/>
+                    </a:ext>
+                  </a:extLst>
+                </a:gridCol>
+                <a:gridCol w="3581400">
+                  <a:extLst>
+                    <a:ext uri="{9D8B030D-6E8A-4147-A177-3AD203B41FA5}">
+                      <a16:colId xmlns:a16="http://schemas.microsoft.com/office/drawing/2014/main" val="20002"/>
+                    </a:ext>
+                  </a:extLst>
+                </a:gridCol>
+              </a:tblGrid>
+              <a:tr h="0">
+                <a:tc>
+                  <a:txBody>
+                    <a:bodyPr/>
+                    <a:lstStyle/>
+                    <a:p>
+                      <a:pPr marL="0" lvl="0" indent="0">
+                        <a:buNone/>
+                      </a:pPr>
+                      <a:r>
+                        <a:t>Outputs of three models</a:t>
+                      </a:r>
+                    </a:p>
+                  </a:txBody>
+                  <a:tcPr/>
+                </a:tc>
+                <a:tc>
+                  <a:txBody>
+                    <a:bodyPr/>
+                    <a:lstStyle/>
+                    <a:p>
+                      <a:pPr marL="0" lvl="0" indent="0">
+                        <a:buNone/>
+                      </a:pPr>
+                      <a:r>
+                        <a:t>Probability</a:t>
+                      </a:r>
+                    </a:p>
+                  </a:txBody>
+                  <a:tcPr/>
+                </a:tc>
+                <a:tc>
+                  <a:txBody>
+                    <a:bodyPr/>
+                    <a:lstStyle/>
+                    <a:p>
+                      <a:pPr marL="0" lvl="0" indent="0">
+                        <a:buNone/>
+                      </a:pPr>
+                      <a:r>
+                        <a:t>Ensemble’s output</a:t>
+                      </a:r>
+                    </a:p>
+                  </a:txBody>
+                  <a:tcPr/>
+                </a:tc>
+                <a:extLst>
+                  <a:ext uri="{0D108BD9-81ED-4DB2-BD59-A6C34878D82A}">
+                    <a16:rowId xmlns:a16="http://schemas.microsoft.com/office/drawing/2014/main" val="10000"/>
+                  </a:ext>
+                </a:extLst>
+              </a:tr>
+              <a:tr h="0">
+                <a:tc>
+                  <a:txBody>
+                    <a:bodyPr/>
+                    <a:lstStyle/>
+                    <a:p>
+                      <a:pPr marL="0" lvl="0" indent="0">
+                        <a:buNone/>
+                      </a:pPr>
+                      <a:r>
+                        <a:t>All three are correct</a:t>
+                      </a:r>
+                    </a:p>
+                  </a:txBody>
+                  <a:tcPr/>
+                </a:tc>
+                <a:tc>
+                  <a:txBody>
+                    <a:bodyPr/>
+                    <a:lstStyle/>
+                    <a:p>
+                      <a:pPr marL="0" lvl="0" indent="0">
+                        <a:buNone/>
+                      </a:pPr>
+                      <a:r>
+                        <a:t>0.7 * 0.7 * 0.7 = 0.343</a:t>
+                      </a:r>
+                    </a:p>
+                  </a:txBody>
+                  <a:tcPr/>
+                </a:tc>
+                <a:tc>
+                  <a:txBody>
+                    <a:bodyPr/>
+                    <a:lstStyle/>
+                    <a:p>
+                      <a:pPr marL="0" lvl="0" indent="0">
+                        <a:buNone/>
+                      </a:pPr>
+                      <a:r>
+                        <a:t>Correct</a:t>
+                      </a:r>
+                    </a:p>
+                  </a:txBody>
+                  <a:tcPr/>
+                </a:tc>
+                <a:extLst>
+                  <a:ext uri="{0D108BD9-81ED-4DB2-BD59-A6C34878D82A}">
+                    <a16:rowId xmlns:a16="http://schemas.microsoft.com/office/drawing/2014/main" val="10001"/>
+                  </a:ext>
+                </a:extLst>
+              </a:tr>
+              <a:tr h="0">
+                <a:tc>
+                  <a:txBody>
+                    <a:bodyPr/>
+                    <a:lstStyle/>
+                    <a:p>
+                      <a:pPr marL="0" lvl="0" indent="0">
+                        <a:buNone/>
+                      </a:pPr>
+                      <a:r>
+                        <a:t>Only two are correct</a:t>
+                      </a:r>
+                    </a:p>
+                  </a:txBody>
+                  <a:tcPr/>
+                </a:tc>
+                <a:tc>
+                  <a:txBody>
+                    <a:bodyPr/>
+                    <a:lstStyle/>
+                    <a:p>
+                      <a:pPr marL="0" lvl="0" indent="0">
+                        <a:buNone/>
+                      </a:pPr>
+                      <a:r>
+                        <a:t>(0.7 * 0.7 * 0.3) * 3 = 0.441</a:t>
+                      </a:r>
+                    </a:p>
+                  </a:txBody>
+                  <a:tcPr/>
+                </a:tc>
+                <a:tc>
+                  <a:txBody>
+                    <a:bodyPr/>
+                    <a:lstStyle/>
+                    <a:p>
+                      <a:pPr marL="0" lvl="0" indent="0">
+                        <a:buNone/>
+                      </a:pPr>
+                      <a:r>
+                        <a:t>Correct</a:t>
+                      </a:r>
+                    </a:p>
+                  </a:txBody>
+                  <a:tcPr/>
+                </a:tc>
+                <a:extLst>
+                  <a:ext uri="{0D108BD9-81ED-4DB2-BD59-A6C34878D82A}">
+                    <a16:rowId xmlns:a16="http://schemas.microsoft.com/office/drawing/2014/main" val="10002"/>
+                  </a:ext>
+                </a:extLst>
+              </a:tr>
+              <a:tr h="0">
+                <a:tc>
+                  <a:txBody>
+                    <a:bodyPr/>
+                    <a:lstStyle/>
+                    <a:p>
+                      <a:pPr marL="0" lvl="0" indent="0">
+                        <a:buNone/>
+                      </a:pPr>
+                      <a:r>
+                        <a:t>Only one is correct</a:t>
+                      </a:r>
+                    </a:p>
+                  </a:txBody>
+                  <a:tcPr/>
+                </a:tc>
+                <a:tc>
+                  <a:txBody>
+                    <a:bodyPr/>
+                    <a:lstStyle/>
+                    <a:p>
+                      <a:pPr marL="0" lvl="0" indent="0">
+                        <a:buNone/>
+                      </a:pPr>
+                      <a:r>
+                        <a:t>(0.3 * 0.3 * 0.7) * 3 = 0.189</a:t>
+                      </a:r>
+                    </a:p>
+                  </a:txBody>
+                  <a:tcPr/>
+                </a:tc>
+                <a:tc>
+                  <a:txBody>
+                    <a:bodyPr/>
+                    <a:lstStyle/>
+                    <a:p>
+                      <a:pPr marL="0" lvl="0" indent="0">
+                        <a:buNone/>
+                      </a:pPr>
+                      <a:r>
+                        <a:t>Wrong</a:t>
+                      </a:r>
+                    </a:p>
+                  </a:txBody>
+                  <a:tcPr/>
+                </a:tc>
+                <a:extLst>
+                  <a:ext uri="{0D108BD9-81ED-4DB2-BD59-A6C34878D82A}">
+                    <a16:rowId xmlns:a16="http://schemas.microsoft.com/office/drawing/2014/main" val="10003"/>
+                  </a:ext>
+                </a:extLst>
+              </a:tr>
+              <a:tr h="0">
+                <a:tc>
+                  <a:txBody>
+                    <a:bodyPr/>
+                    <a:lstStyle/>
+                    <a:p>
+                      <a:pPr marL="0" lvl="0" indent="0">
+                        <a:buNone/>
+                      </a:pPr>
+                      <a:r>
+                        <a:t>None are correct</a:t>
+                      </a:r>
+                    </a:p>
+                  </a:txBody>
+                  <a:tcPr/>
+                </a:tc>
+                <a:tc>
+                  <a:txBody>
+                    <a:bodyPr/>
+                    <a:lstStyle/>
+                    <a:p>
+                      <a:pPr marL="0" lvl="0" indent="0">
+                        <a:buNone/>
+                      </a:pPr>
+                      <a:r>
+                        <a:t>0.3 * 0.3 * 0.3 = 0.027</a:t>
+                      </a:r>
+                    </a:p>
+                  </a:txBody>
+                  <a:tcPr/>
+                </a:tc>
+                <a:tc>
+                  <a:txBody>
+                    <a:bodyPr/>
+                    <a:lstStyle/>
+                    <a:p>
+                      <a:pPr marL="0" lvl="0" indent="0">
+                        <a:buNone/>
+                      </a:pPr>
+                      <a:r>
+                        <a:t>Wrong</a:t>
+                      </a:r>
+                    </a:p>
+                  </a:txBody>
+                  <a:tcPr/>
+                </a:tc>
+                <a:extLst>
+                  <a:ext uri="{0D108BD9-81ED-4DB2-BD59-A6C34878D82A}">
+                    <a16:rowId xmlns:a16="http://schemas.microsoft.com/office/drawing/2014/main" val="10004"/>
+                  </a:ext>
+                </a:extLst>
+              </a:tr>
+            </a:tbl>
+          </a:graphicData>
+        </a:graphic>
+      </p:graphicFrame>
+      <p:sp>
+        <p:nvSpPr>
+          <p:cNvPr id="3" name="Date Placeholder 2">
+            <a:extLst>
+              <a:ext uri="{FF2B5EF4-FFF2-40B4-BE49-F238E27FC236}">
+                <a16:creationId xmlns:a16="http://schemas.microsoft.com/office/drawing/2014/main" id="{92A263A0-C146-0C2B-CD3A-205601D9BBBA}"/>
+              </a:ext>
+            </a:extLst>
+          </p:cNvPr>
+          <p:cNvSpPr>
+            <a:spLocks noGrp="1"/>
+          </p:cNvSpPr>
+          <p:nvPr>
+            <p:ph type="dt" sz="half" idx="10"/>
+          </p:nvPr>
+        </p:nvSpPr>
+        <p:spPr/>
+        <p:txBody>
+          <a:bodyPr/>
+          <a:lstStyle/>
+          <a:p>
+            <a:r>
+              <a:rPr lang="en-US"/>
+              <a:t>March 2024</a:t>
+            </a:r>
+            <a:endParaRPr lang="en-CA"/>
+          </a:p>
+        </p:txBody>
+      </p:sp>
+      <p:sp>
+        <p:nvSpPr>
+          <p:cNvPr id="4" name="Footer Placeholder 3">
+            <a:extLst>
+              <a:ext uri="{FF2B5EF4-FFF2-40B4-BE49-F238E27FC236}">
+                <a16:creationId xmlns:a16="http://schemas.microsoft.com/office/drawing/2014/main" id="{1C632B0F-AEC3-BDF8-91F7-1EA28CCA1466}"/>
+              </a:ext>
+            </a:extLst>
+          </p:cNvPr>
+          <p:cNvSpPr>
+            <a:spLocks noGrp="1"/>
+          </p:cNvSpPr>
+          <p:nvPr>
+            <p:ph type="ftr" sz="quarter" idx="11"/>
+          </p:nvPr>
+        </p:nvSpPr>
+        <p:spPr/>
+        <p:txBody>
+          <a:bodyPr/>
+          <a:lstStyle/>
+          <a:p>
+            <a:r>
+              <a:rPr lang="en-CA"/>
+              <a:t>Production - Model Development</a:t>
+            </a:r>
+          </a:p>
+        </p:txBody>
+      </p:sp>
+      <p:sp>
+        <p:nvSpPr>
+          <p:cNvPr id="5" name="Slide Number Placeholder 4">
+            <a:extLst>
+              <a:ext uri="{FF2B5EF4-FFF2-40B4-BE49-F238E27FC236}">
+                <a16:creationId xmlns:a16="http://schemas.microsoft.com/office/drawing/2014/main" id="{663A2645-39E9-DC61-791F-D52A7CC38FF8}"/>
+              </a:ext>
+            </a:extLst>
+          </p:cNvPr>
+          <p:cNvSpPr>
+            <a:spLocks noGrp="1"/>
+          </p:cNvSpPr>
+          <p:nvPr>
+            <p:ph type="sldNum" sz="quarter" idx="12"/>
+          </p:nvPr>
+        </p:nvSpPr>
+        <p:spPr/>
+        <p:txBody>
+          <a:bodyPr/>
+          <a:lstStyle/>
+          <a:p>
+            <a:fld id="{4F4BDF5D-830C-4829-B676-EE421164B1C8}" type="slidenum">
+              <a:rPr lang="en-CA" smtClean="0"/>
+              <a:t>15</a:t>
+            </a:fld>
+            <a:endParaRPr lang="en-CA"/>
           </a:p>
         </p:txBody>
       </p:sp>
     </p:spTree>
   </p:cSld>
+  <p:clrMapOvr>
+    <a:masterClrMapping/>
+  </p:clrMapOvr>
 </p:sld>
 </file>
 
@@ -4392,56 +5418,604 @@
           <a:bodyPr/>
           <a:lstStyle/>
           <a:p>
-            <a:pPr lvl="0" indent="0" marL="0">
+            <a:pPr marL="0" lvl="0" indent="0">
               <a:buNone/>
             </a:pPr>
             <a:r>
-              <a:rPr/>
-              <a:t>Stacking</a:t>
-            </a:r>
-          </a:p>
-        </p:txBody>
-      </p:sp>
-      <p:sp>
-        <p:nvSpPr>
-          <p:cNvPr id="3" name="Content Placeholder 2"/>
-          <p:cNvSpPr>
-            <a:spLocks noGrp="1"/>
-          </p:cNvSpPr>
-          <p:nvPr>
-            <p:ph idx="1" sz="half"/>
-          </p:nvPr>
-        </p:nvSpPr>
-        <p:spPr/>
-        <p:txBody>
-          <a:bodyPr/>
-          <a:lstStyle/>
-          <a:p>
-            <a:pPr lvl="0"/>
-            <a:r>
-              <a:rPr/>
-              <a:t>Outline:</a:t>
-            </a:r>
-          </a:p>
-          <a:p>
-            <a:pPr lvl="1"/>
-            <a:r>
-              <a:rPr/>
-              <a:t>Create base learners from the training data.</a:t>
-            </a:r>
-          </a:p>
-          <a:p>
-            <a:pPr lvl="1"/>
-            <a:r>
-              <a:rPr/>
-              <a:t>Create a metalearner that combines the outputs of the base learners to output predictions.</a:t>
+              <a:t>Bagging</a:t>
             </a:r>
           </a:p>
         </p:txBody>
       </p:sp>
       <p:pic>
         <p:nvPicPr>
-          <p:cNvPr descr="./img/stacking.png" id="0" name="Picture 1"/>
+          <p:cNvPr id="3" name="Picture 1" descr="./img/bagging.png"/>
+          <p:cNvPicPr>
+            <a:picLocks noGrp="1" noChangeAspect="1"/>
+          </p:cNvPicPr>
+          <p:nvPr/>
+        </p:nvPicPr>
+        <p:blipFill>
+          <a:blip r:embed="rId2"/>
+          <a:stretch>
+            <a:fillRect/>
+          </a:stretch>
+        </p:blipFill>
+        <p:spPr bwMode="auto">
+          <a:xfrm>
+            <a:off x="539750" y="1600840"/>
+            <a:ext cx="5918200" cy="3999220"/>
+          </a:xfrm>
+          <a:prstGeom prst="rect">
+            <a:avLst/>
+          </a:prstGeom>
+          <a:noFill/>
+          <a:ln w="9525">
+            <a:noFill/>
+            <a:headEnd/>
+            <a:tailEnd/>
+          </a:ln>
+        </p:spPr>
+      </p:pic>
+      <p:sp>
+        <p:nvSpPr>
+          <p:cNvPr id="5" name="TextBox 3"/>
+          <p:cNvSpPr txBox="1"/>
+          <p:nvPr/>
+        </p:nvSpPr>
+        <p:spPr>
+          <a:xfrm>
+            <a:off x="1311275" y="6046697"/>
+            <a:ext cx="4660900" cy="508000"/>
+          </a:xfrm>
+          <a:prstGeom prst="rect">
+            <a:avLst/>
+          </a:prstGeom>
+          <a:noFill/>
+        </p:spPr>
+        <p:txBody>
+          <a:bodyPr/>
+          <a:lstStyle/>
+          <a:p>
+            <a:pPr marL="0" lvl="0" indent="0" algn="ctr">
+              <a:buNone/>
+            </a:pPr>
+            <a:r>
+              <a:rPr sz="1200" dirty="0"/>
+              <a:t>(</a:t>
+            </a:r>
+            <a:r>
+              <a:rPr sz="1200" dirty="0" err="1"/>
+              <a:t>Huyen</a:t>
+            </a:r>
+            <a:r>
+              <a:rPr sz="1200" dirty="0"/>
+              <a:t>, 2021)</a:t>
+            </a:r>
+          </a:p>
+        </p:txBody>
+      </p:sp>
+      <p:sp>
+        <p:nvSpPr>
+          <p:cNvPr id="4" name="Content Placeholder 3"/>
+          <p:cNvSpPr>
+            <a:spLocks noGrp="1"/>
+          </p:cNvSpPr>
+          <p:nvPr>
+            <p:ph sz="half" idx="2"/>
+          </p:nvPr>
+        </p:nvSpPr>
+        <p:spPr>
+          <a:xfrm>
+            <a:off x="7496174" y="1998134"/>
+            <a:ext cx="3178595" cy="3767328"/>
+          </a:xfrm>
+        </p:spPr>
+        <p:txBody>
+          <a:bodyPr>
+            <a:normAutofit fontScale="55000" lnSpcReduction="20000"/>
+          </a:bodyPr>
+          <a:lstStyle/>
+          <a:p>
+            <a:pPr lvl="0"/>
+            <a:r>
+              <a:rPr dirty="0"/>
+              <a:t>Bagging (bootstrap aggregating) is designed to improve ML algorithms’ training stability and accuracy.</a:t>
+            </a:r>
+          </a:p>
+          <a:p>
+            <a:pPr lvl="0"/>
+            <a:r>
+              <a:rPr dirty="0"/>
+              <a:t>Reduces variance and helps avoid overfitting; it improves unstable methods (e.g., tree-based methods)</a:t>
+            </a:r>
+          </a:p>
+          <a:p>
+            <a:pPr lvl="0"/>
+            <a:r>
+              <a:rPr dirty="0"/>
+              <a:t>Outline:</a:t>
+            </a:r>
+          </a:p>
+          <a:p>
+            <a:pPr lvl="1"/>
+            <a:r>
+              <a:rPr dirty="0"/>
+              <a:t>Given a data set, create n data sets by sampling with replacement (bootstrap).</a:t>
+            </a:r>
+          </a:p>
+          <a:p>
+            <a:pPr lvl="1"/>
+            <a:r>
+              <a:rPr dirty="0"/>
+              <a:t>Train classification or regression model on each bootstrap.</a:t>
+            </a:r>
+          </a:p>
+          <a:p>
+            <a:pPr lvl="1"/>
+            <a:r>
+              <a:rPr dirty="0"/>
+              <a:t>If classification, decide by majority vote; if regression, use the mean result.</a:t>
+            </a:r>
+          </a:p>
+          <a:p>
+            <a:pPr lvl="0"/>
+            <a:r>
+              <a:rPr dirty="0"/>
+              <a:t>Sampling with replacement ensures that each bootstrap is created independently from its peers.</a:t>
+            </a:r>
+          </a:p>
+        </p:txBody>
+      </p:sp>
+      <p:sp>
+        <p:nvSpPr>
+          <p:cNvPr id="6" name="Date Placeholder 5">
+            <a:extLst>
+              <a:ext uri="{FF2B5EF4-FFF2-40B4-BE49-F238E27FC236}">
+                <a16:creationId xmlns:a16="http://schemas.microsoft.com/office/drawing/2014/main" id="{0FEA9938-8F8E-0C1B-8AF7-8358DF80B827}"/>
+              </a:ext>
+            </a:extLst>
+          </p:cNvPr>
+          <p:cNvSpPr>
+            <a:spLocks noGrp="1"/>
+          </p:cNvSpPr>
+          <p:nvPr>
+            <p:ph type="dt" sz="half" idx="10"/>
+          </p:nvPr>
+        </p:nvSpPr>
+        <p:spPr/>
+        <p:txBody>
+          <a:bodyPr/>
+          <a:lstStyle/>
+          <a:p>
+            <a:r>
+              <a:rPr lang="en-US"/>
+              <a:t>March 2024</a:t>
+            </a:r>
+            <a:endParaRPr lang="en-CA"/>
+          </a:p>
+        </p:txBody>
+      </p:sp>
+      <p:sp>
+        <p:nvSpPr>
+          <p:cNvPr id="7" name="Footer Placeholder 6">
+            <a:extLst>
+              <a:ext uri="{FF2B5EF4-FFF2-40B4-BE49-F238E27FC236}">
+                <a16:creationId xmlns:a16="http://schemas.microsoft.com/office/drawing/2014/main" id="{6DEFA5DD-0D40-BD3F-C94B-5DCA9827072F}"/>
+              </a:ext>
+            </a:extLst>
+          </p:cNvPr>
+          <p:cNvSpPr>
+            <a:spLocks noGrp="1"/>
+          </p:cNvSpPr>
+          <p:nvPr>
+            <p:ph type="ftr" sz="quarter" idx="11"/>
+          </p:nvPr>
+        </p:nvSpPr>
+        <p:spPr/>
+        <p:txBody>
+          <a:bodyPr/>
+          <a:lstStyle/>
+          <a:p>
+            <a:r>
+              <a:rPr lang="en-CA"/>
+              <a:t>Production - Model Development</a:t>
+            </a:r>
+          </a:p>
+        </p:txBody>
+      </p:sp>
+      <p:sp>
+        <p:nvSpPr>
+          <p:cNvPr id="8" name="Slide Number Placeholder 7">
+            <a:extLst>
+              <a:ext uri="{FF2B5EF4-FFF2-40B4-BE49-F238E27FC236}">
+                <a16:creationId xmlns:a16="http://schemas.microsoft.com/office/drawing/2014/main" id="{6ADFE476-82B2-4340-9171-263D59D46FFC}"/>
+              </a:ext>
+            </a:extLst>
+          </p:cNvPr>
+          <p:cNvSpPr>
+            <a:spLocks noGrp="1"/>
+          </p:cNvSpPr>
+          <p:nvPr>
+            <p:ph type="sldNum" sz="quarter" idx="12"/>
+          </p:nvPr>
+        </p:nvSpPr>
+        <p:spPr/>
+        <p:txBody>
+          <a:bodyPr/>
+          <a:lstStyle/>
+          <a:p>
+            <a:fld id="{4F4BDF5D-830C-4829-B676-EE421164B1C8}" type="slidenum">
+              <a:rPr lang="en-CA" smtClean="0"/>
+              <a:t>16</a:t>
+            </a:fld>
+            <a:endParaRPr lang="en-CA"/>
+          </a:p>
+        </p:txBody>
+      </p:sp>
+    </p:spTree>
+  </p:cSld>
+  <p:clrMapOvr>
+    <a:masterClrMapping/>
+  </p:clrMapOvr>
+</p:sld>
+</file>
+
+<file path=ppt/slides/slide17.xml><?xml version="1.0" encoding="utf-8"?>
+<p:sld xmlns:a="http://schemas.openxmlformats.org/drawingml/2006/main" xmlns:r="http://schemas.openxmlformats.org/officeDocument/2006/relationships" xmlns:p="http://schemas.openxmlformats.org/presentationml/2006/main">
+  <p:cSld>
+    <p:spTree>
+      <p:nvGrpSpPr>
+        <p:cNvPr id="1" name=""/>
+        <p:cNvGrpSpPr/>
+        <p:nvPr/>
+      </p:nvGrpSpPr>
+      <p:grpSpPr>
+        <a:xfrm>
+          <a:off x="0" y="0"/>
+          <a:ext cx="0" cy="0"/>
+          <a:chOff x="0" y="0"/>
+          <a:chExt cx="0" cy="0"/>
+        </a:xfrm>
+      </p:grpSpPr>
+      <p:sp>
+        <p:nvSpPr>
+          <p:cNvPr id="2" name="Title 1"/>
+          <p:cNvSpPr>
+            <a:spLocks noGrp="1"/>
+          </p:cNvSpPr>
+          <p:nvPr>
+            <p:ph type="title"/>
+          </p:nvPr>
+        </p:nvSpPr>
+        <p:spPr/>
+        <p:txBody>
+          <a:bodyPr/>
+          <a:lstStyle/>
+          <a:p>
+            <a:pPr marL="0" lvl="0" indent="0">
+              <a:buNone/>
+            </a:pPr>
+            <a:r>
+              <a:t>Boosting</a:t>
+            </a:r>
+          </a:p>
+        </p:txBody>
+      </p:sp>
+      <p:pic>
+        <p:nvPicPr>
+          <p:cNvPr id="3" name="Picture 1" descr="./img/boosting.png"/>
+          <p:cNvPicPr>
+            <a:picLocks noGrp="1" noChangeAspect="1"/>
+          </p:cNvPicPr>
+          <p:nvPr/>
+        </p:nvPicPr>
+        <p:blipFill>
+          <a:blip r:embed="rId2"/>
+          <a:stretch>
+            <a:fillRect/>
+          </a:stretch>
+        </p:blipFill>
+        <p:spPr bwMode="auto">
+          <a:xfrm>
+            <a:off x="404051" y="1981200"/>
+            <a:ext cx="5789548" cy="3517900"/>
+          </a:xfrm>
+          <a:prstGeom prst="rect">
+            <a:avLst/>
+          </a:prstGeom>
+          <a:noFill/>
+          <a:ln w="9525">
+            <a:noFill/>
+            <a:headEnd/>
+            <a:tailEnd/>
+          </a:ln>
+        </p:spPr>
+      </p:pic>
+      <p:sp>
+        <p:nvSpPr>
+          <p:cNvPr id="5" name="TextBox 3"/>
+          <p:cNvSpPr txBox="1"/>
+          <p:nvPr/>
+        </p:nvSpPr>
+        <p:spPr>
+          <a:xfrm>
+            <a:off x="692150" y="5759450"/>
+            <a:ext cx="4660900" cy="508000"/>
+          </a:xfrm>
+          <a:prstGeom prst="rect">
+            <a:avLst/>
+          </a:prstGeom>
+          <a:noFill/>
+        </p:spPr>
+        <p:txBody>
+          <a:bodyPr/>
+          <a:lstStyle/>
+          <a:p>
+            <a:pPr marL="0" lvl="0" indent="0" algn="ctr">
+              <a:buNone/>
+            </a:pPr>
+            <a:r>
+              <a:rPr sz="1100" dirty="0"/>
+              <a:t>(</a:t>
+            </a:r>
+            <a:r>
+              <a:rPr sz="1100" dirty="0" err="1"/>
+              <a:t>Huyen</a:t>
+            </a:r>
+            <a:r>
+              <a:rPr sz="1100" dirty="0"/>
+              <a:t>, 2021)</a:t>
+            </a:r>
+          </a:p>
+        </p:txBody>
+      </p:sp>
+      <p:sp>
+        <p:nvSpPr>
+          <p:cNvPr id="4" name="Content Placeholder 3"/>
+          <p:cNvSpPr>
+            <a:spLocks noGrp="1"/>
+          </p:cNvSpPr>
+          <p:nvPr>
+            <p:ph sz="half" idx="2"/>
+          </p:nvPr>
+        </p:nvSpPr>
+        <p:spPr>
+          <a:xfrm>
+            <a:off x="7239000" y="876300"/>
+            <a:ext cx="3435770" cy="4889162"/>
+          </a:xfrm>
+        </p:spPr>
+        <p:txBody>
+          <a:bodyPr>
+            <a:normAutofit fontScale="85000" lnSpcReduction="10000"/>
+          </a:bodyPr>
+          <a:lstStyle/>
+          <a:p>
+            <a:pPr lvl="0"/>
+            <a:r>
+              <a:rPr dirty="0"/>
+              <a:t>Family of iterative ensemble algorithms that convert weak learners to strong ones.</a:t>
+            </a:r>
+          </a:p>
+          <a:p>
+            <a:pPr lvl="0"/>
+            <a:r>
+              <a:rPr dirty="0"/>
+              <a:t>Outline:</a:t>
+            </a:r>
+          </a:p>
+          <a:p>
+            <a:pPr lvl="1"/>
+            <a:r>
+              <a:rPr dirty="0"/>
+              <a:t>Each learner is trained on the same set of samples, but the samples are weighted differently in each iteration.</a:t>
+            </a:r>
+          </a:p>
+          <a:p>
+            <a:pPr lvl="1"/>
+            <a:r>
+              <a:rPr dirty="0"/>
+              <a:t>Future weak learners focus more on the examples that previous weak learners misclassified.</a:t>
+            </a:r>
+          </a:p>
+          <a:p>
+            <a:pPr lvl="0"/>
+            <a:r>
+              <a:rPr dirty="0"/>
+              <a:t>Examples: Gradient Boosting Machine (GBM), </a:t>
+            </a:r>
+            <a:r>
+              <a:rPr dirty="0" err="1"/>
+              <a:t>XGBoost</a:t>
+            </a:r>
+            <a:r>
+              <a:rPr dirty="0"/>
+              <a:t>, and </a:t>
+            </a:r>
+            <a:r>
+              <a:rPr dirty="0" err="1"/>
+              <a:t>LightGBM</a:t>
+            </a:r>
+            <a:r>
+              <a:rPr dirty="0"/>
+              <a:t>.</a:t>
+            </a:r>
+          </a:p>
+        </p:txBody>
+      </p:sp>
+      <p:sp>
+        <p:nvSpPr>
+          <p:cNvPr id="6" name="Date Placeholder 5">
+            <a:extLst>
+              <a:ext uri="{FF2B5EF4-FFF2-40B4-BE49-F238E27FC236}">
+                <a16:creationId xmlns:a16="http://schemas.microsoft.com/office/drawing/2014/main" id="{7DC65114-8C0C-47C6-8243-0469BF728AA7}"/>
+              </a:ext>
+            </a:extLst>
+          </p:cNvPr>
+          <p:cNvSpPr>
+            <a:spLocks noGrp="1"/>
+          </p:cNvSpPr>
+          <p:nvPr>
+            <p:ph type="dt" sz="half" idx="10"/>
+          </p:nvPr>
+        </p:nvSpPr>
+        <p:spPr/>
+        <p:txBody>
+          <a:bodyPr/>
+          <a:lstStyle/>
+          <a:p>
+            <a:r>
+              <a:rPr lang="en-US"/>
+              <a:t>March 2024</a:t>
+            </a:r>
+            <a:endParaRPr lang="en-CA"/>
+          </a:p>
+        </p:txBody>
+      </p:sp>
+      <p:sp>
+        <p:nvSpPr>
+          <p:cNvPr id="7" name="Footer Placeholder 6">
+            <a:extLst>
+              <a:ext uri="{FF2B5EF4-FFF2-40B4-BE49-F238E27FC236}">
+                <a16:creationId xmlns:a16="http://schemas.microsoft.com/office/drawing/2014/main" id="{2062863E-C840-528A-123C-705A204AC3A9}"/>
+              </a:ext>
+            </a:extLst>
+          </p:cNvPr>
+          <p:cNvSpPr>
+            <a:spLocks noGrp="1"/>
+          </p:cNvSpPr>
+          <p:nvPr>
+            <p:ph type="ftr" sz="quarter" idx="11"/>
+          </p:nvPr>
+        </p:nvSpPr>
+        <p:spPr/>
+        <p:txBody>
+          <a:bodyPr/>
+          <a:lstStyle/>
+          <a:p>
+            <a:r>
+              <a:rPr lang="en-CA"/>
+              <a:t>Production - Model Development</a:t>
+            </a:r>
+          </a:p>
+        </p:txBody>
+      </p:sp>
+      <p:sp>
+        <p:nvSpPr>
+          <p:cNvPr id="8" name="Slide Number Placeholder 7">
+            <a:extLst>
+              <a:ext uri="{FF2B5EF4-FFF2-40B4-BE49-F238E27FC236}">
+                <a16:creationId xmlns:a16="http://schemas.microsoft.com/office/drawing/2014/main" id="{D61FBF98-6B67-0CC6-A5EC-73BCE7EF57A5}"/>
+              </a:ext>
+            </a:extLst>
+          </p:cNvPr>
+          <p:cNvSpPr>
+            <a:spLocks noGrp="1"/>
+          </p:cNvSpPr>
+          <p:nvPr>
+            <p:ph type="sldNum" sz="quarter" idx="12"/>
+          </p:nvPr>
+        </p:nvSpPr>
+        <p:spPr/>
+        <p:txBody>
+          <a:bodyPr/>
+          <a:lstStyle/>
+          <a:p>
+            <a:fld id="{4F4BDF5D-830C-4829-B676-EE421164B1C8}" type="slidenum">
+              <a:rPr lang="en-CA" smtClean="0"/>
+              <a:t>17</a:t>
+            </a:fld>
+            <a:endParaRPr lang="en-CA"/>
+          </a:p>
+        </p:txBody>
+      </p:sp>
+    </p:spTree>
+  </p:cSld>
+  <p:clrMapOvr>
+    <a:masterClrMapping/>
+  </p:clrMapOvr>
+</p:sld>
+</file>
+
+<file path=ppt/slides/slide18.xml><?xml version="1.0" encoding="utf-8"?>
+<p:sld xmlns:a="http://schemas.openxmlformats.org/drawingml/2006/main" xmlns:r="http://schemas.openxmlformats.org/officeDocument/2006/relationships" xmlns:p="http://schemas.openxmlformats.org/presentationml/2006/main">
+  <p:cSld>
+    <p:spTree>
+      <p:nvGrpSpPr>
+        <p:cNvPr id="1" name=""/>
+        <p:cNvGrpSpPr/>
+        <p:nvPr/>
+      </p:nvGrpSpPr>
+      <p:grpSpPr>
+        <a:xfrm>
+          <a:off x="0" y="0"/>
+          <a:ext cx="0" cy="0"/>
+          <a:chOff x="0" y="0"/>
+          <a:chExt cx="0" cy="0"/>
+        </a:xfrm>
+      </p:grpSpPr>
+      <p:sp>
+        <p:nvSpPr>
+          <p:cNvPr id="2" name="Title 1"/>
+          <p:cNvSpPr>
+            <a:spLocks noGrp="1"/>
+          </p:cNvSpPr>
+          <p:nvPr>
+            <p:ph type="title"/>
+          </p:nvPr>
+        </p:nvSpPr>
+        <p:spPr/>
+        <p:txBody>
+          <a:bodyPr/>
+          <a:lstStyle/>
+          <a:p>
+            <a:pPr marL="0" lvl="0" indent="0">
+              <a:buNone/>
+            </a:pPr>
+            <a:r>
+              <a:t>Stacking</a:t>
+            </a:r>
+          </a:p>
+        </p:txBody>
+      </p:sp>
+      <p:sp>
+        <p:nvSpPr>
+          <p:cNvPr id="3" name="Content Placeholder 2"/>
+          <p:cNvSpPr>
+            <a:spLocks noGrp="1"/>
+          </p:cNvSpPr>
+          <p:nvPr>
+            <p:ph sz="half" idx="1"/>
+          </p:nvPr>
+        </p:nvSpPr>
+        <p:spPr/>
+        <p:txBody>
+          <a:bodyPr/>
+          <a:lstStyle/>
+          <a:p>
+            <a:pPr lvl="0"/>
+            <a:r>
+              <a:t>Outline:</a:t>
+            </a:r>
+          </a:p>
+          <a:p>
+            <a:pPr lvl="1"/>
+            <a:r>
+              <a:t>Create base learners from the training data.</a:t>
+            </a:r>
+          </a:p>
+          <a:p>
+            <a:pPr lvl="1"/>
+            <a:r>
+              <a:t>Create a meta-learner that combines the outputs of the base learners to output predictions.</a:t>
+            </a:r>
+          </a:p>
+        </p:txBody>
+      </p:sp>
+      <p:pic>
+        <p:nvPicPr>
+          <p:cNvPr id="4" name="Picture 1" descr="./img/stacking.png"/>
           <p:cNvPicPr>
             <a:picLocks noGrp="1" noChangeAspect="1"/>
           </p:cNvPicPr>
@@ -4471,7 +6045,7 @@
       </p:pic>
       <p:sp>
         <p:nvSpPr>
-          <p:cNvPr id="1" name="TextBox 3"/>
+          <p:cNvPr id="5" name="TextBox 3"/>
           <p:cNvSpPr txBox="1"/>
           <p:nvPr/>
         </p:nvSpPr>
@@ -4489,212 +6063,115 @@
           <a:bodyPr/>
           <a:lstStyle/>
           <a:p>
-            <a:pPr lvl="0" indent="0" marL="0" algn="ctr">
+            <a:pPr marL="0" lvl="0" indent="0" algn="ctr">
               <a:buNone/>
             </a:pPr>
             <a:r>
-              <a:rPr/>
-              <a:t>(Huyen, 2021)</a:t>
-            </a:r>
+              <a:rPr sz="1100" dirty="0"/>
+              <a:t>(</a:t>
+            </a:r>
+            <a:r>
+              <a:rPr sz="1100" dirty="0" err="1"/>
+              <a:t>Huyen</a:t>
+            </a:r>
+            <a:r>
+              <a:rPr sz="1100" dirty="0"/>
+              <a:t>, 2021)</a:t>
+            </a:r>
+          </a:p>
+        </p:txBody>
+      </p:sp>
+      <p:sp>
+        <p:nvSpPr>
+          <p:cNvPr id="6" name="Date Placeholder 5">
+            <a:extLst>
+              <a:ext uri="{FF2B5EF4-FFF2-40B4-BE49-F238E27FC236}">
+                <a16:creationId xmlns:a16="http://schemas.microsoft.com/office/drawing/2014/main" id="{B4698CFD-582F-FA04-E54A-A5C8A26315E7}"/>
+              </a:ext>
+            </a:extLst>
+          </p:cNvPr>
+          <p:cNvSpPr>
+            <a:spLocks noGrp="1"/>
+          </p:cNvSpPr>
+          <p:nvPr>
+            <p:ph type="dt" sz="half" idx="10"/>
+          </p:nvPr>
+        </p:nvSpPr>
+        <p:spPr/>
+        <p:txBody>
+          <a:bodyPr/>
+          <a:lstStyle/>
+          <a:p>
+            <a:r>
+              <a:rPr lang="en-US"/>
+              <a:t>March 2024</a:t>
+            </a:r>
+            <a:endParaRPr lang="en-CA"/>
+          </a:p>
+        </p:txBody>
+      </p:sp>
+      <p:sp>
+        <p:nvSpPr>
+          <p:cNvPr id="7" name="Footer Placeholder 6">
+            <a:extLst>
+              <a:ext uri="{FF2B5EF4-FFF2-40B4-BE49-F238E27FC236}">
+                <a16:creationId xmlns:a16="http://schemas.microsoft.com/office/drawing/2014/main" id="{0F77344E-AB94-E50C-9D9B-6A63C4521264}"/>
+              </a:ext>
+            </a:extLst>
+          </p:cNvPr>
+          <p:cNvSpPr>
+            <a:spLocks noGrp="1"/>
+          </p:cNvSpPr>
+          <p:nvPr>
+            <p:ph type="ftr" sz="quarter" idx="11"/>
+          </p:nvPr>
+        </p:nvSpPr>
+        <p:spPr/>
+        <p:txBody>
+          <a:bodyPr/>
+          <a:lstStyle/>
+          <a:p>
+            <a:r>
+              <a:rPr lang="en-CA"/>
+              <a:t>Production - Model Development</a:t>
+            </a:r>
+          </a:p>
+        </p:txBody>
+      </p:sp>
+      <p:sp>
+        <p:nvSpPr>
+          <p:cNvPr id="8" name="Slide Number Placeholder 7">
+            <a:extLst>
+              <a:ext uri="{FF2B5EF4-FFF2-40B4-BE49-F238E27FC236}">
+                <a16:creationId xmlns:a16="http://schemas.microsoft.com/office/drawing/2014/main" id="{F9A06CCB-BF63-084A-EDDC-35359FB01C04}"/>
+              </a:ext>
+            </a:extLst>
+          </p:cNvPr>
+          <p:cNvSpPr>
+            <a:spLocks noGrp="1"/>
+          </p:cNvSpPr>
+          <p:nvPr>
+            <p:ph type="sldNum" sz="quarter" idx="12"/>
+          </p:nvPr>
+        </p:nvSpPr>
+        <p:spPr/>
+        <p:txBody>
+          <a:bodyPr/>
+          <a:lstStyle/>
+          <a:p>
+            <a:fld id="{4F4BDF5D-830C-4829-B676-EE421164B1C8}" type="slidenum">
+              <a:rPr lang="en-CA" smtClean="0"/>
+              <a:t>18</a:t>
+            </a:fld>
+            <a:endParaRPr lang="en-CA"/>
           </a:p>
         </p:txBody>
       </p:sp>
     </p:spTree>
   </p:cSld>
-</p:sld>
-</file>
-
-<file path=ppt/slides/slide17.xml><?xml version="1.0" encoding="utf-8"?>
-<p:sld xmlns:a="http://schemas.openxmlformats.org/drawingml/2006/main" xmlns:r="http://schemas.openxmlformats.org/officeDocument/2006/relationships" xmlns:p="http://schemas.openxmlformats.org/presentationml/2006/main">
-  <p:cSld>
-    <p:spTree>
-      <p:nvGrpSpPr>
-        <p:cNvPr id="1" name=""/>
-        <p:cNvGrpSpPr/>
-        <p:nvPr/>
-      </p:nvGrpSpPr>
-      <p:grpSpPr>
-        <a:xfrm>
-          <a:off x="0" y="0"/>
-          <a:ext cx="0" cy="0"/>
-          <a:chOff x="0" y="0"/>
-          <a:chExt cx="0" cy="0"/>
-        </a:xfrm>
-      </p:grpSpPr>
-      <p:sp>
-        <p:nvSpPr>
-          <p:cNvPr id="2" name="Title 1"/>
-          <p:cNvSpPr>
-            <a:spLocks noGrp="1"/>
-          </p:cNvSpPr>
-          <p:nvPr>
-            <p:ph type="title"/>
-          </p:nvPr>
-        </p:nvSpPr>
-        <p:spPr>
-          <a:xfrm>
-            <a:off x="603504" y="767419"/>
-            <a:ext cx="10780776" cy="3355848"/>
-          </a:xfrm>
-        </p:spPr>
-        <p:txBody>
-          <a:bodyPr/>
-          <a:lstStyle/>
-          <a:p>
-            <a:pPr lvl="0" indent="0" marL="0">
-              <a:buNone/>
-            </a:pPr>
-            <a:r>
-              <a:rPr/>
-              <a:t>Experiment Tracking and Versioning</a:t>
-            </a:r>
-          </a:p>
-        </p:txBody>
-      </p:sp>
-    </p:spTree>
-  </p:cSld>
-</p:sld>
-</file>
-
-<file path=ppt/slides/slide18.xml><?xml version="1.0" encoding="utf-8"?>
-<p:sld xmlns:a="http://schemas.openxmlformats.org/drawingml/2006/main" xmlns:r="http://schemas.openxmlformats.org/officeDocument/2006/relationships" xmlns:p="http://schemas.openxmlformats.org/presentationml/2006/main">
-  <p:cSld>
-    <p:spTree>
-      <p:nvGrpSpPr>
-        <p:cNvPr id="1" name=""/>
-        <p:cNvGrpSpPr/>
-        <p:nvPr/>
-      </p:nvGrpSpPr>
-      <p:grpSpPr>
-        <a:xfrm>
-          <a:off x="0" y="0"/>
-          <a:ext cx="0" cy="0"/>
-          <a:chOff x="0" y="0"/>
-          <a:chExt cx="0" cy="0"/>
-        </a:xfrm>
-      </p:grpSpPr>
-      <p:sp>
-        <p:nvSpPr>
-          <p:cNvPr id="2" name="Title 1"/>
-          <p:cNvSpPr>
-            <a:spLocks noGrp="1"/>
-          </p:cNvSpPr>
-          <p:nvPr>
-            <p:ph type="title"/>
-          </p:nvPr>
-        </p:nvSpPr>
-        <p:spPr/>
-        <p:txBody>
-          <a:bodyPr/>
-          <a:lstStyle/>
-          <a:p>
-            <a:pPr lvl="0" indent="0" marL="0">
-              <a:buNone/>
-            </a:pPr>
-            <a:r>
-              <a:rPr/>
-              <a:t>Experiment Tracking</a:t>
-            </a:r>
-          </a:p>
-        </p:txBody>
-      </p:sp>
-      <p:sp>
-        <p:nvSpPr>
-          <p:cNvPr id="3" name="Content Placeholder 2"/>
-          <p:cNvSpPr>
-            <a:spLocks noGrp="1"/>
-          </p:cNvSpPr>
-          <p:nvPr>
-            <p:ph idx="1" sz="half"/>
-          </p:nvPr>
-        </p:nvSpPr>
-        <p:spPr/>
-        <p:txBody>
-          <a:bodyPr/>
-          <a:lstStyle/>
-          <a:p>
-            <a:pPr lvl="0"/>
-            <a:r>
-              <a:rPr/>
-              <a:t>The process of tracking the progress and results of an experiment is called experiment tracking.</a:t>
-            </a:r>
-          </a:p>
-          <a:p>
-            <a:pPr lvl="0"/>
-            <a:r>
-              <a:rPr/>
-              <a:t>ML Flow and Weights &amp; Balances are experiment tracking tools.</a:t>
-            </a:r>
-          </a:p>
-          <a:p>
-            <a:pPr lvl="0"/>
-            <a:r>
-              <a:rPr/>
-              <a:t>At a minimum, track performance (loss) and time (speed).</a:t>
-            </a:r>
-          </a:p>
-          <a:p>
-            <a:pPr lvl="0"/>
-            <a:r>
-              <a:rPr/>
-              <a:t>Values over time of any parameter and hyperparameter whose changes can affect model performance.</a:t>
-            </a:r>
-          </a:p>
-        </p:txBody>
-      </p:sp>
-      <p:sp>
-        <p:nvSpPr>
-          <p:cNvPr id="4" name="Content Placeholder 3"/>
-          <p:cNvSpPr>
-            <a:spLocks noGrp="1"/>
-          </p:cNvSpPr>
-          <p:nvPr>
-            <p:ph idx="2" sz="half"/>
-          </p:nvPr>
-        </p:nvSpPr>
-        <p:spPr/>
-        <p:txBody>
-          <a:bodyPr/>
-          <a:lstStyle/>
-          <a:p>
-            <a:pPr lvl="0"/>
-            <a:r>
-              <a:rPr/>
-              <a:t>Model performance metrics : on all nontest splits like accuracy, F1, perplexity.</a:t>
-            </a:r>
-          </a:p>
-          <a:p>
-            <a:pPr lvl="0"/>
-            <a:r>
-              <a:rPr/>
-              <a:t>Loss curve: train split and each of the eval splits.</a:t>
-            </a:r>
-          </a:p>
-          <a:p>
-            <a:pPr lvl="0"/>
-            <a:r>
-              <a:rPr/>
-              <a:t>Log of corresponding sample, prediction, and ground truth labels.</a:t>
-            </a:r>
-          </a:p>
-          <a:p>
-            <a:pPr lvl="0"/>
-            <a:r>
-              <a:rPr/>
-              <a:t>Speed of the model: number of steps per second or number of tokens processed per second.</a:t>
-            </a:r>
-          </a:p>
-          <a:p>
-            <a:pPr lvl="0"/>
-            <a:r>
-              <a:rPr/>
-              <a:t>System performance metrics: memory, CPU, GPU.</a:t>
-            </a:r>
-          </a:p>
-        </p:txBody>
-      </p:sp>
-    </p:spTree>
-  </p:cSld>
+  <p:clrMapOvr>
+    <a:masterClrMapping/>
+  </p:clrMapOvr>
 </p:sld>
 </file>
 
@@ -4725,118 +6202,116 @@
             <p:ph type="title"/>
           </p:nvPr>
         </p:nvSpPr>
-        <p:spPr/>
-        <p:txBody>
-          <a:bodyPr/>
-          <a:lstStyle/>
-          <a:p>
-            <a:pPr lvl="0" indent="0" marL="0">
+        <p:spPr>
+          <a:xfrm>
+            <a:off x="603504" y="767419"/>
+            <a:ext cx="10780776" cy="3355848"/>
+          </a:xfrm>
+        </p:spPr>
+        <p:txBody>
+          <a:bodyPr/>
+          <a:lstStyle/>
+          <a:p>
+            <a:pPr marL="0" lvl="0" indent="0">
               <a:buNone/>
             </a:pPr>
             <a:r>
-              <a:rPr/>
-              <a:t>Versioning</a:t>
-            </a:r>
-          </a:p>
-        </p:txBody>
-      </p:sp>
-      <p:sp>
-        <p:nvSpPr>
-          <p:cNvPr id="3" name="Content Placeholder 2"/>
-          <p:cNvSpPr>
-            <a:spLocks noGrp="1"/>
-          </p:cNvSpPr>
-          <p:nvPr>
-            <p:ph idx="1" sz="half"/>
-          </p:nvPr>
-        </p:nvSpPr>
-        <p:spPr/>
-        <p:txBody>
-          <a:bodyPr/>
-          <a:lstStyle/>
-          <a:p>
-            <a:pPr lvl="0"/>
-            <a:r>
-              <a:rPr/>
-              <a:t>The process of logging all the details of an experiment for the purpose of possibly recreating it later or comparing it with other experiements is called versioning.</a:t>
-            </a:r>
-          </a:p>
-          <a:p>
-            <a:pPr lvl="0"/>
-            <a:r>
-              <a:rPr/>
-              <a:t>DVC versioning tool that also provides some experiement tracking.</a:t>
-            </a:r>
-          </a:p>
-          <a:p>
-            <a:pPr lvl="0"/>
-            <a:r>
-              <a:rPr/>
-              <a:t>ML models in production are part code and part data.</a:t>
-            </a:r>
-          </a:p>
-          <a:p>
-            <a:pPr lvl="0"/>
-            <a:r>
-              <a:rPr/>
-              <a:t>Code versioning has more or less become a standard in the industry.</a:t>
-            </a:r>
-          </a:p>
-          <a:p>
-            <a:pPr lvl="0"/>
-            <a:r>
-              <a:rPr/>
-              <a:t>Data versioning is not standard.</a:t>
-            </a:r>
-          </a:p>
-        </p:txBody>
-      </p:sp>
-      <p:sp>
-        <p:nvSpPr>
-          <p:cNvPr id="4" name="Content Placeholder 3"/>
-          <p:cNvSpPr>
-            <a:spLocks noGrp="1"/>
-          </p:cNvSpPr>
-          <p:nvPr>
-            <p:ph idx="2" sz="half"/>
-          </p:nvPr>
-        </p:nvSpPr>
-        <p:spPr/>
-        <p:txBody>
-          <a:bodyPr/>
-          <a:lstStyle/>
-          <a:p>
-            <a:pPr lvl="0"/>
-            <a:r>
-              <a:rPr/>
-              <a:t>Code versioning tools allow to switch between version of the codebase by keeping copies of all the old files. Data may be too large for duplication to be feasible.</a:t>
-            </a:r>
-          </a:p>
-          <a:p>
-            <a:pPr lvl="0"/>
-            <a:r>
-              <a:rPr/>
-              <a:t>Code versioning tools allow several people to work on the same code at the same time by replicating locally. Data may be too large, as well.</a:t>
-            </a:r>
-          </a:p>
-          <a:p>
-            <a:pPr lvl="0"/>
-            <a:r>
-              <a:rPr/>
-              <a:t>What is a diff when versioning data? DVC, for example, only checks in changes in checksum.</a:t>
-            </a:r>
-          </a:p>
-          <a:p>
-            <a:pPr lvl="0"/>
-            <a:r>
-              <a:rPr/>
-              <a:t>Compliance with GDPR may also be problematic if full history of data is kept.</a:t>
-            </a:r>
+              <a:t>Experiment Tracking and Versioning</a:t>
+            </a:r>
+          </a:p>
+        </p:txBody>
+      </p:sp>
+      <p:sp>
+        <p:nvSpPr>
+          <p:cNvPr id="3" name="Date Placeholder 2">
+            <a:extLst>
+              <a:ext uri="{FF2B5EF4-FFF2-40B4-BE49-F238E27FC236}">
+                <a16:creationId xmlns:a16="http://schemas.microsoft.com/office/drawing/2014/main" id="{A68E3378-D1BB-E744-C83C-7B2B45D6C2A1}"/>
+              </a:ext>
+            </a:extLst>
+          </p:cNvPr>
+          <p:cNvSpPr>
+            <a:spLocks noGrp="1"/>
+          </p:cNvSpPr>
+          <p:nvPr>
+            <p:ph type="dt" sz="half" idx="10"/>
+          </p:nvPr>
+        </p:nvSpPr>
+        <p:spPr/>
+        <p:txBody>
+          <a:bodyPr/>
+          <a:lstStyle/>
+          <a:p>
+            <a:r>
+              <a:rPr lang="en-US"/>
+              <a:t>March 2024</a:t>
+            </a:r>
+            <a:endParaRPr lang="en-CA"/>
+          </a:p>
+        </p:txBody>
+      </p:sp>
+      <p:sp>
+        <p:nvSpPr>
+          <p:cNvPr id="4" name="Footer Placeholder 3">
+            <a:extLst>
+              <a:ext uri="{FF2B5EF4-FFF2-40B4-BE49-F238E27FC236}">
+                <a16:creationId xmlns:a16="http://schemas.microsoft.com/office/drawing/2014/main" id="{57A5A1A4-FF56-E1ED-0C53-50F5CB697B97}"/>
+              </a:ext>
+            </a:extLst>
+          </p:cNvPr>
+          <p:cNvSpPr>
+            <a:spLocks noGrp="1"/>
+          </p:cNvSpPr>
+          <p:nvPr>
+            <p:ph type="ftr" sz="quarter" idx="11"/>
+          </p:nvPr>
+        </p:nvSpPr>
+        <p:spPr/>
+        <p:txBody>
+          <a:bodyPr/>
+          <a:lstStyle/>
+          <a:p>
+            <a:r>
+              <a:rPr lang="en-CA"/>
+              <a:t>Production - Model Development</a:t>
+            </a:r>
+          </a:p>
+        </p:txBody>
+      </p:sp>
+      <p:sp>
+        <p:nvSpPr>
+          <p:cNvPr id="5" name="Slide Number Placeholder 4">
+            <a:extLst>
+              <a:ext uri="{FF2B5EF4-FFF2-40B4-BE49-F238E27FC236}">
+                <a16:creationId xmlns:a16="http://schemas.microsoft.com/office/drawing/2014/main" id="{E975E4AF-D852-B6F5-9F48-B0F80978B687}"/>
+              </a:ext>
+            </a:extLst>
+          </p:cNvPr>
+          <p:cNvSpPr>
+            <a:spLocks noGrp="1"/>
+          </p:cNvSpPr>
+          <p:nvPr>
+            <p:ph type="sldNum" sz="quarter" idx="12"/>
+          </p:nvPr>
+        </p:nvSpPr>
+        <p:spPr/>
+        <p:txBody>
+          <a:bodyPr/>
+          <a:lstStyle/>
+          <a:p>
+            <a:fld id="{4F4BDF5D-830C-4829-B676-EE421164B1C8}" type="slidenum">
+              <a:rPr lang="en-CA" smtClean="0"/>
+              <a:t>19</a:t>
+            </a:fld>
+            <a:endParaRPr lang="en-CA"/>
           </a:p>
         </p:txBody>
       </p:sp>
     </p:spTree>
   </p:cSld>
+  <p:clrMapOvr>
+    <a:masterClrMapping/>
+  </p:clrMapOvr>
 </p:sld>
 </file>
 
@@ -4867,143 +6342,116 @@
             <p:ph type="title"/>
           </p:nvPr>
         </p:nvSpPr>
-        <p:spPr/>
-        <p:txBody>
-          <a:bodyPr/>
-          <a:lstStyle/>
-          <a:p>
-            <a:pPr lvl="0" indent="0" marL="0">
+        <p:spPr>
+          <a:xfrm>
+            <a:off x="603504" y="767419"/>
+            <a:ext cx="10780776" cy="3355848"/>
+          </a:xfrm>
+        </p:spPr>
+        <p:txBody>
+          <a:bodyPr/>
+          <a:lstStyle/>
+          <a:p>
+            <a:pPr marL="0" lvl="0" indent="0">
               <a:buNone/>
             </a:pPr>
             <a:r>
-              <a:rPr/>
-              <a:t>Agenda</a:t>
-            </a:r>
-          </a:p>
-        </p:txBody>
-      </p:sp>
-      <p:sp>
-        <p:nvSpPr>
-          <p:cNvPr id="3" name="Content Placeholder 2"/>
-          <p:cNvSpPr>
-            <a:spLocks noGrp="1"/>
-          </p:cNvSpPr>
-          <p:nvPr>
-            <p:ph idx="1" sz="half"/>
-          </p:nvPr>
-        </p:nvSpPr>
-        <p:spPr/>
-        <p:txBody>
-          <a:bodyPr/>
-          <a:lstStyle/>
-          <a:p>
-            <a:pPr lvl="0" indent="0" marL="0">
-              <a:buNone/>
-            </a:pPr>
-            <a:r>
-              <a:rPr b="1"/>
-              <a:t>5.1 Model Development and Offline Evaluation</a:t>
-            </a:r>
-          </a:p>
-          <a:p>
-            <a:pPr lvl="0"/>
-            <a:r>
-              <a:rPr/>
-              <a:t>Model Development and Training</a:t>
-            </a:r>
-          </a:p>
-          <a:p>
-            <a:pPr lvl="0"/>
-            <a:r>
-              <a:rPr/>
-              <a:t>Ensembles</a:t>
-            </a:r>
-          </a:p>
-          <a:p>
-            <a:pPr lvl="0"/>
-            <a:r>
-              <a:rPr/>
-              <a:t>Experiment Tracking and Versioning</a:t>
-            </a:r>
-          </a:p>
-          <a:p>
-            <a:pPr lvl="0"/>
-            <a:r>
-              <a:rPr/>
-              <a:t>Distributed Training</a:t>
-            </a:r>
-          </a:p>
-          <a:p>
-            <a:pPr lvl="0"/>
-            <a:r>
-              <a:rPr/>
-              <a:t>AutoML</a:t>
-            </a:r>
-          </a:p>
-          <a:p>
-            <a:pPr lvl="0"/>
-            <a:r>
-              <a:rPr/>
-              <a:t>Model Offline Evaluation</a:t>
-            </a:r>
-          </a:p>
-        </p:txBody>
-      </p:sp>
-      <p:sp>
-        <p:nvSpPr>
-          <p:cNvPr id="4" name="Content Placeholder 3"/>
-          <p:cNvSpPr>
-            <a:spLocks noGrp="1"/>
-          </p:cNvSpPr>
-          <p:nvPr>
-            <p:ph idx="2" sz="half"/>
-          </p:nvPr>
-        </p:nvSpPr>
-        <p:spPr/>
-        <p:txBody>
-          <a:bodyPr/>
-          <a:lstStyle/>
-          <a:p>
-            <a:pPr lvl="0" indent="0" marL="0">
-              <a:buNone/>
-            </a:pPr>
-            <a:r>
-              <a:rPr b="1"/>
-              <a:t>5.2 Experiment Tracking</a:t>
-            </a:r>
-          </a:p>
-          <a:p>
-            <a:pPr lvl="0"/>
-            <a:r>
-              <a:rPr/>
-              <a:t>Observability and telemetry</a:t>
-            </a:r>
-          </a:p>
-          <a:p>
-            <a:pPr lvl="0"/>
-            <a:r>
-              <a:rPr/>
-              <a:t>Docker and Portability</a:t>
-            </a:r>
-          </a:p>
-          <a:p>
-            <a:pPr lvl="0"/>
-            <a:r>
-              <a:rPr/>
-              <a:t>Experiment Tracking in Python</a:t>
-            </a:r>
-          </a:p>
-          <a:p>
-            <a:pPr lvl="0"/>
-            <a:r>
-              <a:rPr/>
-              <a:t>Experiment Components</a:t>
-            </a:r>
+              <a:t>Introduction</a:t>
+            </a:r>
+          </a:p>
+        </p:txBody>
+      </p:sp>
+      <p:sp>
+        <p:nvSpPr>
+          <p:cNvPr id="3" name="Date Placeholder 2">
+            <a:extLst>
+              <a:ext uri="{FF2B5EF4-FFF2-40B4-BE49-F238E27FC236}">
+                <a16:creationId xmlns:a16="http://schemas.microsoft.com/office/drawing/2014/main" id="{4339C0A8-540F-9DCC-C82D-162B097E4B59}"/>
+              </a:ext>
+            </a:extLst>
+          </p:cNvPr>
+          <p:cNvSpPr>
+            <a:spLocks noGrp="1"/>
+          </p:cNvSpPr>
+          <p:nvPr>
+            <p:ph type="dt" sz="half" idx="10"/>
+          </p:nvPr>
+        </p:nvSpPr>
+        <p:spPr/>
+        <p:txBody>
+          <a:bodyPr/>
+          <a:lstStyle/>
+          <a:p>
+            <a:r>
+              <a:rPr lang="en-US"/>
+              <a:t>March 2024</a:t>
+            </a:r>
+            <a:endParaRPr lang="en-CA"/>
+          </a:p>
+        </p:txBody>
+      </p:sp>
+      <p:sp>
+        <p:nvSpPr>
+          <p:cNvPr id="4" name="Footer Placeholder 3">
+            <a:extLst>
+              <a:ext uri="{FF2B5EF4-FFF2-40B4-BE49-F238E27FC236}">
+                <a16:creationId xmlns:a16="http://schemas.microsoft.com/office/drawing/2014/main" id="{74213E0E-832D-BC19-E923-43D79AFF1501}"/>
+              </a:ext>
+            </a:extLst>
+          </p:cNvPr>
+          <p:cNvSpPr>
+            <a:spLocks noGrp="1"/>
+          </p:cNvSpPr>
+          <p:nvPr>
+            <p:ph type="ftr" sz="quarter" idx="11"/>
+          </p:nvPr>
+        </p:nvSpPr>
+        <p:spPr/>
+        <p:txBody>
+          <a:bodyPr/>
+          <a:lstStyle/>
+          <a:p>
+            <a:r>
+              <a:rPr lang="en-CA"/>
+              <a:t>Production - Model Development</a:t>
+            </a:r>
+          </a:p>
+        </p:txBody>
+      </p:sp>
+      <p:sp>
+        <p:nvSpPr>
+          <p:cNvPr id="5" name="Slide Number Placeholder 4">
+            <a:extLst>
+              <a:ext uri="{FF2B5EF4-FFF2-40B4-BE49-F238E27FC236}">
+                <a16:creationId xmlns:a16="http://schemas.microsoft.com/office/drawing/2014/main" id="{A9B77DD9-879C-88EF-9376-C74EB5113B19}"/>
+              </a:ext>
+            </a:extLst>
+          </p:cNvPr>
+          <p:cNvSpPr>
+            <a:spLocks noGrp="1"/>
+          </p:cNvSpPr>
+          <p:nvPr>
+            <p:ph type="sldNum" sz="quarter" idx="12"/>
+          </p:nvPr>
+        </p:nvSpPr>
+        <p:spPr/>
+        <p:txBody>
+          <a:bodyPr/>
+          <a:lstStyle/>
+          <a:p>
+            <a:fld id="{4F4BDF5D-830C-4829-B676-EE421164B1C8}" type="slidenum">
+              <a:rPr lang="en-CA" smtClean="0"/>
+              <a:t>2</a:t>
+            </a:fld>
+            <a:endParaRPr lang="en-CA"/>
           </a:p>
         </p:txBody>
       </p:sp>
     </p:spTree>
   </p:cSld>
+  <p:clrMapOvr>
+    <a:masterClrMapping/>
+  </p:clrMapOvr>
 </p:sld>
 </file>
 
@@ -5034,28 +6482,201 @@
             <p:ph type="title"/>
           </p:nvPr>
         </p:nvSpPr>
-        <p:spPr>
-          <a:xfrm>
-            <a:off x="603504" y="767419"/>
-            <a:ext cx="10780776" cy="3355848"/>
-          </a:xfrm>
-        </p:spPr>
-        <p:txBody>
-          <a:bodyPr/>
-          <a:lstStyle/>
-          <a:p>
-            <a:pPr lvl="0" indent="0" marL="0">
+        <p:spPr/>
+        <p:txBody>
+          <a:bodyPr/>
+          <a:lstStyle/>
+          <a:p>
+            <a:pPr marL="0" lvl="0" indent="0">
               <a:buNone/>
             </a:pPr>
             <a:r>
-              <a:rPr/>
-              <a:t>Distributed Training</a:t>
-            </a:r>
+              <a:t>Experiment Tracking</a:t>
+            </a:r>
+          </a:p>
+        </p:txBody>
+      </p:sp>
+      <p:sp>
+        <p:nvSpPr>
+          <p:cNvPr id="3" name="Content Placeholder 2"/>
+          <p:cNvSpPr>
+            <a:spLocks noGrp="1"/>
+          </p:cNvSpPr>
+          <p:nvPr>
+            <p:ph sz="half" idx="1"/>
+          </p:nvPr>
+        </p:nvSpPr>
+        <p:spPr/>
+        <p:txBody>
+          <a:bodyPr>
+            <a:normAutofit fontScale="85000" lnSpcReduction="20000"/>
+          </a:bodyPr>
+          <a:lstStyle/>
+          <a:p>
+            <a:pPr lvl="0"/>
+            <a:r>
+              <a:t>The process of tracking the progress and results of an experiment is called experiment tracking.</a:t>
+            </a:r>
+          </a:p>
+          <a:p>
+            <a:pPr lvl="0"/>
+            <a:r>
+              <a:t>ML Flow and Weights &amp; Balances are experiment tracking tools.</a:t>
+            </a:r>
+          </a:p>
+          <a:p>
+            <a:pPr lvl="0"/>
+            <a:r>
+              <a:t>At a minimum, track performance (loss) and time (speed).</a:t>
+            </a:r>
+          </a:p>
+          <a:p>
+            <a:pPr lvl="0"/>
+            <a:r>
+              <a:t>Values over time of any parameter and hyperparameter whose changes can affect model performance.</a:t>
+            </a:r>
+          </a:p>
+        </p:txBody>
+      </p:sp>
+      <p:sp>
+        <p:nvSpPr>
+          <p:cNvPr id="4" name="Content Placeholder 3"/>
+          <p:cNvSpPr>
+            <a:spLocks noGrp="1"/>
+          </p:cNvSpPr>
+          <p:nvPr>
+            <p:ph sz="half" idx="2"/>
+          </p:nvPr>
+        </p:nvSpPr>
+        <p:spPr/>
+        <p:txBody>
+          <a:bodyPr>
+            <a:normAutofit fontScale="85000" lnSpcReduction="20000"/>
+          </a:bodyPr>
+          <a:lstStyle/>
+          <a:p>
+            <a:pPr lvl="0"/>
+            <a:r>
+              <a:t>Model performance metrics : on all nontest splits like accuracy, F1, perplexity.</a:t>
+            </a:r>
+          </a:p>
+          <a:p>
+            <a:pPr lvl="0"/>
+            <a:r>
+              <a:t>Loss curve: train split and each of the eval splits.</a:t>
+            </a:r>
+          </a:p>
+          <a:p>
+            <a:pPr lvl="0"/>
+            <a:r>
+              <a:t>Log of corresponding sample, prediction, and ground truth labels.</a:t>
+            </a:r>
+          </a:p>
+          <a:p>
+            <a:pPr lvl="0"/>
+            <a:r>
+              <a:t>Speed of the model: number of steps per second or tokens processed per second.</a:t>
+            </a:r>
+          </a:p>
+          <a:p>
+            <a:pPr lvl="0"/>
+            <a:r>
+              <a:t>System performance metrics: memory, CPU, GPU.</a:t>
+            </a:r>
+          </a:p>
+        </p:txBody>
+      </p:sp>
+      <p:sp>
+        <p:nvSpPr>
+          <p:cNvPr id="5" name="Date Placeholder 4">
+            <a:extLst>
+              <a:ext uri="{FF2B5EF4-FFF2-40B4-BE49-F238E27FC236}">
+                <a16:creationId xmlns:a16="http://schemas.microsoft.com/office/drawing/2014/main" id="{C2098F58-073C-22E7-CD12-2FDCFD575A9A}"/>
+              </a:ext>
+            </a:extLst>
+          </p:cNvPr>
+          <p:cNvSpPr>
+            <a:spLocks noGrp="1"/>
+          </p:cNvSpPr>
+          <p:nvPr>
+            <p:ph type="dt" sz="half" idx="10"/>
+          </p:nvPr>
+        </p:nvSpPr>
+        <p:spPr/>
+        <p:txBody>
+          <a:bodyPr/>
+          <a:lstStyle/>
+          <a:p>
+            <a:r>
+              <a:rPr lang="en-US"/>
+              <a:t>March 2024</a:t>
+            </a:r>
+            <a:endParaRPr lang="en-CA"/>
+          </a:p>
+        </p:txBody>
+      </p:sp>
+      <p:sp>
+        <p:nvSpPr>
+          <p:cNvPr id="6" name="Footer Placeholder 5">
+            <a:extLst>
+              <a:ext uri="{FF2B5EF4-FFF2-40B4-BE49-F238E27FC236}">
+                <a16:creationId xmlns:a16="http://schemas.microsoft.com/office/drawing/2014/main" id="{7A7BC6EC-CA7B-FDAF-05A4-5A07B41261F0}"/>
+              </a:ext>
+            </a:extLst>
+          </p:cNvPr>
+          <p:cNvSpPr>
+            <a:spLocks noGrp="1"/>
+          </p:cNvSpPr>
+          <p:nvPr>
+            <p:ph type="ftr" sz="quarter" idx="11"/>
+          </p:nvPr>
+        </p:nvSpPr>
+        <p:spPr/>
+        <p:txBody>
+          <a:bodyPr/>
+          <a:lstStyle/>
+          <a:p>
+            <a:r>
+              <a:rPr lang="en-CA"/>
+              <a:t>Production - Model Development</a:t>
+            </a:r>
+          </a:p>
+        </p:txBody>
+      </p:sp>
+      <p:sp>
+        <p:nvSpPr>
+          <p:cNvPr id="7" name="Slide Number Placeholder 6">
+            <a:extLst>
+              <a:ext uri="{FF2B5EF4-FFF2-40B4-BE49-F238E27FC236}">
+                <a16:creationId xmlns:a16="http://schemas.microsoft.com/office/drawing/2014/main" id="{DEA7379E-BA08-1CD6-AF10-8168568F73E8}"/>
+              </a:ext>
+            </a:extLst>
+          </p:cNvPr>
+          <p:cNvSpPr>
+            <a:spLocks noGrp="1"/>
+          </p:cNvSpPr>
+          <p:nvPr>
+            <p:ph type="sldNum" sz="quarter" idx="12"/>
+          </p:nvPr>
+        </p:nvSpPr>
+        <p:spPr/>
+        <p:txBody>
+          <a:bodyPr/>
+          <a:lstStyle/>
+          <a:p>
+            <a:fld id="{4F4BDF5D-830C-4829-B676-EE421164B1C8}" type="slidenum">
+              <a:rPr lang="en-CA" smtClean="0"/>
+              <a:t>20</a:t>
+            </a:fld>
+            <a:endParaRPr lang="en-CA"/>
           </a:p>
         </p:txBody>
       </p:sp>
     </p:spTree>
   </p:cSld>
+  <p:clrMapOvr>
+    <a:masterClrMapping/>
+  </p:clrMapOvr>
 </p:sld>
 </file>
 
@@ -5086,28 +6707,195 @@
             <p:ph type="title"/>
           </p:nvPr>
         </p:nvSpPr>
-        <p:spPr>
-          <a:xfrm>
-            <a:off x="603504" y="767419"/>
-            <a:ext cx="10780776" cy="3355848"/>
-          </a:xfrm>
-        </p:spPr>
-        <p:txBody>
-          <a:bodyPr/>
-          <a:lstStyle/>
-          <a:p>
-            <a:pPr lvl="0" indent="0" marL="0">
+        <p:spPr/>
+        <p:txBody>
+          <a:bodyPr/>
+          <a:lstStyle/>
+          <a:p>
+            <a:pPr marL="0" lvl="0" indent="0">
               <a:buNone/>
             </a:pPr>
             <a:r>
-              <a:rPr/>
-              <a:t>AutoML</a:t>
-            </a:r>
+              <a:t>Versioning</a:t>
+            </a:r>
+          </a:p>
+        </p:txBody>
+      </p:sp>
+      <p:sp>
+        <p:nvSpPr>
+          <p:cNvPr id="3" name="Content Placeholder 2"/>
+          <p:cNvSpPr>
+            <a:spLocks noGrp="1"/>
+          </p:cNvSpPr>
+          <p:nvPr>
+            <p:ph sz="half" idx="1"/>
+          </p:nvPr>
+        </p:nvSpPr>
+        <p:spPr/>
+        <p:txBody>
+          <a:bodyPr>
+            <a:normAutofit fontScale="70000" lnSpcReduction="20000"/>
+          </a:bodyPr>
+          <a:lstStyle/>
+          <a:p>
+            <a:pPr lvl="0"/>
+            <a:r>
+              <a:t>The process of logging an experiment’s details to recreate it later or compare it with other experiments is called versioning.</a:t>
+            </a:r>
+          </a:p>
+          <a:p>
+            <a:pPr lvl="0"/>
+            <a:r>
+              <a:t>ML models in production are part code and part data.</a:t>
+            </a:r>
+          </a:p>
+          <a:p>
+            <a:pPr lvl="0"/>
+            <a:r>
+              <a:t>Code versioning has more or less become a standard in the industry.</a:t>
+            </a:r>
+          </a:p>
+          <a:p>
+            <a:pPr lvl="0"/>
+            <a:r>
+              <a:t>Data versioning is not standard.</a:t>
+            </a:r>
+          </a:p>
+        </p:txBody>
+      </p:sp>
+      <p:sp>
+        <p:nvSpPr>
+          <p:cNvPr id="4" name="Content Placeholder 3"/>
+          <p:cNvSpPr>
+            <a:spLocks noGrp="1"/>
+          </p:cNvSpPr>
+          <p:nvPr>
+            <p:ph sz="half" idx="2"/>
+          </p:nvPr>
+        </p:nvSpPr>
+        <p:spPr/>
+        <p:txBody>
+          <a:bodyPr>
+            <a:normAutofit fontScale="70000" lnSpcReduction="20000"/>
+          </a:bodyPr>
+          <a:lstStyle/>
+          <a:p>
+            <a:pPr lvl="0"/>
+            <a:r>
+              <a:t>Code versioning tools allow you to switch between versions of the codebase by keeping copies of all the old files. Data may be too large for duplication to be feasible.</a:t>
+            </a:r>
+          </a:p>
+          <a:p>
+            <a:pPr lvl="0"/>
+            <a:r>
+              <a:t>Code versioning tools allow several people to work on the same code simultaneously by replicating locally. Data may be too large, as well.</a:t>
+            </a:r>
+          </a:p>
+          <a:p>
+            <a:pPr lvl="0"/>
+            <a:r>
+              <a:t>What is a diff when versioning data? DVC, for example, only checks in changes in checksum.</a:t>
+            </a:r>
+          </a:p>
+          <a:p>
+            <a:pPr lvl="0"/>
+            <a:r>
+              <a:t>Compliance with GDPR may also be problematic if full history of data is kept.</a:t>
+            </a:r>
+          </a:p>
+        </p:txBody>
+      </p:sp>
+      <p:sp>
+        <p:nvSpPr>
+          <p:cNvPr id="5" name="Date Placeholder 4">
+            <a:extLst>
+              <a:ext uri="{FF2B5EF4-FFF2-40B4-BE49-F238E27FC236}">
+                <a16:creationId xmlns:a16="http://schemas.microsoft.com/office/drawing/2014/main" id="{B91504B9-6D0F-1121-8659-369B71507328}"/>
+              </a:ext>
+            </a:extLst>
+          </p:cNvPr>
+          <p:cNvSpPr>
+            <a:spLocks noGrp="1"/>
+          </p:cNvSpPr>
+          <p:nvPr>
+            <p:ph type="dt" sz="half" idx="10"/>
+          </p:nvPr>
+        </p:nvSpPr>
+        <p:spPr/>
+        <p:txBody>
+          <a:bodyPr/>
+          <a:lstStyle/>
+          <a:p>
+            <a:r>
+              <a:rPr lang="en-US"/>
+              <a:t>March 2024</a:t>
+            </a:r>
+            <a:endParaRPr lang="en-CA"/>
+          </a:p>
+        </p:txBody>
+      </p:sp>
+      <p:sp>
+        <p:nvSpPr>
+          <p:cNvPr id="6" name="Footer Placeholder 5">
+            <a:extLst>
+              <a:ext uri="{FF2B5EF4-FFF2-40B4-BE49-F238E27FC236}">
+                <a16:creationId xmlns:a16="http://schemas.microsoft.com/office/drawing/2014/main" id="{FF7CAB8F-EAFE-7726-291B-617CBE3A3CF7}"/>
+              </a:ext>
+            </a:extLst>
+          </p:cNvPr>
+          <p:cNvSpPr>
+            <a:spLocks noGrp="1"/>
+          </p:cNvSpPr>
+          <p:nvPr>
+            <p:ph type="ftr" sz="quarter" idx="11"/>
+          </p:nvPr>
+        </p:nvSpPr>
+        <p:spPr/>
+        <p:txBody>
+          <a:bodyPr/>
+          <a:lstStyle/>
+          <a:p>
+            <a:r>
+              <a:rPr lang="en-CA"/>
+              <a:t>Production - Model Development</a:t>
+            </a:r>
+          </a:p>
+        </p:txBody>
+      </p:sp>
+      <p:sp>
+        <p:nvSpPr>
+          <p:cNvPr id="7" name="Slide Number Placeholder 6">
+            <a:extLst>
+              <a:ext uri="{FF2B5EF4-FFF2-40B4-BE49-F238E27FC236}">
+                <a16:creationId xmlns:a16="http://schemas.microsoft.com/office/drawing/2014/main" id="{E07C299B-78B5-60A9-F6FB-91FED91B9770}"/>
+              </a:ext>
+            </a:extLst>
+          </p:cNvPr>
+          <p:cNvSpPr>
+            <a:spLocks noGrp="1"/>
+          </p:cNvSpPr>
+          <p:nvPr>
+            <p:ph type="sldNum" sz="quarter" idx="12"/>
+          </p:nvPr>
+        </p:nvSpPr>
+        <p:spPr/>
+        <p:txBody>
+          <a:bodyPr/>
+          <a:lstStyle/>
+          <a:p>
+            <a:fld id="{4F4BDF5D-830C-4829-B676-EE421164B1C8}" type="slidenum">
+              <a:rPr lang="en-CA" smtClean="0"/>
+              <a:t>21</a:t>
+            </a:fld>
+            <a:endParaRPr lang="en-CA"/>
           </a:p>
         </p:txBody>
       </p:sp>
     </p:spTree>
   </p:cSld>
+  <p:clrMapOvr>
+    <a:masterClrMapping/>
+  </p:clrMapOvr>
 </p:sld>
 </file>
 
@@ -5148,18 +6936,1345 @@
           <a:bodyPr/>
           <a:lstStyle/>
           <a:p>
-            <a:pPr lvl="0" indent="0" marL="0">
+            <a:pPr marL="0" lvl="0" indent="0">
               <a:buNone/>
             </a:pPr>
             <a:r>
-              <a:rPr/>
-              <a:t>Model Offline Evaluation</a:t>
-            </a:r>
+              <a:t>Making Progress</a:t>
+            </a:r>
+          </a:p>
+        </p:txBody>
+      </p:sp>
+      <p:sp>
+        <p:nvSpPr>
+          <p:cNvPr id="3" name="Date Placeholder 2">
+            <a:extLst>
+              <a:ext uri="{FF2B5EF4-FFF2-40B4-BE49-F238E27FC236}">
+                <a16:creationId xmlns:a16="http://schemas.microsoft.com/office/drawing/2014/main" id="{C9864517-52BF-9F0B-1AA6-B2201B2CEA2F}"/>
+              </a:ext>
+            </a:extLst>
+          </p:cNvPr>
+          <p:cNvSpPr>
+            <a:spLocks noGrp="1"/>
+          </p:cNvSpPr>
+          <p:nvPr>
+            <p:ph type="dt" sz="half" idx="10"/>
+          </p:nvPr>
+        </p:nvSpPr>
+        <p:spPr/>
+        <p:txBody>
+          <a:bodyPr/>
+          <a:lstStyle/>
+          <a:p>
+            <a:r>
+              <a:rPr lang="en-US"/>
+              <a:t>March 2024</a:t>
+            </a:r>
+            <a:endParaRPr lang="en-CA"/>
+          </a:p>
+        </p:txBody>
+      </p:sp>
+      <p:sp>
+        <p:nvSpPr>
+          <p:cNvPr id="4" name="Footer Placeholder 3">
+            <a:extLst>
+              <a:ext uri="{FF2B5EF4-FFF2-40B4-BE49-F238E27FC236}">
+                <a16:creationId xmlns:a16="http://schemas.microsoft.com/office/drawing/2014/main" id="{74E1326A-E842-1E71-9CBD-578EF83FEC04}"/>
+              </a:ext>
+            </a:extLst>
+          </p:cNvPr>
+          <p:cNvSpPr>
+            <a:spLocks noGrp="1"/>
+          </p:cNvSpPr>
+          <p:nvPr>
+            <p:ph type="ftr" sz="quarter" idx="11"/>
+          </p:nvPr>
+        </p:nvSpPr>
+        <p:spPr/>
+        <p:txBody>
+          <a:bodyPr/>
+          <a:lstStyle/>
+          <a:p>
+            <a:r>
+              <a:rPr lang="en-CA"/>
+              <a:t>Production - Model Development</a:t>
+            </a:r>
+          </a:p>
+        </p:txBody>
+      </p:sp>
+      <p:sp>
+        <p:nvSpPr>
+          <p:cNvPr id="5" name="Slide Number Placeholder 4">
+            <a:extLst>
+              <a:ext uri="{FF2B5EF4-FFF2-40B4-BE49-F238E27FC236}">
+                <a16:creationId xmlns:a16="http://schemas.microsoft.com/office/drawing/2014/main" id="{6E7FABB1-0985-4CFB-537C-E951D10CB527}"/>
+              </a:ext>
+            </a:extLst>
+          </p:cNvPr>
+          <p:cNvSpPr>
+            <a:spLocks noGrp="1"/>
+          </p:cNvSpPr>
+          <p:nvPr>
+            <p:ph type="sldNum" sz="quarter" idx="12"/>
+          </p:nvPr>
+        </p:nvSpPr>
+        <p:spPr/>
+        <p:txBody>
+          <a:bodyPr/>
+          <a:lstStyle/>
+          <a:p>
+            <a:fld id="{4F4BDF5D-830C-4829-B676-EE421164B1C8}" type="slidenum">
+              <a:rPr lang="en-CA" smtClean="0"/>
+              <a:t>22</a:t>
+            </a:fld>
+            <a:endParaRPr lang="en-CA"/>
           </a:p>
         </p:txBody>
       </p:sp>
     </p:spTree>
   </p:cSld>
+  <p:clrMapOvr>
+    <a:masterClrMapping/>
+  </p:clrMapOvr>
+</p:sld>
+</file>
+
+<file path=ppt/slides/slide23.xml><?xml version="1.0" encoding="utf-8"?>
+<p:sld xmlns:a="http://schemas.openxmlformats.org/drawingml/2006/main" xmlns:r="http://schemas.openxmlformats.org/officeDocument/2006/relationships" xmlns:p="http://schemas.openxmlformats.org/presentationml/2006/main">
+  <p:cSld>
+    <p:spTree>
+      <p:nvGrpSpPr>
+        <p:cNvPr id="1" name=""/>
+        <p:cNvGrpSpPr/>
+        <p:nvPr/>
+      </p:nvGrpSpPr>
+      <p:grpSpPr>
+        <a:xfrm>
+          <a:off x="0" y="0"/>
+          <a:ext cx="0" cy="0"/>
+          <a:chOff x="0" y="0"/>
+          <a:chExt cx="0" cy="0"/>
+        </a:xfrm>
+      </p:grpSpPr>
+      <p:sp>
+        <p:nvSpPr>
+          <p:cNvPr id="2" name="Title 1"/>
+          <p:cNvSpPr>
+            <a:spLocks noGrp="1"/>
+          </p:cNvSpPr>
+          <p:nvPr>
+            <p:ph type="title"/>
+          </p:nvPr>
+        </p:nvSpPr>
+        <p:spPr/>
+        <p:txBody>
+          <a:bodyPr/>
+          <a:lstStyle/>
+          <a:p>
+            <a:pPr marL="0" lvl="0" indent="0">
+              <a:buNone/>
+            </a:pPr>
+            <a:r>
+              <a:t>Debugging: Why ML Models Fail</a:t>
+            </a:r>
+          </a:p>
+        </p:txBody>
+      </p:sp>
+      <p:sp>
+        <p:nvSpPr>
+          <p:cNvPr id="3" name="Content Placeholder 2"/>
+          <p:cNvSpPr>
+            <a:spLocks noGrp="1"/>
+          </p:cNvSpPr>
+          <p:nvPr>
+            <p:ph sz="half" idx="1"/>
+          </p:nvPr>
+        </p:nvSpPr>
+        <p:spPr/>
+        <p:txBody>
+          <a:bodyPr>
+            <a:normAutofit fontScale="77500" lnSpcReduction="20000"/>
+          </a:bodyPr>
+          <a:lstStyle/>
+          <a:p>
+            <a:pPr lvl="0"/>
+            <a:r>
+              <a:t>Theoretical constraints: model assumptions are not met. For example, use a linear model when decision boundaries are not linear.</a:t>
+            </a:r>
+          </a:p>
+          <a:p>
+            <a:pPr lvl="0"/>
+            <a:r>
+              <a:t>Poor implementation: The model may be a good fit, but implementation has errors.</a:t>
+            </a:r>
+          </a:p>
+          <a:p>
+            <a:pPr lvl="0"/>
+            <a:r>
+              <a:t>Poor choice of hyperparameters: with the same model, one set of hyperparameters can give better results than others.</a:t>
+            </a:r>
+          </a:p>
+        </p:txBody>
+      </p:sp>
+      <p:sp>
+        <p:nvSpPr>
+          <p:cNvPr id="4" name="Content Placeholder 3"/>
+          <p:cNvSpPr>
+            <a:spLocks noGrp="1"/>
+          </p:cNvSpPr>
+          <p:nvPr>
+            <p:ph sz="half" idx="2"/>
+          </p:nvPr>
+        </p:nvSpPr>
+        <p:spPr/>
+        <p:txBody>
+          <a:bodyPr>
+            <a:normAutofit fontScale="77500" lnSpcReduction="20000"/>
+          </a:bodyPr>
+          <a:lstStyle/>
+          <a:p>
+            <a:pPr lvl="0"/>
+            <a:r>
+              <a:t>Data problems: noise and dirty data are everywhere. Also, poor implementation of data flows can induce data problems.</a:t>
+            </a:r>
+          </a:p>
+          <a:p>
+            <a:pPr lvl="0"/>
+            <a:r>
+              <a:t>Poor choice of features: Too many features may cause overfitting or data leakage. Too few features might lack predictive power to allow to make good predictions.</a:t>
+            </a:r>
+          </a:p>
+          <a:p>
+            <a:pPr lvl="0"/>
+            <a:r>
+              <a:t>Some debugging approaches:</a:t>
+            </a:r>
+          </a:p>
+          <a:p>
+            <a:pPr lvl="1"/>
+            <a:r>
+              <a:t>Start simple and gradually add more components.</a:t>
+            </a:r>
+          </a:p>
+          <a:p>
+            <a:pPr lvl="1"/>
+            <a:r>
+              <a:t>Overfit a single batch.</a:t>
+            </a:r>
+          </a:p>
+          <a:p>
+            <a:pPr lvl="1"/>
+            <a:r>
+              <a:t>Set a random seed.</a:t>
+            </a:r>
+          </a:p>
+        </p:txBody>
+      </p:sp>
+      <p:sp>
+        <p:nvSpPr>
+          <p:cNvPr id="5" name="Date Placeholder 4">
+            <a:extLst>
+              <a:ext uri="{FF2B5EF4-FFF2-40B4-BE49-F238E27FC236}">
+                <a16:creationId xmlns:a16="http://schemas.microsoft.com/office/drawing/2014/main" id="{E3EFC10A-7029-F9DA-5BC4-EA6173358460}"/>
+              </a:ext>
+            </a:extLst>
+          </p:cNvPr>
+          <p:cNvSpPr>
+            <a:spLocks noGrp="1"/>
+          </p:cNvSpPr>
+          <p:nvPr>
+            <p:ph type="dt" sz="half" idx="10"/>
+          </p:nvPr>
+        </p:nvSpPr>
+        <p:spPr/>
+        <p:txBody>
+          <a:bodyPr/>
+          <a:lstStyle/>
+          <a:p>
+            <a:r>
+              <a:rPr lang="en-US"/>
+              <a:t>March 2024</a:t>
+            </a:r>
+            <a:endParaRPr lang="en-CA"/>
+          </a:p>
+        </p:txBody>
+      </p:sp>
+      <p:sp>
+        <p:nvSpPr>
+          <p:cNvPr id="6" name="Footer Placeholder 5">
+            <a:extLst>
+              <a:ext uri="{FF2B5EF4-FFF2-40B4-BE49-F238E27FC236}">
+                <a16:creationId xmlns:a16="http://schemas.microsoft.com/office/drawing/2014/main" id="{9ACCD385-4FD9-5F3B-8DBD-564751B15C43}"/>
+              </a:ext>
+            </a:extLst>
+          </p:cNvPr>
+          <p:cNvSpPr>
+            <a:spLocks noGrp="1"/>
+          </p:cNvSpPr>
+          <p:nvPr>
+            <p:ph type="ftr" sz="quarter" idx="11"/>
+          </p:nvPr>
+        </p:nvSpPr>
+        <p:spPr/>
+        <p:txBody>
+          <a:bodyPr/>
+          <a:lstStyle/>
+          <a:p>
+            <a:r>
+              <a:rPr lang="en-CA"/>
+              <a:t>Production - Model Development</a:t>
+            </a:r>
+          </a:p>
+        </p:txBody>
+      </p:sp>
+      <p:sp>
+        <p:nvSpPr>
+          <p:cNvPr id="7" name="Slide Number Placeholder 6">
+            <a:extLst>
+              <a:ext uri="{FF2B5EF4-FFF2-40B4-BE49-F238E27FC236}">
+                <a16:creationId xmlns:a16="http://schemas.microsoft.com/office/drawing/2014/main" id="{C75BA5BD-B823-5F7B-191C-A1E2138712B1}"/>
+              </a:ext>
+            </a:extLst>
+          </p:cNvPr>
+          <p:cNvSpPr>
+            <a:spLocks noGrp="1"/>
+          </p:cNvSpPr>
+          <p:nvPr>
+            <p:ph type="sldNum" sz="quarter" idx="12"/>
+          </p:nvPr>
+        </p:nvSpPr>
+        <p:spPr/>
+        <p:txBody>
+          <a:bodyPr/>
+          <a:lstStyle/>
+          <a:p>
+            <a:fld id="{4F4BDF5D-830C-4829-B676-EE421164B1C8}" type="slidenum">
+              <a:rPr lang="en-CA" smtClean="0"/>
+              <a:t>23</a:t>
+            </a:fld>
+            <a:endParaRPr lang="en-CA"/>
+          </a:p>
+        </p:txBody>
+      </p:sp>
+    </p:spTree>
+  </p:cSld>
+  <p:clrMapOvr>
+    <a:masterClrMapping/>
+  </p:clrMapOvr>
+</p:sld>
+</file>
+
+<file path=ppt/slides/slide24.xml><?xml version="1.0" encoding="utf-8"?>
+<p:sld xmlns:a="http://schemas.openxmlformats.org/drawingml/2006/main" xmlns:r="http://schemas.openxmlformats.org/officeDocument/2006/relationships" xmlns:p="http://schemas.openxmlformats.org/presentationml/2006/main">
+  <p:cSld>
+    <p:spTree>
+      <p:nvGrpSpPr>
+        <p:cNvPr id="1" name=""/>
+        <p:cNvGrpSpPr/>
+        <p:nvPr/>
+      </p:nvGrpSpPr>
+      <p:grpSpPr>
+        <a:xfrm>
+          <a:off x="0" y="0"/>
+          <a:ext cx="0" cy="0"/>
+          <a:chOff x="0" y="0"/>
+          <a:chExt cx="0" cy="0"/>
+        </a:xfrm>
+      </p:grpSpPr>
+      <p:sp>
+        <p:nvSpPr>
+          <p:cNvPr id="2" name="Title 1"/>
+          <p:cNvSpPr>
+            <a:spLocks noGrp="1"/>
+          </p:cNvSpPr>
+          <p:nvPr>
+            <p:ph type="title"/>
+          </p:nvPr>
+        </p:nvSpPr>
+        <p:spPr/>
+        <p:txBody>
+          <a:bodyPr/>
+          <a:lstStyle/>
+          <a:p>
+            <a:pPr marL="0" lvl="0" indent="0">
+              <a:buNone/>
+            </a:pPr>
+            <a:r>
+              <a:t>AutoML</a:t>
+            </a:r>
+          </a:p>
+        </p:txBody>
+      </p:sp>
+      <p:sp>
+        <p:nvSpPr>
+          <p:cNvPr id="3" name="Content Placeholder 2"/>
+          <p:cNvSpPr>
+            <a:spLocks noGrp="1"/>
+          </p:cNvSpPr>
+          <p:nvPr>
+            <p:ph sz="half" idx="1"/>
+          </p:nvPr>
+        </p:nvSpPr>
+        <p:spPr/>
+        <p:txBody>
+          <a:bodyPr/>
+          <a:lstStyle/>
+          <a:p>
+            <a:pPr lvl="0"/>
+            <a:r>
+              <a:t>AutoML is the automatic process of finding ML algorithms to solve real-world problems.</a:t>
+            </a:r>
+          </a:p>
+          <a:p>
+            <a:pPr lvl="0"/>
+            <a:r>
+              <a:t>The most popular form of AutoML is hyperparameter tuning.</a:t>
+            </a:r>
+          </a:p>
+        </p:txBody>
+      </p:sp>
+      <p:sp>
+        <p:nvSpPr>
+          <p:cNvPr id="4" name="Content Placeholder 3"/>
+          <p:cNvSpPr>
+            <a:spLocks noGrp="1"/>
+          </p:cNvSpPr>
+          <p:nvPr>
+            <p:ph sz="half" idx="2"/>
+          </p:nvPr>
+        </p:nvSpPr>
+        <p:spPr/>
+        <p:txBody>
+          <a:bodyPr/>
+          <a:lstStyle/>
+          <a:p>
+            <a:pPr lvl="0"/>
+            <a:r>
+              <a:t>Searching the Hyperparameter space can be time-consuming and resource-intensive.</a:t>
+            </a:r>
+          </a:p>
+        </p:txBody>
+      </p:sp>
+      <p:sp>
+        <p:nvSpPr>
+          <p:cNvPr id="5" name="Date Placeholder 4">
+            <a:extLst>
+              <a:ext uri="{FF2B5EF4-FFF2-40B4-BE49-F238E27FC236}">
+                <a16:creationId xmlns:a16="http://schemas.microsoft.com/office/drawing/2014/main" id="{31E4A000-4A13-0294-7B2B-887C0FD6353D}"/>
+              </a:ext>
+            </a:extLst>
+          </p:cNvPr>
+          <p:cNvSpPr>
+            <a:spLocks noGrp="1"/>
+          </p:cNvSpPr>
+          <p:nvPr>
+            <p:ph type="dt" sz="half" idx="10"/>
+          </p:nvPr>
+        </p:nvSpPr>
+        <p:spPr/>
+        <p:txBody>
+          <a:bodyPr/>
+          <a:lstStyle/>
+          <a:p>
+            <a:r>
+              <a:rPr lang="en-US"/>
+              <a:t>March 2024</a:t>
+            </a:r>
+            <a:endParaRPr lang="en-CA"/>
+          </a:p>
+        </p:txBody>
+      </p:sp>
+      <p:sp>
+        <p:nvSpPr>
+          <p:cNvPr id="6" name="Footer Placeholder 5">
+            <a:extLst>
+              <a:ext uri="{FF2B5EF4-FFF2-40B4-BE49-F238E27FC236}">
+                <a16:creationId xmlns:a16="http://schemas.microsoft.com/office/drawing/2014/main" id="{A7A465F9-BDB9-ED7F-CA11-CE41913CA934}"/>
+              </a:ext>
+            </a:extLst>
+          </p:cNvPr>
+          <p:cNvSpPr>
+            <a:spLocks noGrp="1"/>
+          </p:cNvSpPr>
+          <p:nvPr>
+            <p:ph type="ftr" sz="quarter" idx="11"/>
+          </p:nvPr>
+        </p:nvSpPr>
+        <p:spPr/>
+        <p:txBody>
+          <a:bodyPr/>
+          <a:lstStyle/>
+          <a:p>
+            <a:r>
+              <a:rPr lang="en-CA"/>
+              <a:t>Production - Model Development</a:t>
+            </a:r>
+          </a:p>
+        </p:txBody>
+      </p:sp>
+      <p:sp>
+        <p:nvSpPr>
+          <p:cNvPr id="7" name="Slide Number Placeholder 6">
+            <a:extLst>
+              <a:ext uri="{FF2B5EF4-FFF2-40B4-BE49-F238E27FC236}">
+                <a16:creationId xmlns:a16="http://schemas.microsoft.com/office/drawing/2014/main" id="{6D586222-7B19-1F4A-D87C-72F5F32DB1E0}"/>
+              </a:ext>
+            </a:extLst>
+          </p:cNvPr>
+          <p:cNvSpPr>
+            <a:spLocks noGrp="1"/>
+          </p:cNvSpPr>
+          <p:nvPr>
+            <p:ph type="sldNum" sz="quarter" idx="12"/>
+          </p:nvPr>
+        </p:nvSpPr>
+        <p:spPr/>
+        <p:txBody>
+          <a:bodyPr/>
+          <a:lstStyle/>
+          <a:p>
+            <a:fld id="{4F4BDF5D-830C-4829-B676-EE421164B1C8}" type="slidenum">
+              <a:rPr lang="en-CA" smtClean="0"/>
+              <a:t>24</a:t>
+            </a:fld>
+            <a:endParaRPr lang="en-CA"/>
+          </a:p>
+        </p:txBody>
+      </p:sp>
+    </p:spTree>
+  </p:cSld>
+  <p:clrMapOvr>
+    <a:masterClrMapping/>
+  </p:clrMapOvr>
+</p:sld>
+</file>
+
+<file path=ppt/slides/slide25.xml><?xml version="1.0" encoding="utf-8"?>
+<p:sld xmlns:a="http://schemas.openxmlformats.org/drawingml/2006/main" xmlns:r="http://schemas.openxmlformats.org/officeDocument/2006/relationships" xmlns:p="http://schemas.openxmlformats.org/presentationml/2006/main">
+  <p:cSld>
+    <p:spTree>
+      <p:nvGrpSpPr>
+        <p:cNvPr id="1" name=""/>
+        <p:cNvGrpSpPr/>
+        <p:nvPr/>
+      </p:nvGrpSpPr>
+      <p:grpSpPr>
+        <a:xfrm>
+          <a:off x="0" y="0"/>
+          <a:ext cx="0" cy="0"/>
+          <a:chOff x="0" y="0"/>
+          <a:chExt cx="0" cy="0"/>
+        </a:xfrm>
+      </p:grpSpPr>
+      <p:sp>
+        <p:nvSpPr>
+          <p:cNvPr id="2" name="Title 1"/>
+          <p:cNvSpPr>
+            <a:spLocks noGrp="1"/>
+          </p:cNvSpPr>
+          <p:nvPr>
+            <p:ph type="title"/>
+          </p:nvPr>
+        </p:nvSpPr>
+        <p:spPr/>
+        <p:txBody>
+          <a:bodyPr/>
+          <a:lstStyle/>
+          <a:p>
+            <a:pPr marL="0" lvl="0" indent="0">
+              <a:buNone/>
+            </a:pPr>
+            <a:r>
+              <a:t>Model Offline Evaluation</a:t>
+            </a:r>
+          </a:p>
+        </p:txBody>
+      </p:sp>
+      <p:sp>
+        <p:nvSpPr>
+          <p:cNvPr id="3" name="Content Placeholder 2"/>
+          <p:cNvSpPr>
+            <a:spLocks noGrp="1"/>
+          </p:cNvSpPr>
+          <p:nvPr>
+            <p:ph sz="half" idx="1"/>
+          </p:nvPr>
+        </p:nvSpPr>
+        <p:spPr/>
+        <p:txBody>
+          <a:bodyPr>
+            <a:normAutofit fontScale="70000" lnSpcReduction="20000"/>
+          </a:bodyPr>
+          <a:lstStyle/>
+          <a:p>
+            <a:pPr lvl="0"/>
+            <a:r>
+              <a:t>Measure model performance before and after deployment.</a:t>
+            </a:r>
+          </a:p>
+          <a:p>
+            <a:pPr lvl="0"/>
+            <a:r>
+              <a:t>Evaluation methods should (ideally) be the same for models during development and production.</a:t>
+            </a:r>
+          </a:p>
+          <a:p>
+            <a:pPr lvl="0"/>
+            <a:r>
+              <a:t>Techniques for model offline evaluation:</a:t>
+            </a:r>
+          </a:p>
+          <a:p>
+            <a:pPr lvl="1"/>
+            <a:r>
+              <a:t>Use baselines.</a:t>
+            </a:r>
+          </a:p>
+          <a:p>
+            <a:pPr lvl="1"/>
+            <a:r>
+              <a:t>Tests: perturbation tests, invariance tests, directional expectation tests, model calibration, confidence measurement, slice-based evaluation.</a:t>
+            </a:r>
+          </a:p>
+        </p:txBody>
+      </p:sp>
+      <p:sp>
+        <p:nvSpPr>
+          <p:cNvPr id="4" name="Content Placeholder 3"/>
+          <p:cNvSpPr>
+            <a:spLocks noGrp="1"/>
+          </p:cNvSpPr>
+          <p:nvPr>
+            <p:ph sz="half" idx="2"/>
+          </p:nvPr>
+        </p:nvSpPr>
+        <p:spPr/>
+        <p:txBody>
+          <a:bodyPr>
+            <a:normAutofit fontScale="70000" lnSpcReduction="20000"/>
+          </a:bodyPr>
+          <a:lstStyle/>
+          <a:p>
+            <a:pPr marL="0" lvl="0" indent="0">
+              <a:buNone/>
+            </a:pPr>
+            <a:r>
+              <a:rPr b="1"/>
+              <a:t>Baselines</a:t>
+            </a:r>
+          </a:p>
+          <a:p>
+            <a:pPr lvl="0"/>
+            <a:r>
+              <a:t>Random baseline: if the model predicts at random, how would it perform?</a:t>
+            </a:r>
+          </a:p>
+          <a:p>
+            <a:pPr lvl="0"/>
+            <a:r>
+              <a:t>Simple heuristic: how does the model perform vs a simple (non-ML) rule of thumb?</a:t>
+            </a:r>
+          </a:p>
+          <a:p>
+            <a:pPr lvl="0"/>
+            <a:r>
+              <a:t>Zero rule baseline: trivial prediction, always predicts the same thing.</a:t>
+            </a:r>
+          </a:p>
+          <a:p>
+            <a:pPr lvl="0"/>
+            <a:r>
+              <a:t>Human baseline: human-level performance may be the required baseline.</a:t>
+            </a:r>
+          </a:p>
+          <a:p>
+            <a:pPr lvl="0"/>
+            <a:r>
+              <a:t>Existing solutions.</a:t>
+            </a:r>
+          </a:p>
+        </p:txBody>
+      </p:sp>
+      <p:sp>
+        <p:nvSpPr>
+          <p:cNvPr id="5" name="Date Placeholder 4">
+            <a:extLst>
+              <a:ext uri="{FF2B5EF4-FFF2-40B4-BE49-F238E27FC236}">
+                <a16:creationId xmlns:a16="http://schemas.microsoft.com/office/drawing/2014/main" id="{E152096B-51F7-A50B-4F94-16BA3CAFC45E}"/>
+              </a:ext>
+            </a:extLst>
+          </p:cNvPr>
+          <p:cNvSpPr>
+            <a:spLocks noGrp="1"/>
+          </p:cNvSpPr>
+          <p:nvPr>
+            <p:ph type="dt" sz="half" idx="10"/>
+          </p:nvPr>
+        </p:nvSpPr>
+        <p:spPr/>
+        <p:txBody>
+          <a:bodyPr/>
+          <a:lstStyle/>
+          <a:p>
+            <a:r>
+              <a:rPr lang="en-US"/>
+              <a:t>March 2024</a:t>
+            </a:r>
+            <a:endParaRPr lang="en-CA"/>
+          </a:p>
+        </p:txBody>
+      </p:sp>
+      <p:sp>
+        <p:nvSpPr>
+          <p:cNvPr id="6" name="Footer Placeholder 5">
+            <a:extLst>
+              <a:ext uri="{FF2B5EF4-FFF2-40B4-BE49-F238E27FC236}">
+                <a16:creationId xmlns:a16="http://schemas.microsoft.com/office/drawing/2014/main" id="{8F64998A-DAE2-72A4-8EA1-196606B67378}"/>
+              </a:ext>
+            </a:extLst>
+          </p:cNvPr>
+          <p:cNvSpPr>
+            <a:spLocks noGrp="1"/>
+          </p:cNvSpPr>
+          <p:nvPr>
+            <p:ph type="ftr" sz="quarter" idx="11"/>
+          </p:nvPr>
+        </p:nvSpPr>
+        <p:spPr/>
+        <p:txBody>
+          <a:bodyPr/>
+          <a:lstStyle/>
+          <a:p>
+            <a:r>
+              <a:rPr lang="en-CA"/>
+              <a:t>Production - Model Development</a:t>
+            </a:r>
+          </a:p>
+        </p:txBody>
+      </p:sp>
+      <p:sp>
+        <p:nvSpPr>
+          <p:cNvPr id="7" name="Slide Number Placeholder 6">
+            <a:extLst>
+              <a:ext uri="{FF2B5EF4-FFF2-40B4-BE49-F238E27FC236}">
+                <a16:creationId xmlns:a16="http://schemas.microsoft.com/office/drawing/2014/main" id="{B6CC5E3B-6390-1115-9973-996D361D52D8}"/>
+              </a:ext>
+            </a:extLst>
+          </p:cNvPr>
+          <p:cNvSpPr>
+            <a:spLocks noGrp="1"/>
+          </p:cNvSpPr>
+          <p:nvPr>
+            <p:ph type="sldNum" sz="quarter" idx="12"/>
+          </p:nvPr>
+        </p:nvSpPr>
+        <p:spPr/>
+        <p:txBody>
+          <a:bodyPr/>
+          <a:lstStyle/>
+          <a:p>
+            <a:fld id="{4F4BDF5D-830C-4829-B676-EE421164B1C8}" type="slidenum">
+              <a:rPr lang="en-CA" smtClean="0"/>
+              <a:t>25</a:t>
+            </a:fld>
+            <a:endParaRPr lang="en-CA"/>
+          </a:p>
+        </p:txBody>
+      </p:sp>
+    </p:spTree>
+  </p:cSld>
+  <p:clrMapOvr>
+    <a:masterClrMapping/>
+  </p:clrMapOvr>
+</p:sld>
+</file>
+
+<file path=ppt/slides/slide26.xml><?xml version="1.0" encoding="utf-8"?>
+<p:sld xmlns:a="http://schemas.openxmlformats.org/drawingml/2006/main" xmlns:r="http://schemas.openxmlformats.org/officeDocument/2006/relationships" xmlns:p="http://schemas.openxmlformats.org/presentationml/2006/main">
+  <p:cSld>
+    <p:spTree>
+      <p:nvGrpSpPr>
+        <p:cNvPr id="1" name=""/>
+        <p:cNvGrpSpPr/>
+        <p:nvPr/>
+      </p:nvGrpSpPr>
+      <p:grpSpPr>
+        <a:xfrm>
+          <a:off x="0" y="0"/>
+          <a:ext cx="0" cy="0"/>
+          <a:chOff x="0" y="0"/>
+          <a:chExt cx="0" cy="0"/>
+        </a:xfrm>
+      </p:grpSpPr>
+      <p:sp>
+        <p:nvSpPr>
+          <p:cNvPr id="2" name="Title 1"/>
+          <p:cNvSpPr>
+            <a:spLocks noGrp="1"/>
+          </p:cNvSpPr>
+          <p:nvPr>
+            <p:ph type="title"/>
+          </p:nvPr>
+        </p:nvSpPr>
+        <p:spPr/>
+        <p:txBody>
+          <a:bodyPr/>
+          <a:lstStyle/>
+          <a:p>
+            <a:pPr marL="0" lvl="0" indent="0">
+              <a:buNone/>
+            </a:pPr>
+            <a:r>
+              <a:t>Evaluation Methods in Production</a:t>
+            </a:r>
+          </a:p>
+        </p:txBody>
+      </p:sp>
+      <p:sp>
+        <p:nvSpPr>
+          <p:cNvPr id="3" name="Content Placeholder 2"/>
+          <p:cNvSpPr>
+            <a:spLocks noGrp="1"/>
+          </p:cNvSpPr>
+          <p:nvPr>
+            <p:ph sz="half" idx="1"/>
+          </p:nvPr>
+        </p:nvSpPr>
+        <p:spPr/>
+        <p:txBody>
+          <a:bodyPr>
+            <a:normAutofit fontScale="70000" lnSpcReduction="20000"/>
+          </a:bodyPr>
+          <a:lstStyle/>
+          <a:p>
+            <a:pPr lvl="0"/>
+            <a:r>
+              <a:t>Perturbation tests: make changes to test splits, such as adding noise to input data. If a model is not robust to noise, it will be difficult to maintain.</a:t>
+            </a:r>
+          </a:p>
+          <a:p>
+            <a:pPr lvl="0"/>
+            <a:r>
+              <a:t>Invariance tests: specific input changes should not lead to output changes—for example, protected classes.</a:t>
+            </a:r>
+          </a:p>
+          <a:p>
+            <a:pPr lvl="0"/>
+            <a:r>
+              <a:t>Directional expectation tests.</a:t>
+            </a:r>
+          </a:p>
+        </p:txBody>
+      </p:sp>
+      <p:sp>
+        <p:nvSpPr>
+          <p:cNvPr id="4" name="Content Placeholder 3"/>
+          <p:cNvSpPr>
+            <a:spLocks noGrp="1"/>
+          </p:cNvSpPr>
+          <p:nvPr>
+            <p:ph sz="half" idx="2"/>
+          </p:nvPr>
+        </p:nvSpPr>
+        <p:spPr/>
+        <p:txBody>
+          <a:bodyPr>
+            <a:normAutofit fontScale="70000" lnSpcReduction="20000"/>
+          </a:bodyPr>
+          <a:lstStyle/>
+          <a:p>
+            <a:pPr lvl="0"/>
+            <a:r>
+              <a:t>Model calibration or conformal prediction methods:</a:t>
+            </a:r>
+          </a:p>
+          <a:p>
+            <a:pPr lvl="1"/>
+            <a:r>
+              <a:t>Idea: If the forecast has a 70% chance of rain, then 70% of the time this forecast was made, it actually rained.</a:t>
+            </a:r>
+          </a:p>
+          <a:p>
+            <a:pPr lvl="1"/>
+            <a:r>
+              <a:t>Prediction scores are many times normalized to values between 0 and 1. It is tempting to think of them as probabilities, but they are not necessarily so.</a:t>
+            </a:r>
+          </a:p>
+          <a:p>
+            <a:pPr lvl="1"/>
+            <a:r>
+              <a:t>Use conformal prediction methods to calibrate prediction scores.</a:t>
+            </a:r>
+          </a:p>
+          <a:p>
+            <a:pPr lvl="0"/>
+            <a:r>
+              <a:t>Confidence measurement: show only predictions where the model is confident.</a:t>
+            </a:r>
+          </a:p>
+          <a:p>
+            <a:pPr lvl="0"/>
+            <a:r>
+              <a:t>Slice-based evaluation: model performance is different in subsets of data.</a:t>
+            </a:r>
+          </a:p>
+        </p:txBody>
+      </p:sp>
+      <p:sp>
+        <p:nvSpPr>
+          <p:cNvPr id="5" name="Date Placeholder 4">
+            <a:extLst>
+              <a:ext uri="{FF2B5EF4-FFF2-40B4-BE49-F238E27FC236}">
+                <a16:creationId xmlns:a16="http://schemas.microsoft.com/office/drawing/2014/main" id="{CAB31FF6-7BD2-0913-0973-30147ACC9D08}"/>
+              </a:ext>
+            </a:extLst>
+          </p:cNvPr>
+          <p:cNvSpPr>
+            <a:spLocks noGrp="1"/>
+          </p:cNvSpPr>
+          <p:nvPr>
+            <p:ph type="dt" sz="half" idx="10"/>
+          </p:nvPr>
+        </p:nvSpPr>
+        <p:spPr/>
+        <p:txBody>
+          <a:bodyPr/>
+          <a:lstStyle/>
+          <a:p>
+            <a:r>
+              <a:rPr lang="en-US"/>
+              <a:t>March 2024</a:t>
+            </a:r>
+            <a:endParaRPr lang="en-CA"/>
+          </a:p>
+        </p:txBody>
+      </p:sp>
+      <p:sp>
+        <p:nvSpPr>
+          <p:cNvPr id="6" name="Footer Placeholder 5">
+            <a:extLst>
+              <a:ext uri="{FF2B5EF4-FFF2-40B4-BE49-F238E27FC236}">
+                <a16:creationId xmlns:a16="http://schemas.microsoft.com/office/drawing/2014/main" id="{6A08F386-11BF-9528-BBA8-D2A7937F98B4}"/>
+              </a:ext>
+            </a:extLst>
+          </p:cNvPr>
+          <p:cNvSpPr>
+            <a:spLocks noGrp="1"/>
+          </p:cNvSpPr>
+          <p:nvPr>
+            <p:ph type="ftr" sz="quarter" idx="11"/>
+          </p:nvPr>
+        </p:nvSpPr>
+        <p:spPr/>
+        <p:txBody>
+          <a:bodyPr/>
+          <a:lstStyle/>
+          <a:p>
+            <a:r>
+              <a:rPr lang="en-CA"/>
+              <a:t>Production - Model Development</a:t>
+            </a:r>
+          </a:p>
+        </p:txBody>
+      </p:sp>
+      <p:sp>
+        <p:nvSpPr>
+          <p:cNvPr id="7" name="Slide Number Placeholder 6">
+            <a:extLst>
+              <a:ext uri="{FF2B5EF4-FFF2-40B4-BE49-F238E27FC236}">
+                <a16:creationId xmlns:a16="http://schemas.microsoft.com/office/drawing/2014/main" id="{0DB119C4-9F53-9DD1-F219-FFFFB1B10EE6}"/>
+              </a:ext>
+            </a:extLst>
+          </p:cNvPr>
+          <p:cNvSpPr>
+            <a:spLocks noGrp="1"/>
+          </p:cNvSpPr>
+          <p:nvPr>
+            <p:ph type="sldNum" sz="quarter" idx="12"/>
+          </p:nvPr>
+        </p:nvSpPr>
+        <p:spPr/>
+        <p:txBody>
+          <a:bodyPr/>
+          <a:lstStyle/>
+          <a:p>
+            <a:fld id="{4F4BDF5D-830C-4829-B676-EE421164B1C8}" type="slidenum">
+              <a:rPr lang="en-CA" smtClean="0"/>
+              <a:t>26</a:t>
+            </a:fld>
+            <a:endParaRPr lang="en-CA"/>
+          </a:p>
+        </p:txBody>
+      </p:sp>
+    </p:spTree>
+  </p:cSld>
+  <p:clrMapOvr>
+    <a:masterClrMapping/>
+  </p:clrMapOvr>
+</p:sld>
+</file>
+
+<file path=ppt/slides/slide27.xml><?xml version="1.0" encoding="utf-8"?>
+<p:sld xmlns:a="http://schemas.openxmlformats.org/drawingml/2006/main" xmlns:r="http://schemas.openxmlformats.org/officeDocument/2006/relationships" xmlns:p="http://schemas.openxmlformats.org/presentationml/2006/main">
+  <p:cSld>
+    <p:spTree>
+      <p:nvGrpSpPr>
+        <p:cNvPr id="1" name=""/>
+        <p:cNvGrpSpPr/>
+        <p:nvPr/>
+      </p:nvGrpSpPr>
+      <p:grpSpPr>
+        <a:xfrm>
+          <a:off x="0" y="0"/>
+          <a:ext cx="0" cy="0"/>
+          <a:chOff x="0" y="0"/>
+          <a:chExt cx="0" cy="0"/>
+        </a:xfrm>
+      </p:grpSpPr>
+      <p:sp>
+        <p:nvSpPr>
+          <p:cNvPr id="2" name="Title 1"/>
+          <p:cNvSpPr>
+            <a:spLocks noGrp="1"/>
+          </p:cNvSpPr>
+          <p:nvPr>
+            <p:ph type="title"/>
+          </p:nvPr>
+        </p:nvSpPr>
+        <p:spPr>
+          <a:xfrm>
+            <a:off x="603504" y="767419"/>
+            <a:ext cx="10780776" cy="3355848"/>
+          </a:xfrm>
+        </p:spPr>
+        <p:txBody>
+          <a:bodyPr/>
+          <a:lstStyle/>
+          <a:p>
+            <a:pPr marL="0" lvl="0" indent="0">
+              <a:buNone/>
+            </a:pPr>
+            <a:r>
+              <a:t>References</a:t>
+            </a:r>
+          </a:p>
+        </p:txBody>
+      </p:sp>
+      <p:sp>
+        <p:nvSpPr>
+          <p:cNvPr id="3" name="Date Placeholder 2">
+            <a:extLst>
+              <a:ext uri="{FF2B5EF4-FFF2-40B4-BE49-F238E27FC236}">
+                <a16:creationId xmlns:a16="http://schemas.microsoft.com/office/drawing/2014/main" id="{7744B811-F2A1-A6BF-23D9-CD549C7DE801}"/>
+              </a:ext>
+            </a:extLst>
+          </p:cNvPr>
+          <p:cNvSpPr>
+            <a:spLocks noGrp="1"/>
+          </p:cNvSpPr>
+          <p:nvPr>
+            <p:ph type="dt" sz="half" idx="10"/>
+          </p:nvPr>
+        </p:nvSpPr>
+        <p:spPr/>
+        <p:txBody>
+          <a:bodyPr/>
+          <a:lstStyle/>
+          <a:p>
+            <a:r>
+              <a:rPr lang="en-US"/>
+              <a:t>March 2024</a:t>
+            </a:r>
+            <a:endParaRPr lang="en-CA"/>
+          </a:p>
+        </p:txBody>
+      </p:sp>
+      <p:sp>
+        <p:nvSpPr>
+          <p:cNvPr id="4" name="Footer Placeholder 3">
+            <a:extLst>
+              <a:ext uri="{FF2B5EF4-FFF2-40B4-BE49-F238E27FC236}">
+                <a16:creationId xmlns:a16="http://schemas.microsoft.com/office/drawing/2014/main" id="{E5FF0BB3-AB29-0006-8415-A727DBB13186}"/>
+              </a:ext>
+            </a:extLst>
+          </p:cNvPr>
+          <p:cNvSpPr>
+            <a:spLocks noGrp="1"/>
+          </p:cNvSpPr>
+          <p:nvPr>
+            <p:ph type="ftr" sz="quarter" idx="11"/>
+          </p:nvPr>
+        </p:nvSpPr>
+        <p:spPr/>
+        <p:txBody>
+          <a:bodyPr/>
+          <a:lstStyle/>
+          <a:p>
+            <a:r>
+              <a:rPr lang="en-CA"/>
+              <a:t>Production - Model Development</a:t>
+            </a:r>
+          </a:p>
+        </p:txBody>
+      </p:sp>
+      <p:sp>
+        <p:nvSpPr>
+          <p:cNvPr id="5" name="Slide Number Placeholder 4">
+            <a:extLst>
+              <a:ext uri="{FF2B5EF4-FFF2-40B4-BE49-F238E27FC236}">
+                <a16:creationId xmlns:a16="http://schemas.microsoft.com/office/drawing/2014/main" id="{80D99B77-4F27-0B67-0DC1-0CDD6811D722}"/>
+              </a:ext>
+            </a:extLst>
+          </p:cNvPr>
+          <p:cNvSpPr>
+            <a:spLocks noGrp="1"/>
+          </p:cNvSpPr>
+          <p:nvPr>
+            <p:ph type="sldNum" sz="quarter" idx="12"/>
+          </p:nvPr>
+        </p:nvSpPr>
+        <p:spPr/>
+        <p:txBody>
+          <a:bodyPr/>
+          <a:lstStyle/>
+          <a:p>
+            <a:fld id="{4F4BDF5D-830C-4829-B676-EE421164B1C8}" type="slidenum">
+              <a:rPr lang="en-CA" smtClean="0"/>
+              <a:t>27</a:t>
+            </a:fld>
+            <a:endParaRPr lang="en-CA"/>
+          </a:p>
+        </p:txBody>
+      </p:sp>
+    </p:spTree>
+  </p:cSld>
+  <p:clrMapOvr>
+    <a:masterClrMapping/>
+  </p:clrMapOvr>
+</p:sld>
+</file>
+
+<file path=ppt/slides/slide28.xml><?xml version="1.0" encoding="utf-8"?>
+<p:sld xmlns:a="http://schemas.openxmlformats.org/drawingml/2006/main" xmlns:r="http://schemas.openxmlformats.org/officeDocument/2006/relationships" xmlns:p="http://schemas.openxmlformats.org/presentationml/2006/main">
+  <p:cSld>
+    <p:spTree>
+      <p:nvGrpSpPr>
+        <p:cNvPr id="1" name=""/>
+        <p:cNvGrpSpPr/>
+        <p:nvPr/>
+      </p:nvGrpSpPr>
+      <p:grpSpPr>
+        <a:xfrm>
+          <a:off x="0" y="0"/>
+          <a:ext cx="0" cy="0"/>
+          <a:chOff x="0" y="0"/>
+          <a:chExt cx="0" cy="0"/>
+        </a:xfrm>
+      </p:grpSpPr>
+      <p:sp>
+        <p:nvSpPr>
+          <p:cNvPr id="2" name="Title 1"/>
+          <p:cNvSpPr>
+            <a:spLocks noGrp="1"/>
+          </p:cNvSpPr>
+          <p:nvPr>
+            <p:ph type="title"/>
+          </p:nvPr>
+        </p:nvSpPr>
+        <p:spPr/>
+        <p:txBody>
+          <a:bodyPr/>
+          <a:lstStyle/>
+          <a:p>
+            <a:pPr marL="0" lvl="0" indent="0">
+              <a:buNone/>
+            </a:pPr>
+            <a:r>
+              <a:t>References</a:t>
+            </a:r>
+          </a:p>
+        </p:txBody>
+      </p:sp>
+      <p:sp>
+        <p:nvSpPr>
+          <p:cNvPr id="3" name="Content Placeholder 2"/>
+          <p:cNvSpPr>
+            <a:spLocks noGrp="1"/>
+          </p:cNvSpPr>
+          <p:nvPr>
+            <p:ph idx="1"/>
+          </p:nvPr>
+        </p:nvSpPr>
+        <p:spPr/>
+        <p:txBody>
+          <a:bodyPr/>
+          <a:lstStyle/>
+          <a:p>
+            <a:pPr lvl="0"/>
+            <a:r>
+              <a:rPr dirty="0"/>
+              <a:t>Agrawal, A. et al. “Cloudy with a high chance of DBMS: A 10-year prediction for Enterprise-Grade ML.” </a:t>
+            </a:r>
+            <a:r>
+              <a:rPr dirty="0" err="1"/>
+              <a:t>arXiv</a:t>
+            </a:r>
+            <a:r>
+              <a:rPr dirty="0"/>
+              <a:t> preprint arXiv:1909.00084 (2019).</a:t>
+            </a:r>
+          </a:p>
+          <a:p>
+            <a:pPr lvl="0"/>
+            <a:r>
+              <a:rPr dirty="0" err="1"/>
+              <a:t>Huyen</a:t>
+            </a:r>
+            <a:r>
+              <a:rPr dirty="0"/>
+              <a:t>, Chip. “Designing machine learning systems.” O’Reilly Media, Inc.</a:t>
+            </a:r>
+            <a:r>
+              <a:rPr lang="en-US" dirty="0"/>
+              <a:t> </a:t>
+            </a:r>
+            <a:r>
+              <a:rPr dirty="0"/>
+              <a:t>(202</a:t>
+            </a:r>
+            <a:r>
+              <a:rPr lang="en-US" dirty="0"/>
+              <a:t>1</a:t>
+            </a:r>
+            <a:r>
+              <a:rPr dirty="0"/>
+              <a:t>).</a:t>
+            </a:r>
+          </a:p>
+          <a:p>
+            <a:pPr lvl="0"/>
+            <a:r>
+              <a:rPr dirty="0"/>
+              <a:t>Tetlock and Gardner. </a:t>
+            </a:r>
+            <a:r>
+              <a:rPr dirty="0" err="1"/>
+              <a:t>Superforecasting</a:t>
+            </a:r>
+            <a:r>
+              <a:rPr dirty="0"/>
+              <a:t>: The art and science of prediction. Random House </a:t>
+            </a:r>
+            <a:r>
+              <a:rPr lang="en-US" dirty="0"/>
+              <a:t>(</a:t>
+            </a:r>
+            <a:r>
+              <a:rPr dirty="0"/>
+              <a:t>2016</a:t>
+            </a:r>
+            <a:r>
+              <a:rPr lang="en-US" dirty="0"/>
+              <a:t>)</a:t>
+            </a:r>
+            <a:r>
+              <a:rPr dirty="0"/>
+              <a:t>.</a:t>
+            </a:r>
+          </a:p>
+        </p:txBody>
+      </p:sp>
+      <p:sp>
+        <p:nvSpPr>
+          <p:cNvPr id="4" name="Date Placeholder 3">
+            <a:extLst>
+              <a:ext uri="{FF2B5EF4-FFF2-40B4-BE49-F238E27FC236}">
+                <a16:creationId xmlns:a16="http://schemas.microsoft.com/office/drawing/2014/main" id="{A4A20F80-10C7-261A-62D0-732BF5AF1DA4}"/>
+              </a:ext>
+            </a:extLst>
+          </p:cNvPr>
+          <p:cNvSpPr>
+            <a:spLocks noGrp="1"/>
+          </p:cNvSpPr>
+          <p:nvPr>
+            <p:ph type="dt" sz="half" idx="10"/>
+          </p:nvPr>
+        </p:nvSpPr>
+        <p:spPr/>
+        <p:txBody>
+          <a:bodyPr/>
+          <a:lstStyle/>
+          <a:p>
+            <a:r>
+              <a:rPr lang="en-US"/>
+              <a:t>March 2024</a:t>
+            </a:r>
+            <a:endParaRPr lang="en-CA"/>
+          </a:p>
+        </p:txBody>
+      </p:sp>
+      <p:sp>
+        <p:nvSpPr>
+          <p:cNvPr id="5" name="Footer Placeholder 4">
+            <a:extLst>
+              <a:ext uri="{FF2B5EF4-FFF2-40B4-BE49-F238E27FC236}">
+                <a16:creationId xmlns:a16="http://schemas.microsoft.com/office/drawing/2014/main" id="{CA55FB69-C21D-53F1-7F85-C14A90DABEC0}"/>
+              </a:ext>
+            </a:extLst>
+          </p:cNvPr>
+          <p:cNvSpPr>
+            <a:spLocks noGrp="1"/>
+          </p:cNvSpPr>
+          <p:nvPr>
+            <p:ph type="ftr" sz="quarter" idx="11"/>
+          </p:nvPr>
+        </p:nvSpPr>
+        <p:spPr/>
+        <p:txBody>
+          <a:bodyPr/>
+          <a:lstStyle/>
+          <a:p>
+            <a:r>
+              <a:rPr lang="en-CA"/>
+              <a:t>Production - Model Development</a:t>
+            </a:r>
+          </a:p>
+        </p:txBody>
+      </p:sp>
+      <p:sp>
+        <p:nvSpPr>
+          <p:cNvPr id="6" name="Slide Number Placeholder 5">
+            <a:extLst>
+              <a:ext uri="{FF2B5EF4-FFF2-40B4-BE49-F238E27FC236}">
+                <a16:creationId xmlns:a16="http://schemas.microsoft.com/office/drawing/2014/main" id="{E27D1CDB-F4B3-AED4-80AC-BBDA6E32288E}"/>
+              </a:ext>
+            </a:extLst>
+          </p:cNvPr>
+          <p:cNvSpPr>
+            <a:spLocks noGrp="1"/>
+          </p:cNvSpPr>
+          <p:nvPr>
+            <p:ph type="sldNum" sz="quarter" idx="12"/>
+          </p:nvPr>
+        </p:nvSpPr>
+        <p:spPr/>
+        <p:txBody>
+          <a:bodyPr/>
+          <a:lstStyle/>
+          <a:p>
+            <a:fld id="{4F4BDF5D-830C-4829-B676-EE421164B1C8}" type="slidenum">
+              <a:rPr lang="en-CA" smtClean="0"/>
+              <a:t>28</a:t>
+            </a:fld>
+            <a:endParaRPr lang="en-CA"/>
+          </a:p>
+        </p:txBody>
+      </p:sp>
+    </p:spTree>
+  </p:cSld>
+  <p:clrMapOvr>
+    <a:masterClrMapping/>
+  </p:clrMapOvr>
 </p:sld>
 </file>
 
@@ -5195,12 +8310,11 @@
           <a:bodyPr/>
           <a:lstStyle/>
           <a:p>
-            <a:pPr lvl="0" indent="0" marL="0">
+            <a:pPr marL="0" lvl="0" indent="0">
               <a:buNone/>
             </a:pPr>
             <a:r>
-              <a:rPr/>
-              <a:t>About These Notes</a:t>
+              <a:t>Agenda</a:t>
             </a:r>
           </a:p>
         </p:txBody>
@@ -5212,76 +8326,204 @@
             <a:spLocks noGrp="1"/>
           </p:cNvSpPr>
           <p:nvPr>
-            <p:ph idx="1" sz="half"/>
-          </p:nvPr>
-        </p:nvSpPr>
-        <p:spPr/>
-        <p:txBody>
-          <a:bodyPr/>
-          <a:lstStyle/>
-          <a:p>
-            <a:pPr lvl="0" indent="0" marL="0">
+            <p:ph sz="half" idx="1"/>
+          </p:nvPr>
+        </p:nvSpPr>
+        <p:spPr/>
+        <p:txBody>
+          <a:bodyPr>
+            <a:normAutofit fontScale="92500" lnSpcReduction="20000"/>
+          </a:bodyPr>
+          <a:lstStyle/>
+          <a:p>
+            <a:pPr marL="0" lvl="0" indent="0">
               <a:buNone/>
             </a:pPr>
             <a:r>
-              <a:rPr/>
-              <a:t>These notes are based on Chapters 5 of </a:t>
-            </a:r>
-            <a:r>
-              <a:rPr i="1">
-                <a:hlinkClick r:id="rId2"/>
-              </a:rPr>
-              <a:t>Designing Machine Learning Systems</a:t>
-            </a:r>
-            <a:r>
-              <a:rPr/>
-              <a:t>, by </a:t>
-            </a:r>
-            <a:r>
-              <a:rPr>
-                <a:hlinkClick r:id="rId3"/>
-              </a:rPr>
-              <a:t>Chip Huyen</a:t>
-            </a:r>
-            <a:r>
-              <a:rPr/>
-              <a:t>.</a:t>
-            </a:r>
-          </a:p>
-        </p:txBody>
-      </p:sp>
-      <p:pic>
-        <p:nvPicPr>
-          <p:cNvPr descr="../img/book_cover.png" id="0" name="Picture 1"/>
-          <p:cNvPicPr>
-            <a:picLocks noGrp="1" noChangeAspect="1"/>
-          </p:cNvPicPr>
-          <p:nvPr/>
-        </p:nvPicPr>
-        <p:blipFill>
-          <a:blip r:embed="rId4"/>
-          <a:stretch>
-            <a:fillRect/>
-          </a:stretch>
-        </p:blipFill>
-        <p:spPr bwMode="auto">
-          <a:xfrm>
-            <a:off x="6007100" y="2324100"/>
-            <a:ext cx="4660900" cy="3111500"/>
-          </a:xfrm>
-          <a:prstGeom prst="rect">
-            <a:avLst/>
-          </a:prstGeom>
-          <a:noFill/>
-          <a:ln w="9525">
-            <a:noFill/>
-            <a:headEnd/>
-            <a:tailEnd/>
-          </a:ln>
-        </p:spPr>
-      </p:pic>
+              <a:rPr b="1"/>
+              <a:t>5.1 Model Development and Offline Evaluation</a:t>
+            </a:r>
+          </a:p>
+          <a:p>
+            <a:pPr lvl="0"/>
+            <a:r>
+              <a:t>Model Development and Training</a:t>
+            </a:r>
+          </a:p>
+          <a:p>
+            <a:pPr lvl="0"/>
+            <a:r>
+              <a:t>Ensembles</a:t>
+            </a:r>
+          </a:p>
+          <a:p>
+            <a:pPr lvl="0"/>
+            <a:r>
+              <a:t>Experiment Tracking and Versioning</a:t>
+            </a:r>
+          </a:p>
+          <a:p>
+            <a:pPr lvl="0"/>
+            <a:r>
+              <a:t>Distributed Training</a:t>
+            </a:r>
+          </a:p>
+          <a:p>
+            <a:pPr lvl="0"/>
+            <a:r>
+              <a:t>AutoML</a:t>
+            </a:r>
+          </a:p>
+          <a:p>
+            <a:pPr lvl="0"/>
+            <a:r>
+              <a:t>Model Offline Evaluation</a:t>
+            </a:r>
+          </a:p>
+        </p:txBody>
+      </p:sp>
+      <p:sp>
+        <p:nvSpPr>
+          <p:cNvPr id="4" name="Content Placeholder 3"/>
+          <p:cNvSpPr>
+            <a:spLocks noGrp="1"/>
+          </p:cNvSpPr>
+          <p:nvPr>
+            <p:ph sz="half" idx="2"/>
+          </p:nvPr>
+        </p:nvSpPr>
+        <p:spPr/>
+        <p:txBody>
+          <a:bodyPr>
+            <a:normAutofit fontScale="92500" lnSpcReduction="20000"/>
+          </a:bodyPr>
+          <a:lstStyle/>
+          <a:p>
+            <a:pPr marL="0" lvl="0" indent="0">
+              <a:buNone/>
+            </a:pPr>
+            <a:r>
+              <a:rPr b="1"/>
+              <a:t>5.2 Experiment Tracking</a:t>
+            </a:r>
+          </a:p>
+          <a:p>
+            <a:pPr lvl="0"/>
+            <a:r>
+              <a:t>Observability and telemetry</a:t>
+            </a:r>
+          </a:p>
+          <a:p>
+            <a:pPr lvl="0"/>
+            <a:r>
+              <a:t>Docker and Portability</a:t>
+            </a:r>
+          </a:p>
+          <a:p>
+            <a:pPr lvl="0"/>
+            <a:r>
+              <a:t>Experiment Tracking in Python</a:t>
+            </a:r>
+          </a:p>
+          <a:p>
+            <a:pPr lvl="0"/>
+            <a:r>
+              <a:t>Experiment Components</a:t>
+            </a:r>
+          </a:p>
+        </p:txBody>
+      </p:sp>
+      <p:sp>
+        <p:nvSpPr>
+          <p:cNvPr id="5" name="Date Placeholder 4">
+            <a:extLst>
+              <a:ext uri="{FF2B5EF4-FFF2-40B4-BE49-F238E27FC236}">
+                <a16:creationId xmlns:a16="http://schemas.microsoft.com/office/drawing/2014/main" id="{12ED4390-5EB9-393E-A234-A5E48F0F014B}"/>
+              </a:ext>
+            </a:extLst>
+          </p:cNvPr>
+          <p:cNvSpPr>
+            <a:spLocks noGrp="1"/>
+          </p:cNvSpPr>
+          <p:nvPr>
+            <p:ph type="dt" sz="half" idx="10"/>
+          </p:nvPr>
+        </p:nvSpPr>
+        <p:spPr/>
+        <p:txBody>
+          <a:bodyPr/>
+          <a:lstStyle/>
+          <a:p>
+            <a:r>
+              <a:rPr lang="en-US"/>
+              <a:t>March 2024</a:t>
+            </a:r>
+            <a:endParaRPr lang="en-CA"/>
+          </a:p>
+        </p:txBody>
+      </p:sp>
+      <p:sp>
+        <p:nvSpPr>
+          <p:cNvPr id="6" name="Footer Placeholder 5">
+            <a:extLst>
+              <a:ext uri="{FF2B5EF4-FFF2-40B4-BE49-F238E27FC236}">
+                <a16:creationId xmlns:a16="http://schemas.microsoft.com/office/drawing/2014/main" id="{F3892773-BC6B-1608-8C00-4F4672441517}"/>
+              </a:ext>
+            </a:extLst>
+          </p:cNvPr>
+          <p:cNvSpPr>
+            <a:spLocks noGrp="1"/>
+          </p:cNvSpPr>
+          <p:nvPr>
+            <p:ph type="ftr" sz="quarter" idx="11"/>
+          </p:nvPr>
+        </p:nvSpPr>
+        <p:spPr/>
+        <p:txBody>
+          <a:bodyPr/>
+          <a:lstStyle/>
+          <a:p>
+            <a:r>
+              <a:rPr lang="en-CA"/>
+              <a:t>Production - Model Development</a:t>
+            </a:r>
+          </a:p>
+        </p:txBody>
+      </p:sp>
+      <p:sp>
+        <p:nvSpPr>
+          <p:cNvPr id="7" name="Slide Number Placeholder 6">
+            <a:extLst>
+              <a:ext uri="{FF2B5EF4-FFF2-40B4-BE49-F238E27FC236}">
+                <a16:creationId xmlns:a16="http://schemas.microsoft.com/office/drawing/2014/main" id="{9B7B3398-CBD2-66AA-5A82-327E6E2F8FF3}"/>
+              </a:ext>
+            </a:extLst>
+          </p:cNvPr>
+          <p:cNvSpPr>
+            <a:spLocks noGrp="1"/>
+          </p:cNvSpPr>
+          <p:nvPr>
+            <p:ph type="sldNum" sz="quarter" idx="12"/>
+          </p:nvPr>
+        </p:nvSpPr>
+        <p:spPr/>
+        <p:txBody>
+          <a:bodyPr/>
+          <a:lstStyle/>
+          <a:p>
+            <a:fld id="{4F4BDF5D-830C-4829-B676-EE421164B1C8}" type="slidenum">
+              <a:rPr lang="en-CA" smtClean="0"/>
+              <a:t>3</a:t>
+            </a:fld>
+            <a:endParaRPr lang="en-CA"/>
+          </a:p>
+        </p:txBody>
+      </p:sp>
     </p:spTree>
   </p:cSld>
+  <p:clrMapOvr>
+    <a:masterClrMapping/>
+  </p:clrMapOvr>
 </p:sld>
 </file>
 
@@ -5312,28 +8554,205 @@
             <p:ph type="title"/>
           </p:nvPr>
         </p:nvSpPr>
-        <p:spPr>
-          <a:xfrm>
-            <a:off x="603504" y="767419"/>
-            <a:ext cx="10780776" cy="3355848"/>
-          </a:xfrm>
-        </p:spPr>
-        <p:txBody>
-          <a:bodyPr/>
-          <a:lstStyle/>
-          <a:p>
-            <a:pPr lvl="0" indent="0" marL="0">
+        <p:spPr/>
+        <p:txBody>
+          <a:bodyPr/>
+          <a:lstStyle/>
+          <a:p>
+            <a:pPr marL="0" lvl="0" indent="0">
               <a:buNone/>
             </a:pPr>
             <a:r>
-              <a:rPr/>
-              <a:t>Model Development and Training</a:t>
-            </a:r>
+              <a:t>Slides, Notebooks, and Code</a:t>
+            </a:r>
+          </a:p>
+        </p:txBody>
+      </p:sp>
+      <p:sp>
+        <p:nvSpPr>
+          <p:cNvPr id="3" name="Content Placeholder 2"/>
+          <p:cNvSpPr>
+            <a:spLocks noGrp="1"/>
+          </p:cNvSpPr>
+          <p:nvPr>
+            <p:ph sz="half" idx="1"/>
+          </p:nvPr>
+        </p:nvSpPr>
+        <p:spPr/>
+        <p:txBody>
+          <a:bodyPr/>
+          <a:lstStyle/>
+          <a:p>
+            <a:pPr lvl="0"/>
+            <a:r>
+              <a:t>These notes are based on Chapter 6 of </a:t>
+            </a:r>
+            <a:r>
+              <a:rPr i="1">
+                <a:hlinkClick r:id="rId2"/>
+              </a:rPr>
+              <a:t>Designing Machine Learning Systems</a:t>
+            </a:r>
+            <a:r>
+              <a:t>, by </a:t>
+            </a:r>
+            <a:r>
+              <a:rPr>
+                <a:hlinkClick r:id="rId3"/>
+              </a:rPr>
+              <a:t>Chip Huyen</a:t>
+            </a:r>
+            <a:r>
+              <a:t>.</a:t>
+            </a:r>
+          </a:p>
+        </p:txBody>
+      </p:sp>
+      <p:sp>
+        <p:nvSpPr>
+          <p:cNvPr id="4" name="Content Placeholder 3"/>
+          <p:cNvSpPr>
+            <a:spLocks noGrp="1"/>
+          </p:cNvSpPr>
+          <p:nvPr>
+            <p:ph sz="half" idx="2"/>
+          </p:nvPr>
+        </p:nvSpPr>
+        <p:spPr/>
+        <p:txBody>
+          <a:bodyPr>
+            <a:normAutofit/>
+          </a:bodyPr>
+          <a:lstStyle/>
+          <a:p>
+            <a:pPr marL="0" lvl="0" indent="0">
+              <a:buNone/>
+            </a:pPr>
+            <a:r>
+              <a:rPr sz="1100" b="1" dirty="0"/>
+              <a:t>Notebooks</a:t>
+            </a:r>
+          </a:p>
+          <a:p>
+            <a:pPr lvl="0"/>
+            <a:r>
+              <a:rPr sz="1100" dirty="0">
+                <a:latin typeface="Courier"/>
+              </a:rPr>
+              <a:t>./notebooks/production_5_model_development.ipynb</a:t>
+            </a:r>
+          </a:p>
+          <a:p>
+            <a:pPr marL="0" lvl="0" indent="0">
+              <a:buNone/>
+            </a:pPr>
+            <a:r>
+              <a:rPr sz="1100" b="1" dirty="0"/>
+              <a:t>Code</a:t>
+            </a:r>
+          </a:p>
+          <a:p>
+            <a:pPr lvl="0"/>
+            <a:r>
+              <a:rPr sz="1100" dirty="0">
+                <a:latin typeface="Courier"/>
+              </a:rPr>
+              <a:t>./src/credit_experiment_*.py</a:t>
+            </a:r>
+          </a:p>
+        </p:txBody>
+      </p:sp>
+      <p:sp>
+        <p:nvSpPr>
+          <p:cNvPr id="5" name="Date Placeholder 4">
+            <a:extLst>
+              <a:ext uri="{FF2B5EF4-FFF2-40B4-BE49-F238E27FC236}">
+                <a16:creationId xmlns:a16="http://schemas.microsoft.com/office/drawing/2014/main" id="{4F5CD34F-1BC5-F74D-E4F5-42EC7C7976FC}"/>
+              </a:ext>
+            </a:extLst>
+          </p:cNvPr>
+          <p:cNvSpPr>
+            <a:spLocks noGrp="1"/>
+          </p:cNvSpPr>
+          <p:nvPr>
+            <p:ph type="dt" sz="half" idx="10"/>
+          </p:nvPr>
+        </p:nvSpPr>
+        <p:spPr/>
+        <p:txBody>
+          <a:bodyPr/>
+          <a:lstStyle/>
+          <a:p>
+            <a:r>
+              <a:rPr lang="en-US"/>
+              <a:t>March 2024</a:t>
+            </a:r>
+            <a:endParaRPr lang="en-CA"/>
+          </a:p>
+        </p:txBody>
+      </p:sp>
+      <p:sp>
+        <p:nvSpPr>
+          <p:cNvPr id="6" name="Footer Placeholder 5">
+            <a:extLst>
+              <a:ext uri="{FF2B5EF4-FFF2-40B4-BE49-F238E27FC236}">
+                <a16:creationId xmlns:a16="http://schemas.microsoft.com/office/drawing/2014/main" id="{35ACAC50-3344-3E85-0F51-C6AFA2AE218C}"/>
+              </a:ext>
+            </a:extLst>
+          </p:cNvPr>
+          <p:cNvSpPr>
+            <a:spLocks noGrp="1"/>
+          </p:cNvSpPr>
+          <p:nvPr>
+            <p:ph type="ftr" sz="quarter" idx="11"/>
+          </p:nvPr>
+        </p:nvSpPr>
+        <p:spPr/>
+        <p:txBody>
+          <a:bodyPr/>
+          <a:lstStyle/>
+          <a:p>
+            <a:r>
+              <a:rPr lang="en-CA"/>
+              <a:t>Production - Model Development</a:t>
+            </a:r>
+          </a:p>
+        </p:txBody>
+      </p:sp>
+      <p:sp>
+        <p:nvSpPr>
+          <p:cNvPr id="7" name="Slide Number Placeholder 6">
+            <a:extLst>
+              <a:ext uri="{FF2B5EF4-FFF2-40B4-BE49-F238E27FC236}">
+                <a16:creationId xmlns:a16="http://schemas.microsoft.com/office/drawing/2014/main" id="{5F07076A-B381-7308-AEE7-FAAABD6A1101}"/>
+              </a:ext>
+            </a:extLst>
+          </p:cNvPr>
+          <p:cNvSpPr>
+            <a:spLocks noGrp="1"/>
+          </p:cNvSpPr>
+          <p:nvPr>
+            <p:ph type="sldNum" sz="quarter" idx="12"/>
+          </p:nvPr>
+        </p:nvSpPr>
+        <p:spPr/>
+        <p:txBody>
+          <a:bodyPr/>
+          <a:lstStyle/>
+          <a:p>
+            <a:fld id="{4F4BDF5D-830C-4829-B676-EE421164B1C8}" type="slidenum">
+              <a:rPr lang="en-CA" smtClean="0"/>
+              <a:t>4</a:t>
+            </a:fld>
+            <a:endParaRPr lang="en-CA"/>
           </a:p>
         </p:txBody>
       </p:sp>
     </p:spTree>
   </p:cSld>
+  <p:clrMapOvr>
+    <a:masterClrMapping/>
+  </p:clrMapOvr>
 </p:sld>
 </file>
 
@@ -5364,83 +8783,116 @@
             <p:ph type="title"/>
           </p:nvPr>
         </p:nvSpPr>
-        <p:spPr/>
-        <p:txBody>
-          <a:bodyPr/>
-          <a:lstStyle/>
-          <a:p>
-            <a:pPr lvl="0" indent="0" marL="0">
+        <p:spPr>
+          <a:xfrm>
+            <a:off x="603504" y="767419"/>
+            <a:ext cx="10780776" cy="3355848"/>
+          </a:xfrm>
+        </p:spPr>
+        <p:txBody>
+          <a:bodyPr/>
+          <a:lstStyle/>
+          <a:p>
+            <a:pPr marL="0" lvl="0" indent="0">
               <a:buNone/>
             </a:pPr>
             <a:r>
-              <a:rPr/>
-              <a:t>Evaluating ML Models</a:t>
-            </a:r>
-          </a:p>
-        </p:txBody>
-      </p:sp>
-      <p:sp>
-        <p:nvSpPr>
-          <p:cNvPr id="3" name="Content Placeholder 2"/>
-          <p:cNvSpPr>
-            <a:spLocks noGrp="1"/>
-          </p:cNvSpPr>
-          <p:nvPr>
-            <p:ph idx="1" sz="half"/>
-          </p:nvPr>
-        </p:nvSpPr>
-        <p:spPr/>
-        <p:txBody>
-          <a:bodyPr/>
-          <a:lstStyle/>
-          <a:p>
-            <a:pPr lvl="0"/>
-            <a:r>
-              <a:rPr/>
-              <a:t>Evaluating ML models in production is a multidimentional problem.</a:t>
-            </a:r>
-          </a:p>
-          <a:p>
-            <a:pPr lvl="0"/>
-            <a:r>
-              <a:rPr/>
-              <a:t>Model performance (of course) is improtance, but also how long it takes to train, latency at inference, (cost of) compute requirements, and explainability.</a:t>
-            </a:r>
-          </a:p>
-        </p:txBody>
-      </p:sp>
-      <p:sp>
-        <p:nvSpPr>
-          <p:cNvPr id="4" name="Content Placeholder 3"/>
-          <p:cNvSpPr>
-            <a:spLocks noGrp="1"/>
-          </p:cNvSpPr>
-          <p:nvPr>
-            <p:ph idx="2" sz="half"/>
-          </p:nvPr>
-        </p:nvSpPr>
-        <p:spPr/>
-        <p:txBody>
-          <a:bodyPr/>
-          <a:lstStyle/>
-          <a:p>
-            <a:pPr lvl="0"/>
-            <a:r>
-              <a:rPr/>
-              <a:t>Different types of algorithms require different numbers of labels as well as different amounts of compute power.</a:t>
-            </a:r>
-          </a:p>
-          <a:p>
-            <a:pPr lvl="0"/>
-            <a:r>
-              <a:rPr/>
-              <a:t>Some take longer to train than others, whereas some take longer to make predictions.</a:t>
-            </a:r>
+              <a:t>Our Reference Architecture</a:t>
+            </a:r>
+          </a:p>
+        </p:txBody>
+      </p:sp>
+      <p:sp>
+        <p:nvSpPr>
+          <p:cNvPr id="3" name="Date Placeholder 2">
+            <a:extLst>
+              <a:ext uri="{FF2B5EF4-FFF2-40B4-BE49-F238E27FC236}">
+                <a16:creationId xmlns:a16="http://schemas.microsoft.com/office/drawing/2014/main" id="{9364BC5D-A01D-D202-4AE1-BD68469493FB}"/>
+              </a:ext>
+            </a:extLst>
+          </p:cNvPr>
+          <p:cNvSpPr>
+            <a:spLocks noGrp="1"/>
+          </p:cNvSpPr>
+          <p:nvPr>
+            <p:ph type="dt" sz="half" idx="10"/>
+          </p:nvPr>
+        </p:nvSpPr>
+        <p:spPr/>
+        <p:txBody>
+          <a:bodyPr/>
+          <a:lstStyle/>
+          <a:p>
+            <a:r>
+              <a:rPr lang="en-US"/>
+              <a:t>March 2024</a:t>
+            </a:r>
+            <a:endParaRPr lang="en-CA"/>
+          </a:p>
+        </p:txBody>
+      </p:sp>
+      <p:sp>
+        <p:nvSpPr>
+          <p:cNvPr id="4" name="Footer Placeholder 3">
+            <a:extLst>
+              <a:ext uri="{FF2B5EF4-FFF2-40B4-BE49-F238E27FC236}">
+                <a16:creationId xmlns:a16="http://schemas.microsoft.com/office/drawing/2014/main" id="{B353CE7A-A287-B523-CA7D-CD21CC6F8CE1}"/>
+              </a:ext>
+            </a:extLst>
+          </p:cNvPr>
+          <p:cNvSpPr>
+            <a:spLocks noGrp="1"/>
+          </p:cNvSpPr>
+          <p:nvPr>
+            <p:ph type="ftr" sz="quarter" idx="11"/>
+          </p:nvPr>
+        </p:nvSpPr>
+        <p:spPr/>
+        <p:txBody>
+          <a:bodyPr/>
+          <a:lstStyle/>
+          <a:p>
+            <a:r>
+              <a:rPr lang="en-CA"/>
+              <a:t>Production - Model Development</a:t>
+            </a:r>
+          </a:p>
+        </p:txBody>
+      </p:sp>
+      <p:sp>
+        <p:nvSpPr>
+          <p:cNvPr id="5" name="Slide Number Placeholder 4">
+            <a:extLst>
+              <a:ext uri="{FF2B5EF4-FFF2-40B4-BE49-F238E27FC236}">
+                <a16:creationId xmlns:a16="http://schemas.microsoft.com/office/drawing/2014/main" id="{777AF050-D9AF-1838-5D4D-40ECD9073790}"/>
+              </a:ext>
+            </a:extLst>
+          </p:cNvPr>
+          <p:cNvSpPr>
+            <a:spLocks noGrp="1"/>
+          </p:cNvSpPr>
+          <p:nvPr>
+            <p:ph type="sldNum" sz="quarter" idx="12"/>
+          </p:nvPr>
+        </p:nvSpPr>
+        <p:spPr/>
+        <p:txBody>
+          <a:bodyPr/>
+          <a:lstStyle/>
+          <a:p>
+            <a:fld id="{4F4BDF5D-830C-4829-B676-EE421164B1C8}" type="slidenum">
+              <a:rPr lang="en-CA" smtClean="0"/>
+              <a:t>5</a:t>
+            </a:fld>
+            <a:endParaRPr lang="en-CA"/>
           </a:p>
         </p:txBody>
       </p:sp>
     </p:spTree>
   </p:cSld>
+  <p:clrMapOvr>
+    <a:masterClrMapping/>
+  </p:clrMapOvr>
 </p:sld>
 </file>
 
@@ -5461,106 +8913,9 @@
           <a:chExt cx="0" cy="0"/>
         </a:xfrm>
       </p:grpSpPr>
-      <p:sp>
-        <p:nvSpPr>
-          <p:cNvPr id="2" name="Title 1"/>
-          <p:cNvSpPr>
-            <a:spLocks noGrp="1"/>
-          </p:cNvSpPr>
-          <p:nvPr>
-            <p:ph type="title"/>
-          </p:nvPr>
-        </p:nvSpPr>
-        <p:spPr/>
-        <p:txBody>
-          <a:bodyPr/>
-          <a:lstStyle/>
-          <a:p>
-            <a:pPr lvl="0" indent="0" marL="0">
-              <a:buNone/>
-            </a:pPr>
-            <a:r>
-              <a:rPr/>
-              <a:t>Guidance for Model Selection (1/3)</a:t>
-            </a:r>
-          </a:p>
-        </p:txBody>
-      </p:sp>
-      <p:sp>
-        <p:nvSpPr>
-          <p:cNvPr id="3" name="Content Placeholder 2"/>
-          <p:cNvSpPr>
-            <a:spLocks noGrp="1"/>
-          </p:cNvSpPr>
-          <p:nvPr>
-            <p:ph idx="1" sz="half"/>
-          </p:nvPr>
-        </p:nvSpPr>
-        <p:spPr/>
-        <p:txBody>
-          <a:bodyPr/>
-          <a:lstStyle/>
-          <a:p>
-            <a:pPr lvl="0"/>
-            <a:r>
-              <a:rPr/>
-              <a:t>Avoid the state-of-the-art trap</a:t>
-            </a:r>
-          </a:p>
-          <a:p>
-            <a:pPr lvl="1"/>
-            <a:r>
-              <a:rPr/>
-              <a:t>Researchers evaluate models in academic settings: if a model is state-of-the-art, it performs better than existing models on some static dataset.</a:t>
-            </a:r>
-          </a:p>
-          <a:p>
-            <a:pPr lvl="1"/>
-            <a:r>
-              <a:rPr/>
-              <a:t>It is important to remain up to date, but solve the problem first.</a:t>
-            </a:r>
-          </a:p>
-          <a:p>
-            <a:pPr lvl="0"/>
-            <a:r>
-              <a:rPr/>
-              <a:t>Start with the simplest models</a:t>
-            </a:r>
-          </a:p>
-          <a:p>
-            <a:pPr lvl="1"/>
-            <a:r>
-              <a:rPr/>
-              <a:t>Simple is better than complex: easier to deploy, easier to understand, and serve as a baseline.</a:t>
-            </a:r>
-          </a:p>
-          <a:p>
-            <a:pPr lvl="1"/>
-            <a:r>
-              <a:rPr/>
-              <a:t>Easier to deploy: speeds up to experimentation cycle.</a:t>
-            </a:r>
-          </a:p>
-          <a:p>
-            <a:pPr lvl="1"/>
-            <a:r>
-              <a:rPr/>
-              <a:t>Easier to understand: adds complexity as needed.</a:t>
-            </a:r>
-          </a:p>
-          <a:p>
-            <a:pPr lvl="1"/>
-            <a:r>
-              <a:rPr/>
-              <a:t>Baseline: simple models serve as a starting comparison point model development.</a:t>
-            </a:r>
-          </a:p>
-        </p:txBody>
-      </p:sp>
       <p:pic>
         <p:nvPicPr>
-          <p:cNvPr descr="./img/leaderboard_benchmark.png" id="0" name="Picture 1"/>
+          <p:cNvPr id="3" name="Picture 1" descr="../img/flock_ref_arhitecture.png"/>
           <p:cNvPicPr>
             <a:picLocks noGrp="1" noChangeAspect="1"/>
           </p:cNvPicPr>
@@ -5574,8 +8929,8 @@
         </p:blipFill>
         <p:spPr bwMode="auto">
           <a:xfrm>
-            <a:off x="6007100" y="2552700"/>
-            <a:ext cx="4660900" cy="2146300"/>
+            <a:off x="946150" y="1169263"/>
+            <a:ext cx="10198100" cy="4925874"/>
           </a:xfrm>
           <a:prstGeom prst="rect">
             <a:avLst/>
@@ -5590,14 +8945,38 @@
       </p:pic>
       <p:sp>
         <p:nvSpPr>
-          <p:cNvPr id="1" name="TextBox 3"/>
+          <p:cNvPr id="2" name="Title 1"/>
+          <p:cNvSpPr>
+            <a:spLocks noGrp="1"/>
+          </p:cNvSpPr>
+          <p:nvPr>
+            <p:ph type="title"/>
+          </p:nvPr>
+        </p:nvSpPr>
+        <p:spPr/>
+        <p:txBody>
+          <a:bodyPr/>
+          <a:lstStyle/>
+          <a:p>
+            <a:pPr marL="0" lvl="0" indent="0">
+              <a:buNone/>
+            </a:pPr>
+            <a:r>
+              <a:t>The Flock Reference Architecture</a:t>
+            </a:r>
+          </a:p>
+        </p:txBody>
+      </p:sp>
+      <p:sp>
+        <p:nvSpPr>
+          <p:cNvPr id="4" name="TextBox 3"/>
           <p:cNvSpPr txBox="1"/>
           <p:nvPr/>
         </p:nvSpPr>
         <p:spPr>
           <a:xfrm>
-            <a:off x="6007100" y="5245100"/>
-            <a:ext cx="4660900" cy="508000"/>
+            <a:off x="673100" y="6067425"/>
+            <a:ext cx="10744200" cy="508000"/>
           </a:xfrm>
           <a:prstGeom prst="rect">
             <a:avLst/>
@@ -5608,18 +8987,163 @@
           <a:bodyPr/>
           <a:lstStyle/>
           <a:p>
-            <a:pPr lvl="0" indent="0" marL="0" algn="ctr">
+            <a:pPr marL="0" lvl="0" indent="0" algn="ctr">
               <a:buNone/>
             </a:pPr>
             <a:r>
-              <a:rPr/>
-              <a:t>State of the Art Model Performance on ImageNet (paperswithcode.com)</a:t>
-            </a:r>
+              <a:rPr sz="1100" dirty="0"/>
+              <a:t>Agrawal et al (2019)</a:t>
+            </a:r>
+          </a:p>
+        </p:txBody>
+      </p:sp>
+      <p:sp>
+        <p:nvSpPr>
+          <p:cNvPr id="5" name="Date Placeholder 4">
+            <a:extLst>
+              <a:ext uri="{FF2B5EF4-FFF2-40B4-BE49-F238E27FC236}">
+                <a16:creationId xmlns:a16="http://schemas.microsoft.com/office/drawing/2014/main" id="{811D5F65-6EB7-6FD8-53D4-EFC3A5354285}"/>
+              </a:ext>
+            </a:extLst>
+          </p:cNvPr>
+          <p:cNvSpPr>
+            <a:spLocks noGrp="1"/>
+          </p:cNvSpPr>
+          <p:nvPr>
+            <p:ph type="dt" sz="half" idx="10"/>
+          </p:nvPr>
+        </p:nvSpPr>
+        <p:spPr/>
+        <p:txBody>
+          <a:bodyPr/>
+          <a:lstStyle/>
+          <a:p>
+            <a:r>
+              <a:rPr lang="en-US"/>
+              <a:t>March 2024</a:t>
+            </a:r>
+            <a:endParaRPr lang="en-CA"/>
+          </a:p>
+        </p:txBody>
+      </p:sp>
+      <p:sp>
+        <p:nvSpPr>
+          <p:cNvPr id="6" name="Footer Placeholder 5">
+            <a:extLst>
+              <a:ext uri="{FF2B5EF4-FFF2-40B4-BE49-F238E27FC236}">
+                <a16:creationId xmlns:a16="http://schemas.microsoft.com/office/drawing/2014/main" id="{0162F363-CA5B-B7BF-F04E-5DFE019A02F1}"/>
+              </a:ext>
+            </a:extLst>
+          </p:cNvPr>
+          <p:cNvSpPr>
+            <a:spLocks noGrp="1"/>
+          </p:cNvSpPr>
+          <p:nvPr>
+            <p:ph type="ftr" sz="quarter" idx="11"/>
+          </p:nvPr>
+        </p:nvSpPr>
+        <p:spPr/>
+        <p:txBody>
+          <a:bodyPr/>
+          <a:lstStyle/>
+          <a:p>
+            <a:r>
+              <a:rPr lang="en-CA"/>
+              <a:t>Production - Model Development</a:t>
+            </a:r>
+          </a:p>
+        </p:txBody>
+      </p:sp>
+      <p:sp>
+        <p:nvSpPr>
+          <p:cNvPr id="7" name="Slide Number Placeholder 6">
+            <a:extLst>
+              <a:ext uri="{FF2B5EF4-FFF2-40B4-BE49-F238E27FC236}">
+                <a16:creationId xmlns:a16="http://schemas.microsoft.com/office/drawing/2014/main" id="{FCF4D984-C3BC-9441-2507-2A2840E15353}"/>
+              </a:ext>
+            </a:extLst>
+          </p:cNvPr>
+          <p:cNvSpPr>
+            <a:spLocks noGrp="1"/>
+          </p:cNvSpPr>
+          <p:nvPr>
+            <p:ph type="sldNum" sz="quarter" idx="12"/>
+          </p:nvPr>
+        </p:nvSpPr>
+        <p:spPr/>
+        <p:txBody>
+          <a:bodyPr/>
+          <a:lstStyle/>
+          <a:p>
+            <a:fld id="{4F4BDF5D-830C-4829-B676-EE421164B1C8}" type="slidenum">
+              <a:rPr lang="en-CA" smtClean="0"/>
+              <a:t>6</a:t>
+            </a:fld>
+            <a:endParaRPr lang="en-CA"/>
+          </a:p>
+        </p:txBody>
+      </p:sp>
+      <p:sp>
+        <p:nvSpPr>
+          <p:cNvPr id="8" name="Rectangle: Rounded Corners 7">
+            <a:extLst>
+              <a:ext uri="{FF2B5EF4-FFF2-40B4-BE49-F238E27FC236}">
+                <a16:creationId xmlns:a16="http://schemas.microsoft.com/office/drawing/2014/main" id="{97BCFA4B-E11E-0035-4EC7-D666CD6295EF}"/>
+              </a:ext>
+            </a:extLst>
+          </p:cNvPr>
+          <p:cNvSpPr/>
+          <p:nvPr/>
+        </p:nvSpPr>
+        <p:spPr>
+          <a:xfrm>
+            <a:off x="3914776" y="1718878"/>
+            <a:ext cx="4229100" cy="1710121"/>
+          </a:xfrm>
+          <a:prstGeom prst="roundRect">
+            <a:avLst/>
+          </a:prstGeom>
+          <a:solidFill>
+            <a:srgbClr val="FFC000">
+              <a:alpha val="25098"/>
+            </a:srgbClr>
+          </a:solidFill>
+          <a:ln w="57150">
+            <a:solidFill>
+              <a:srgbClr val="FF0000"/>
+            </a:solidFill>
+          </a:ln>
+        </p:spPr>
+        <p:style>
+          <a:lnRef idx="2">
+            <a:schemeClr val="accent1">
+              <a:shade val="15000"/>
+            </a:schemeClr>
+          </a:lnRef>
+          <a:fillRef idx="1">
+            <a:schemeClr val="accent1"/>
+          </a:fillRef>
+          <a:effectRef idx="0">
+            <a:schemeClr val="accent1"/>
+          </a:effectRef>
+          <a:fontRef idx="minor">
+            <a:schemeClr val="lt1"/>
+          </a:fontRef>
+        </p:style>
+        <p:txBody>
+          <a:bodyPr rtlCol="0" anchor="ctr"/>
+          <a:lstStyle/>
+          <a:p>
+            <a:pPr algn="ctr"/>
+            <a:endParaRPr lang="en-CA"/>
           </a:p>
         </p:txBody>
       </p:sp>
     </p:spTree>
   </p:cSld>
+  <p:clrMapOvr>
+    <a:masterClrMapping/>
+  </p:clrMapOvr>
 </p:sld>
 </file>
 
@@ -5650,158 +9174,116 @@
             <p:ph type="title"/>
           </p:nvPr>
         </p:nvSpPr>
-        <p:spPr/>
-        <p:txBody>
-          <a:bodyPr/>
-          <a:lstStyle/>
-          <a:p>
-            <a:pPr lvl="0" indent="0" marL="0">
-              <a:buNone/>
-            </a:pPr>
-            <a:r>
-              <a:rPr/>
-              <a:t>Guidance for Model Selection (2/3)</a:t>
-            </a:r>
-          </a:p>
-        </p:txBody>
-      </p:sp>
-      <p:sp>
-        <p:nvSpPr>
-          <p:cNvPr id="3" name="Content Placeholder 2"/>
-          <p:cNvSpPr>
-            <a:spLocks noGrp="1"/>
-          </p:cNvSpPr>
-          <p:nvPr>
-            <p:ph idx="1" sz="half"/>
-          </p:nvPr>
-        </p:nvSpPr>
-        <p:spPr/>
-        <p:txBody>
-          <a:bodyPr/>
-          <a:lstStyle/>
-          <a:p>
-            <a:pPr lvl="0"/>
-            <a:r>
-              <a:rPr/>
-              <a:t>Avoid human biases in selecting models</a:t>
-            </a:r>
-          </a:p>
-          <a:p>
-            <a:pPr lvl="1"/>
-            <a:r>
-              <a:rPr/>
-              <a:t>Human biases can be introduced throughout the model development process.</a:t>
-            </a:r>
-          </a:p>
-          <a:p>
-            <a:pPr lvl="1"/>
-            <a:r>
-              <a:rPr/>
-              <a:t>Experiment methodically and store results.</a:t>
-            </a:r>
-          </a:p>
-          <a:p>
-            <a:pPr lvl="1"/>
-            <a:r>
-              <a:rPr/>
-              <a:t>Model has three components: algorithmic logic, code, and data.</a:t>
-            </a:r>
-          </a:p>
-          <a:p>
-            <a:pPr lvl="0"/>
-            <a:r>
-              <a:rPr/>
-              <a:t>Evaluate good performance now versus good performance later</a:t>
-            </a:r>
-          </a:p>
-          <a:p>
-            <a:pPr lvl="1"/>
-            <a:r>
-              <a:rPr/>
-              <a:t>A simple way to estimate how your model’s performance might change with more data is to use learning curves.</a:t>
-            </a:r>
-          </a:p>
-          <a:p>
-            <a:pPr lvl="1"/>
-            <a:r>
-              <a:rPr/>
-              <a:t>While evaluating models, consider their potential for improvement and how easy/difficult it is to achieve.</a:t>
-            </a:r>
-          </a:p>
-        </p:txBody>
-      </p:sp>
-      <p:pic>
-        <p:nvPicPr>
-          <p:cNvPr descr="./img/learning_curves.png" id="0" name="Picture 1"/>
-          <p:cNvPicPr>
-            <a:picLocks noGrp="1" noChangeAspect="1"/>
-          </p:cNvPicPr>
-          <p:nvPr/>
-        </p:nvPicPr>
-        <p:blipFill>
-          <a:blip r:embed="rId2"/>
-          <a:stretch>
-            <a:fillRect/>
-          </a:stretch>
-        </p:blipFill>
-        <p:spPr bwMode="auto">
-          <a:xfrm>
-            <a:off x="6007100" y="2222500"/>
-            <a:ext cx="4660900" cy="2794000"/>
-          </a:xfrm>
-          <a:prstGeom prst="rect">
-            <a:avLst/>
-          </a:prstGeom>
-          <a:noFill/>
-          <a:ln w="9525">
-            <a:noFill/>
-            <a:headEnd/>
-            <a:tailEnd/>
-          </a:ln>
-        </p:spPr>
-      </p:pic>
-      <p:sp>
-        <p:nvSpPr>
-          <p:cNvPr id="1" name="TextBox 3"/>
-          <p:cNvSpPr txBox="1"/>
-          <p:nvPr/>
-        </p:nvSpPr>
         <p:spPr>
           <a:xfrm>
-            <a:off x="6007100" y="5245100"/>
-            <a:ext cx="4660900" cy="508000"/>
+            <a:off x="603504" y="767419"/>
+            <a:ext cx="10780776" cy="3355848"/>
           </a:xfrm>
-          <a:prstGeom prst="rect">
-            <a:avLst/>
-          </a:prstGeom>
-          <a:noFill/>
         </p:spPr>
         <p:txBody>
           <a:bodyPr/>
           <a:lstStyle/>
           <a:p>
-            <a:pPr lvl="0" indent="0" marL="0" algn="ctr">
+            <a:pPr marL="0" lvl="0" indent="0">
               <a:buNone/>
             </a:pPr>
             <a:r>
-              <a:rPr/>
-              <a:t>Learning Curves ( </a:t>
-            </a:r>
-            <a:r>
-              <a:rPr>
-                <a:hlinkClick r:id="rId3"/>
-              </a:rPr>
-              <a:t>scikit-learn.org</a:t>
-            </a:r>
-            <a:r>
-              <a:rPr/>
-              <a:t> )</a:t>
-            </a:r>
+              <a:t>Model Development and Training</a:t>
+            </a:r>
+          </a:p>
+        </p:txBody>
+      </p:sp>
+      <p:sp>
+        <p:nvSpPr>
+          <p:cNvPr id="3" name="Date Placeholder 2">
+            <a:extLst>
+              <a:ext uri="{FF2B5EF4-FFF2-40B4-BE49-F238E27FC236}">
+                <a16:creationId xmlns:a16="http://schemas.microsoft.com/office/drawing/2014/main" id="{DF7820A9-DE72-3237-E0ED-AA5B8E6D0A7F}"/>
+              </a:ext>
+            </a:extLst>
+          </p:cNvPr>
+          <p:cNvSpPr>
+            <a:spLocks noGrp="1"/>
+          </p:cNvSpPr>
+          <p:nvPr>
+            <p:ph type="dt" sz="half" idx="10"/>
+          </p:nvPr>
+        </p:nvSpPr>
+        <p:spPr/>
+        <p:txBody>
+          <a:bodyPr/>
+          <a:lstStyle/>
+          <a:p>
+            <a:r>
+              <a:rPr lang="en-US"/>
+              <a:t>March 2024</a:t>
+            </a:r>
+            <a:endParaRPr lang="en-CA"/>
+          </a:p>
+        </p:txBody>
+      </p:sp>
+      <p:sp>
+        <p:nvSpPr>
+          <p:cNvPr id="4" name="Footer Placeholder 3">
+            <a:extLst>
+              <a:ext uri="{FF2B5EF4-FFF2-40B4-BE49-F238E27FC236}">
+                <a16:creationId xmlns:a16="http://schemas.microsoft.com/office/drawing/2014/main" id="{72A8AAFE-DB41-0BA0-9EA1-CC3F62A7EA0B}"/>
+              </a:ext>
+            </a:extLst>
+          </p:cNvPr>
+          <p:cNvSpPr>
+            <a:spLocks noGrp="1"/>
+          </p:cNvSpPr>
+          <p:nvPr>
+            <p:ph type="ftr" sz="quarter" idx="11"/>
+          </p:nvPr>
+        </p:nvSpPr>
+        <p:spPr/>
+        <p:txBody>
+          <a:bodyPr/>
+          <a:lstStyle/>
+          <a:p>
+            <a:r>
+              <a:rPr lang="en-CA"/>
+              <a:t>Production - Model Development</a:t>
+            </a:r>
+          </a:p>
+        </p:txBody>
+      </p:sp>
+      <p:sp>
+        <p:nvSpPr>
+          <p:cNvPr id="5" name="Slide Number Placeholder 4">
+            <a:extLst>
+              <a:ext uri="{FF2B5EF4-FFF2-40B4-BE49-F238E27FC236}">
+                <a16:creationId xmlns:a16="http://schemas.microsoft.com/office/drawing/2014/main" id="{265E6DB8-AC03-1DB6-EB13-FC64E92C52CB}"/>
+              </a:ext>
+            </a:extLst>
+          </p:cNvPr>
+          <p:cNvSpPr>
+            <a:spLocks noGrp="1"/>
+          </p:cNvSpPr>
+          <p:nvPr>
+            <p:ph type="sldNum" sz="quarter" idx="12"/>
+          </p:nvPr>
+        </p:nvSpPr>
+        <p:spPr/>
+        <p:txBody>
+          <a:bodyPr/>
+          <a:lstStyle/>
+          <a:p>
+            <a:fld id="{4F4BDF5D-830C-4829-B676-EE421164B1C8}" type="slidenum">
+              <a:rPr lang="en-CA" smtClean="0"/>
+              <a:t>7</a:t>
+            </a:fld>
+            <a:endParaRPr lang="en-CA"/>
           </a:p>
         </p:txBody>
       </p:sp>
     </p:spTree>
   </p:cSld>
+  <p:clrMapOvr>
+    <a:masterClrMapping/>
+  </p:clrMapOvr>
 </p:sld>
 </file>
 
@@ -5837,12 +9319,11 @@
           <a:bodyPr/>
           <a:lstStyle/>
           <a:p>
-            <a:pPr lvl="0" indent="0" marL="0">
+            <a:pPr marL="0" lvl="0" indent="0">
               <a:buNone/>
             </a:pPr>
             <a:r>
-              <a:rPr/>
-              <a:t>Guidance for Model Selection (3/3)</a:t>
+              <a:t>Evaluating ML Models</a:t>
             </a:r>
           </a:p>
         </p:txBody>
@@ -5854,7 +9335,7 @@
             <a:spLocks noGrp="1"/>
           </p:cNvSpPr>
           <p:nvPr>
-            <p:ph idx="1" sz="half"/>
+            <p:ph sz="half" idx="1"/>
           </p:nvPr>
         </p:nvSpPr>
         <p:spPr/>
@@ -5864,22 +9345,13 @@
           <a:p>
             <a:pPr lvl="0"/>
             <a:r>
-              <a:rPr/>
-              <a:t>Evaluate trade-offs</a:t>
-            </a:r>
-          </a:p>
-          <a:p>
-            <a:pPr lvl="1"/>
-            <a:r>
-              <a:rPr/>
-              <a:t>False positives vs false negatives: reducing false positives may increase false negatives and vice versa.</a:t>
-            </a:r>
-          </a:p>
-          <a:p>
-            <a:pPr lvl="1"/>
-            <a:r>
-              <a:rPr/>
-              <a:t>Compute requirement and model performance: a more complex model may deliver better performance, but at what cost?</a:t>
+              <a:t>Evaluating ML models in production is a multidimensional problem.</a:t>
+            </a:r>
+          </a:p>
+          <a:p>
+            <a:pPr lvl="0"/>
+            <a:r>
+              <a:t>Model performance (of course) is important, but so are how long it takes to train, latency at inference, (cost of) compute requirements, and explainability.</a:t>
             </a:r>
           </a:p>
         </p:txBody>
@@ -5891,7 +9363,7 @@
             <a:spLocks noGrp="1"/>
           </p:cNvSpPr>
           <p:nvPr>
-            <p:ph idx="2" sz="half"/>
+            <p:ph sz="half" idx="2"/>
           </p:nvPr>
         </p:nvSpPr>
         <p:spPr/>
@@ -5901,49 +9373,108 @@
           <a:p>
             <a:pPr lvl="0"/>
             <a:r>
-              <a:rPr/>
-              <a:t>Understand your model’s assumptions</a:t>
-            </a:r>
-          </a:p>
-          <a:p>
-            <a:pPr lvl="1"/>
-            <a:r>
-              <a:rPr/>
-              <a:t>Every model comes with its own assumptions.</a:t>
-            </a:r>
-          </a:p>
-          <a:p>
-            <a:pPr lvl="1"/>
-            <a:r>
-              <a:rPr/>
-              <a:t>Prediction assumption: every model that aims to predict an output Y from an input X, assumes that it is possible to predict Y based on X.</a:t>
-            </a:r>
-          </a:p>
-          <a:p>
-            <a:pPr lvl="1"/>
-            <a:r>
-              <a:rPr/>
-              <a:t>Independent and Identically Distributed: neural nets assume that examples are independent and identically distributed.</a:t>
-            </a:r>
-          </a:p>
-          <a:p>
-            <a:pPr lvl="1"/>
-            <a:r>
-              <a:rPr/>
-              <a:t>Smoothness: supervised learning models assume that there is a set of functions that can transform inputs into outputs such that similar inputs are transformed into similar outputs. If an input X produces Y, then an input close to X would produce an output proportionally close to Y.</a:t>
-            </a:r>
-          </a:p>
-          <a:p>
-            <a:pPr lvl="1"/>
-            <a:r>
-              <a:rPr/>
-              <a:t>Linear boundaries, conditional independence, normally distributed, and so on.</a:t>
-            </a:r>
+              <a:t>Different types of algorithms require different numbers of labels as well as different amounts of computing power.</a:t>
+            </a:r>
+          </a:p>
+          <a:p>
+            <a:pPr lvl="0"/>
+            <a:r>
+              <a:t>Some take longer to train than others, whereas some take longer to make predictions.</a:t>
+            </a:r>
+          </a:p>
+        </p:txBody>
+      </p:sp>
+      <p:sp>
+        <p:nvSpPr>
+          <p:cNvPr id="5" name="Date Placeholder 4">
+            <a:extLst>
+              <a:ext uri="{FF2B5EF4-FFF2-40B4-BE49-F238E27FC236}">
+                <a16:creationId xmlns:a16="http://schemas.microsoft.com/office/drawing/2014/main" id="{E2A1F20D-9FBF-B101-4ECA-3E42CBD36692}"/>
+              </a:ext>
+            </a:extLst>
+          </p:cNvPr>
+          <p:cNvSpPr>
+            <a:spLocks noGrp="1"/>
+          </p:cNvSpPr>
+          <p:nvPr>
+            <p:ph type="dt" sz="half" idx="10"/>
+          </p:nvPr>
+        </p:nvSpPr>
+        <p:spPr/>
+        <p:txBody>
+          <a:bodyPr/>
+          <a:lstStyle/>
+          <a:p>
+            <a:r>
+              <a:rPr lang="en-US"/>
+              <a:t>March 2024</a:t>
+            </a:r>
+            <a:endParaRPr lang="en-CA"/>
+          </a:p>
+        </p:txBody>
+      </p:sp>
+      <p:sp>
+        <p:nvSpPr>
+          <p:cNvPr id="6" name="Footer Placeholder 5">
+            <a:extLst>
+              <a:ext uri="{FF2B5EF4-FFF2-40B4-BE49-F238E27FC236}">
+                <a16:creationId xmlns:a16="http://schemas.microsoft.com/office/drawing/2014/main" id="{748CFDD5-B7B5-3A3E-3C91-89E708B353B6}"/>
+              </a:ext>
+            </a:extLst>
+          </p:cNvPr>
+          <p:cNvSpPr>
+            <a:spLocks noGrp="1"/>
+          </p:cNvSpPr>
+          <p:nvPr>
+            <p:ph type="ftr" sz="quarter" idx="11"/>
+          </p:nvPr>
+        </p:nvSpPr>
+        <p:spPr/>
+        <p:txBody>
+          <a:bodyPr/>
+          <a:lstStyle/>
+          <a:p>
+            <a:r>
+              <a:rPr lang="en-CA"/>
+              <a:t>Production - Model Development</a:t>
+            </a:r>
+          </a:p>
+        </p:txBody>
+      </p:sp>
+      <p:sp>
+        <p:nvSpPr>
+          <p:cNvPr id="7" name="Slide Number Placeholder 6">
+            <a:extLst>
+              <a:ext uri="{FF2B5EF4-FFF2-40B4-BE49-F238E27FC236}">
+                <a16:creationId xmlns:a16="http://schemas.microsoft.com/office/drawing/2014/main" id="{D9F2456A-9964-2AD6-6067-F79E5BC15C5E}"/>
+              </a:ext>
+            </a:extLst>
+          </p:cNvPr>
+          <p:cNvSpPr>
+            <a:spLocks noGrp="1"/>
+          </p:cNvSpPr>
+          <p:nvPr>
+            <p:ph type="sldNum" sz="quarter" idx="12"/>
+          </p:nvPr>
+        </p:nvSpPr>
+        <p:spPr/>
+        <p:txBody>
+          <a:bodyPr/>
+          <a:lstStyle/>
+          <a:p>
+            <a:fld id="{4F4BDF5D-830C-4829-B676-EE421164B1C8}" type="slidenum">
+              <a:rPr lang="en-CA" smtClean="0"/>
+              <a:t>8</a:t>
+            </a:fld>
+            <a:endParaRPr lang="en-CA"/>
           </a:p>
         </p:txBody>
       </p:sp>
     </p:spTree>
   </p:cSld>
+  <p:clrMapOvr>
+    <a:masterClrMapping/>
+  </p:clrMapOvr>
 </p:sld>
 </file>
 
@@ -5974,28 +9505,250 @@
             <p:ph type="title"/>
           </p:nvPr>
         </p:nvSpPr>
+        <p:spPr/>
+        <p:txBody>
+          <a:bodyPr/>
+          <a:lstStyle/>
+          <a:p>
+            <a:pPr marL="0" lvl="0" indent="0">
+              <a:buNone/>
+            </a:pPr>
+            <a:r>
+              <a:t>Guidance for Model Selection (1/3)</a:t>
+            </a:r>
+          </a:p>
+        </p:txBody>
+      </p:sp>
+      <p:sp>
+        <p:nvSpPr>
+          <p:cNvPr id="3" name="Content Placeholder 2"/>
+          <p:cNvSpPr>
+            <a:spLocks noGrp="1"/>
+          </p:cNvSpPr>
+          <p:nvPr>
+            <p:ph sz="half" idx="1"/>
+          </p:nvPr>
+        </p:nvSpPr>
         <p:spPr>
           <a:xfrm>
-            <a:off x="603504" y="767419"/>
-            <a:ext cx="10780776" cy="3355848"/>
+            <a:off x="676656" y="1998134"/>
+            <a:ext cx="3819144" cy="3767328"/>
           </a:xfrm>
         </p:spPr>
         <p:txBody>
-          <a:bodyPr/>
-          <a:lstStyle/>
-          <a:p>
-            <a:pPr lvl="0" indent="0" marL="0">
+          <a:bodyPr>
+            <a:normAutofit fontScale="62500" lnSpcReduction="20000"/>
+          </a:bodyPr>
+          <a:lstStyle/>
+          <a:p>
+            <a:pPr lvl="0"/>
+            <a:r>
+              <a:rPr dirty="0"/>
+              <a:t>Avoid the state-of-the-art trap</a:t>
+            </a:r>
+          </a:p>
+          <a:p>
+            <a:pPr lvl="1"/>
+            <a:r>
+              <a:rPr dirty="0"/>
+              <a:t>Researchers evaluate models in academic settings: if a model is state-of-the-art, it performs better than existing models on some static dataset.</a:t>
+            </a:r>
+          </a:p>
+          <a:p>
+            <a:pPr lvl="1"/>
+            <a:r>
+              <a:rPr dirty="0"/>
+              <a:t>It is essential to remain up to date but solve the problem first.</a:t>
+            </a:r>
+          </a:p>
+          <a:p>
+            <a:pPr lvl="0"/>
+            <a:r>
+              <a:rPr dirty="0"/>
+              <a:t>Start with the simplest models</a:t>
+            </a:r>
+          </a:p>
+          <a:p>
+            <a:pPr lvl="1"/>
+            <a:r>
+              <a:rPr dirty="0"/>
+              <a:t>Simple is better than complex: easier to deploy, easier to understand, and serve as a baseline.</a:t>
+            </a:r>
+          </a:p>
+          <a:p>
+            <a:pPr lvl="1"/>
+            <a:r>
+              <a:rPr dirty="0"/>
+              <a:t>Easier to deploy: speeds up the experimentation cycle.</a:t>
+            </a:r>
+          </a:p>
+          <a:p>
+            <a:pPr lvl="1"/>
+            <a:r>
+              <a:rPr dirty="0"/>
+              <a:t>Easier to understand: adds complexity as needed.</a:t>
+            </a:r>
+          </a:p>
+          <a:p>
+            <a:pPr lvl="1"/>
+            <a:r>
+              <a:rPr dirty="0"/>
+              <a:t>Baseline: simple models serve as a starting comparison point for model development.</a:t>
+            </a:r>
+          </a:p>
+        </p:txBody>
+      </p:sp>
+      <p:pic>
+        <p:nvPicPr>
+          <p:cNvPr id="4" name="Picture 1" descr="./img/leaderboard_benchmark.png"/>
+          <p:cNvPicPr>
+            <a:picLocks noGrp="1" noChangeAspect="1"/>
+          </p:cNvPicPr>
+          <p:nvPr/>
+        </p:nvPicPr>
+        <p:blipFill>
+          <a:blip r:embed="rId2"/>
+          <a:stretch>
+            <a:fillRect/>
+          </a:stretch>
+        </p:blipFill>
+        <p:spPr bwMode="auto">
+          <a:xfrm>
+            <a:off x="4579872" y="1895475"/>
+            <a:ext cx="7515356" cy="3460750"/>
+          </a:xfrm>
+          <a:prstGeom prst="rect">
+            <a:avLst/>
+          </a:prstGeom>
+          <a:noFill/>
+          <a:ln w="9525">
+            <a:noFill/>
+            <a:headEnd/>
+            <a:tailEnd/>
+          </a:ln>
+        </p:spPr>
+      </p:pic>
+      <p:sp>
+        <p:nvSpPr>
+          <p:cNvPr id="5" name="TextBox 3"/>
+          <p:cNvSpPr txBox="1"/>
+          <p:nvPr/>
+        </p:nvSpPr>
+        <p:spPr>
+          <a:xfrm>
+            <a:off x="6007100" y="5904447"/>
+            <a:ext cx="4660900" cy="508000"/>
+          </a:xfrm>
+          <a:prstGeom prst="rect">
+            <a:avLst/>
+          </a:prstGeom>
+          <a:noFill/>
+        </p:spPr>
+        <p:txBody>
+          <a:bodyPr/>
+          <a:lstStyle/>
+          <a:p>
+            <a:pPr marL="0" lvl="0" indent="0" algn="ctr">
               <a:buNone/>
             </a:pPr>
             <a:r>
-              <a:rPr/>
-              <a:t>Ensembles</a:t>
-            </a:r>
+              <a:rPr sz="1050" dirty="0"/>
+              <a:t>State of the Art Model Performance on ImageNet (paperswithcode.com)</a:t>
+            </a:r>
+          </a:p>
+        </p:txBody>
+      </p:sp>
+      <p:sp>
+        <p:nvSpPr>
+          <p:cNvPr id="6" name="Date Placeholder 5">
+            <a:extLst>
+              <a:ext uri="{FF2B5EF4-FFF2-40B4-BE49-F238E27FC236}">
+                <a16:creationId xmlns:a16="http://schemas.microsoft.com/office/drawing/2014/main" id="{2B74ABEC-7D5E-3677-C695-EF62C66DB9BF}"/>
+              </a:ext>
+            </a:extLst>
+          </p:cNvPr>
+          <p:cNvSpPr>
+            <a:spLocks noGrp="1"/>
+          </p:cNvSpPr>
+          <p:nvPr>
+            <p:ph type="dt" sz="half" idx="10"/>
+          </p:nvPr>
+        </p:nvSpPr>
+        <p:spPr/>
+        <p:txBody>
+          <a:bodyPr/>
+          <a:lstStyle/>
+          <a:p>
+            <a:r>
+              <a:rPr lang="en-US"/>
+              <a:t>March 2024</a:t>
+            </a:r>
+            <a:endParaRPr lang="en-CA"/>
+          </a:p>
+        </p:txBody>
+      </p:sp>
+      <p:sp>
+        <p:nvSpPr>
+          <p:cNvPr id="7" name="Footer Placeholder 6">
+            <a:extLst>
+              <a:ext uri="{FF2B5EF4-FFF2-40B4-BE49-F238E27FC236}">
+                <a16:creationId xmlns:a16="http://schemas.microsoft.com/office/drawing/2014/main" id="{1CE6F7F2-9C49-3B16-E525-62DF4226F822}"/>
+              </a:ext>
+            </a:extLst>
+          </p:cNvPr>
+          <p:cNvSpPr>
+            <a:spLocks noGrp="1"/>
+          </p:cNvSpPr>
+          <p:nvPr>
+            <p:ph type="ftr" sz="quarter" idx="11"/>
+          </p:nvPr>
+        </p:nvSpPr>
+        <p:spPr/>
+        <p:txBody>
+          <a:bodyPr/>
+          <a:lstStyle/>
+          <a:p>
+            <a:r>
+              <a:rPr lang="en-CA"/>
+              <a:t>Production - Model Development</a:t>
+            </a:r>
+          </a:p>
+        </p:txBody>
+      </p:sp>
+      <p:sp>
+        <p:nvSpPr>
+          <p:cNvPr id="8" name="Slide Number Placeholder 7">
+            <a:extLst>
+              <a:ext uri="{FF2B5EF4-FFF2-40B4-BE49-F238E27FC236}">
+                <a16:creationId xmlns:a16="http://schemas.microsoft.com/office/drawing/2014/main" id="{B47EF7C6-E41C-5FFD-ACDE-FAE79533C2C3}"/>
+              </a:ext>
+            </a:extLst>
+          </p:cNvPr>
+          <p:cNvSpPr>
+            <a:spLocks noGrp="1"/>
+          </p:cNvSpPr>
+          <p:nvPr>
+            <p:ph type="sldNum" sz="quarter" idx="12"/>
+          </p:nvPr>
+        </p:nvSpPr>
+        <p:spPr/>
+        <p:txBody>
+          <a:bodyPr/>
+          <a:lstStyle/>
+          <a:p>
+            <a:fld id="{4F4BDF5D-830C-4829-B676-EE421164B1C8}" type="slidenum">
+              <a:rPr lang="en-CA" smtClean="0"/>
+              <a:t>9</a:t>
+            </a:fld>
+            <a:endParaRPr lang="en-CA"/>
           </a:p>
         </p:txBody>
       </p:sp>
     </p:spTree>
   </p:cSld>
+  <p:clrMapOvr>
+    <a:masterClrMapping/>
+  </p:clrMapOvr>
 </p:sld>
 </file>
 
@@ -6253,7 +10006,7 @@
         <a:srgbClr val="E7E6E6"/>
       </a:lt2>
       <a:accent1>
-        <a:srgbClr val="5B9BD5"/>
+        <a:srgbClr val="4472C4"/>
       </a:accent1>
       <a:accent2>
         <a:srgbClr val="ED7D31"/>
@@ -6265,7 +10018,7 @@
         <a:srgbClr val="FFC000"/>
       </a:accent4>
       <a:accent5>
-        <a:srgbClr val="4472C4"/>
+        <a:srgbClr val="5B9BD5"/>
       </a:accent5>
       <a:accent6>
         <a:srgbClr val="70AD47"/>
@@ -6282,9 +10035,9 @@
         <a:latin typeface="Calibri Light" panose="020F0302020204030204"/>
         <a:ea typeface=""/>
         <a:cs typeface=""/>
-        <a:font script="Jpan" typeface="ＭＳ Ｐゴシック"/>
+        <a:font script="Jpan" typeface="游ゴシック Light"/>
         <a:font script="Hang" typeface="맑은 고딕"/>
-        <a:font script="Hans" typeface="宋体"/>
+        <a:font script="Hans" typeface="等线 Light"/>
         <a:font script="Hant" typeface="新細明體"/>
         <a:font script="Arab" typeface="Times New Roman"/>
         <a:font script="Hebr" typeface="Times New Roman"/>
@@ -6312,14 +10065,31 @@
         <a:font script="Viet" typeface="Times New Roman"/>
         <a:font script="Uigh" typeface="Microsoft Uighur"/>
         <a:font script="Geor" typeface="Sylfaen"/>
+        <a:font script="Armn" typeface="Arial"/>
+        <a:font script="Bugi" typeface="Leelawadee UI"/>
+        <a:font script="Bopo" typeface="Microsoft JhengHei"/>
+        <a:font script="Java" typeface="Javanese Text"/>
+        <a:font script="Lisu" typeface="Segoe UI"/>
+        <a:font script="Mymr" typeface="Myanmar Text"/>
+        <a:font script="Nkoo" typeface="Ebrima"/>
+        <a:font script="Olck" typeface="Nirmala UI"/>
+        <a:font script="Osma" typeface="Ebrima"/>
+        <a:font script="Phag" typeface="Phagspa"/>
+        <a:font script="Syrn" typeface="Estrangelo Edessa"/>
+        <a:font script="Syrj" typeface="Estrangelo Edessa"/>
+        <a:font script="Syre" typeface="Estrangelo Edessa"/>
+        <a:font script="Sora" typeface="Nirmala UI"/>
+        <a:font script="Tale" typeface="Microsoft Tai Le"/>
+        <a:font script="Talu" typeface="Microsoft New Tai Lue"/>
+        <a:font script="Tfng" typeface="Ebrima"/>
       </a:majorFont>
       <a:minorFont>
         <a:latin typeface="Calibri" panose="020F0502020204030204"/>
         <a:ea typeface=""/>
         <a:cs typeface=""/>
-        <a:font script="Jpan" typeface="ＭＳ Ｐゴシック"/>
+        <a:font script="Jpan" typeface="游ゴシック"/>
         <a:font script="Hang" typeface="맑은 고딕"/>
-        <a:font script="Hans" typeface="宋体"/>
+        <a:font script="Hans" typeface="等线"/>
         <a:font script="Hant" typeface="新細明體"/>
         <a:font script="Arab" typeface="Arial"/>
         <a:font script="Hebr" typeface="Arial"/>
@@ -6347,6 +10117,23 @@
         <a:font script="Viet" typeface="Arial"/>
         <a:font script="Uigh" typeface="Microsoft Uighur"/>
         <a:font script="Geor" typeface="Sylfaen"/>
+        <a:font script="Armn" typeface="Arial"/>
+        <a:font script="Bugi" typeface="Leelawadee UI"/>
+        <a:font script="Bopo" typeface="Microsoft JhengHei"/>
+        <a:font script="Java" typeface="Javanese Text"/>
+        <a:font script="Lisu" typeface="Segoe UI"/>
+        <a:font script="Mymr" typeface="Myanmar Text"/>
+        <a:font script="Nkoo" typeface="Ebrima"/>
+        <a:font script="Olck" typeface="Nirmala UI"/>
+        <a:font script="Osma" typeface="Ebrima"/>
+        <a:font script="Phag" typeface="Phagspa"/>
+        <a:font script="Syrn" typeface="Estrangelo Edessa"/>
+        <a:font script="Syrj" typeface="Estrangelo Edessa"/>
+        <a:font script="Syre" typeface="Estrangelo Edessa"/>
+        <a:font script="Sora" typeface="Nirmala UI"/>
+        <a:font script="Tale" typeface="Microsoft Tai Le"/>
+        <a:font script="Talu" typeface="Microsoft New Tai Lue"/>
+        <a:font script="Tfng" typeface="Ebrima"/>
       </a:minorFont>
     </a:fontScheme>
     <a:fmtScheme name="Office">
